--- a/P2666-LastUseOptimization/LastUseOptimization.pptx
+++ b/P2666-LastUseOptimization/LastUseOptimization.pptx
@@ -6,13 +6,16 @@
   </p:sldMasterIdLst>
   <p:sldIdLst>
     <p:sldId id="257" r:id="rId2"/>
-    <p:sldId id="317" r:id="rId3"/>
-    <p:sldId id="318" r:id="rId4"/>
-    <p:sldId id="319" r:id="rId5"/>
-    <p:sldId id="320" r:id="rId6"/>
-    <p:sldId id="321" r:id="rId7"/>
-    <p:sldId id="322" r:id="rId8"/>
-    <p:sldId id="323" r:id="rId9"/>
+    <p:sldId id="339" r:id="rId3"/>
+    <p:sldId id="340" r:id="rId4"/>
+    <p:sldId id="318" r:id="rId5"/>
+    <p:sldId id="319" r:id="rId6"/>
+    <p:sldId id="341" r:id="rId7"/>
+    <p:sldId id="320" r:id="rId8"/>
+    <p:sldId id="321" r:id="rId9"/>
+    <p:sldId id="322" r:id="rId10"/>
+    <p:sldId id="342" r:id="rId11"/>
+    <p:sldId id="323" r:id="rId12"/>
   </p:sldIdLst>
   <p:sldSz cx="12192000" cy="6858000"/>
   <p:notesSz cx="6858000" cy="9144000"/>
@@ -111,6 +114,11 @@
       </a:defRPr>
     </a:lvl9pPr>
   </p:defaultTextStyle>
+  <p:extLst>
+    <p:ext uri="{EFAFB233-063F-42B5-8137-9DF3F51BA10A}">
+      <p15:sldGuideLst xmlns:p15="http://schemas.microsoft.com/office/powerpoint/2012/main"/>
+    </p:ext>
+  </p:extLst>
 </p:presentation>
 </file>
 
@@ -263,7 +271,7 @@
           <a:p>
             <a:fld id="{C6B07709-FAF6-4D95-9CDB-C0F3B77923FF}" type="datetimeFigureOut">
               <a:rPr lang="LID4096" smtClean="0"/>
-              <a:t>10/29/2022</a:t>
+              <a:t>06/16/2023</a:t>
             </a:fld>
             <a:endParaRPr lang="LID4096"/>
           </a:p>
@@ -463,7 +471,7 @@
           <a:p>
             <a:fld id="{C6B07709-FAF6-4D95-9CDB-C0F3B77923FF}" type="datetimeFigureOut">
               <a:rPr lang="LID4096" smtClean="0"/>
-              <a:t>10/29/2022</a:t>
+              <a:t>06/16/2023</a:t>
             </a:fld>
             <a:endParaRPr lang="LID4096"/>
           </a:p>
@@ -673,7 +681,7 @@
           <a:p>
             <a:fld id="{C6B07709-FAF6-4D95-9CDB-C0F3B77923FF}" type="datetimeFigureOut">
               <a:rPr lang="LID4096" smtClean="0"/>
-              <a:t>10/29/2022</a:t>
+              <a:t>06/16/2023</a:t>
             </a:fld>
             <a:endParaRPr lang="LID4096"/>
           </a:p>
@@ -873,7 +881,7 @@
           <a:p>
             <a:fld id="{C6B07709-FAF6-4D95-9CDB-C0F3B77923FF}" type="datetimeFigureOut">
               <a:rPr lang="LID4096" smtClean="0"/>
-              <a:t>10/29/2022</a:t>
+              <a:t>06/16/2023</a:t>
             </a:fld>
             <a:endParaRPr lang="LID4096"/>
           </a:p>
@@ -1149,7 +1157,7 @@
           <a:p>
             <a:fld id="{C6B07709-FAF6-4D95-9CDB-C0F3B77923FF}" type="datetimeFigureOut">
               <a:rPr lang="LID4096" smtClean="0"/>
-              <a:t>10/29/2022</a:t>
+              <a:t>06/16/2023</a:t>
             </a:fld>
             <a:endParaRPr lang="LID4096"/>
           </a:p>
@@ -1417,7 +1425,7 @@
           <a:p>
             <a:fld id="{C6B07709-FAF6-4D95-9CDB-C0F3B77923FF}" type="datetimeFigureOut">
               <a:rPr lang="LID4096" smtClean="0"/>
-              <a:t>10/29/2022</a:t>
+              <a:t>06/16/2023</a:t>
             </a:fld>
             <a:endParaRPr lang="LID4096"/>
           </a:p>
@@ -1832,7 +1840,7 @@
           <a:p>
             <a:fld id="{C6B07709-FAF6-4D95-9CDB-C0F3B77923FF}" type="datetimeFigureOut">
               <a:rPr lang="LID4096" smtClean="0"/>
-              <a:t>10/29/2022</a:t>
+              <a:t>06/16/2023</a:t>
             </a:fld>
             <a:endParaRPr lang="LID4096"/>
           </a:p>
@@ -1974,7 +1982,7 @@
           <a:p>
             <a:fld id="{C6B07709-FAF6-4D95-9CDB-C0F3B77923FF}" type="datetimeFigureOut">
               <a:rPr lang="LID4096" smtClean="0"/>
-              <a:t>10/29/2022</a:t>
+              <a:t>06/16/2023</a:t>
             </a:fld>
             <a:endParaRPr lang="LID4096"/>
           </a:p>
@@ -2087,7 +2095,7 @@
           <a:p>
             <a:fld id="{C6B07709-FAF6-4D95-9CDB-C0F3B77923FF}" type="datetimeFigureOut">
               <a:rPr lang="LID4096" smtClean="0"/>
-              <a:t>10/29/2022</a:t>
+              <a:t>06/16/2023</a:t>
             </a:fld>
             <a:endParaRPr lang="LID4096"/>
           </a:p>
@@ -2400,7 +2408,7 @@
           <a:p>
             <a:fld id="{C6B07709-FAF6-4D95-9CDB-C0F3B77923FF}" type="datetimeFigureOut">
               <a:rPr lang="LID4096" smtClean="0"/>
-              <a:t>10/29/2022</a:t>
+              <a:t>06/16/2023</a:t>
             </a:fld>
             <a:endParaRPr lang="LID4096"/>
           </a:p>
@@ -2689,7 +2697,7 @@
           <a:p>
             <a:fld id="{C6B07709-FAF6-4D95-9CDB-C0F3B77923FF}" type="datetimeFigureOut">
               <a:rPr lang="LID4096" smtClean="0"/>
-              <a:t>10/29/2022</a:t>
+              <a:t>06/16/2023</a:t>
             </a:fld>
             <a:endParaRPr lang="LID4096"/>
           </a:p>
@@ -2932,7 +2940,7 @@
           <a:p>
             <a:fld id="{C6B07709-FAF6-4D95-9CDB-C0F3B77923FF}" type="datetimeFigureOut">
               <a:rPr lang="LID4096" smtClean="0"/>
-              <a:t>10/29/2022</a:t>
+              <a:t>06/16/2023</a:t>
             </a:fld>
             <a:endParaRPr lang="LID4096"/>
           </a:p>
@@ -4154,7 +4162,7 @@
             <a:pPr algn="l"/>
             <a:r>
               <a:rPr lang="sv-SE" sz="3200" dirty="0"/>
-              <a:t>Kona - 2022</a:t>
+              <a:t>Varna - 2023</a:t>
             </a:r>
             <a:endParaRPr lang="LID4096" sz="3200" dirty="0"/>
           </a:p>
@@ -4209,7 +4217,7 @@
 </p:sld>
 </file>
 
-<file path=ppt/slides/slide2.xml><?xml version="1.0" encoding="utf-8"?>
+<file path=ppt/slides/slide10.xml><?xml version="1.0" encoding="utf-8"?>
 <p:sld xmlns:a="http://schemas.openxmlformats.org/drawingml/2006/main" xmlns:r="http://schemas.openxmlformats.org/officeDocument/2006/relationships" xmlns:p="http://schemas.openxmlformats.org/presentationml/2006/main">
   <p:cSld>
     <p:bg>
@@ -4784,12 +4792,20 @@
           <a:lstStyle/>
           <a:p>
             <a:r>
+              <a:rPr lang="sv-SE" sz="4000" dirty="0" err="1">
+                <a:solidFill>
+                  <a:srgbClr val="FFFFFF"/>
+                </a:solidFill>
+              </a:rPr>
+              <a:t>Starred</a:t>
+            </a:r>
+            <a:r>
               <a:rPr lang="sv-SE" sz="4000" dirty="0">
                 <a:solidFill>
                   <a:srgbClr val="FFFFFF"/>
                 </a:solidFill>
               </a:rPr>
-              <a:t>Presentation </a:t>
+              <a:t> </a:t>
             </a:r>
             <a:r>
               <a:rPr lang="sv-SE" sz="4000" dirty="0" err="1">
@@ -4797,7 +4813,23 @@
                   <a:srgbClr val="FFFFFF"/>
                 </a:solidFill>
               </a:rPr>
-              <a:t>contents</a:t>
+              <a:t>rule</a:t>
+            </a:r>
+            <a:r>
+              <a:rPr lang="sv-SE" sz="4000" dirty="0">
+                <a:solidFill>
+                  <a:srgbClr val="FFFFFF"/>
+                </a:solidFill>
+              </a:rPr>
+              <a:t> </a:t>
+            </a:r>
+            <a:r>
+              <a:rPr lang="sv-SE" sz="4000" dirty="0" err="1">
+                <a:solidFill>
+                  <a:srgbClr val="FFFFFF"/>
+                </a:solidFill>
+              </a:rPr>
+              <a:t>examples</a:t>
             </a:r>
             <a:endParaRPr lang="LID4096" sz="4000" dirty="0">
               <a:solidFill>
@@ -4831,90 +4863,427 @@
         </p:spPr>
         <p:txBody>
           <a:bodyPr anchor="ctr">
-            <a:normAutofit/>
+            <a:normAutofit fontScale="92500" lnSpcReduction="10000"/>
           </a:bodyPr>
           <a:lstStyle/>
           <a:p>
-            <a:r>
-              <a:rPr lang="sv-SE" sz="3200" dirty="0" err="1"/>
-              <a:t>Rationale</a:t>
-            </a:r>
-            <a:endParaRPr lang="sv-SE" sz="3200" dirty="0"/>
-          </a:p>
-          <a:p>
-            <a:r>
-              <a:rPr lang="sv-SE" sz="3200" dirty="0" err="1"/>
-              <a:t>Proposal</a:t>
-            </a:r>
-            <a:r>
-              <a:rPr lang="sv-SE" sz="3200" dirty="0"/>
+            <a:pPr marL="0" indent="0">
+              <a:buNone/>
+            </a:pPr>
+            <a:r>
+              <a:rPr lang="sv-SE" sz="2000" dirty="0" err="1">
+                <a:latin typeface="Arial" panose="020B0604020202020204" pitchFamily="34" charset="0"/>
+                <a:cs typeface="Arial" panose="020B0604020202020204" pitchFamily="34" charset="0"/>
+              </a:rPr>
+              <a:t>void</a:t>
+            </a:r>
+            <a:r>
+              <a:rPr lang="sv-SE" sz="2000" dirty="0">
+                <a:latin typeface="Arial" panose="020B0604020202020204" pitchFamily="34" charset="0"/>
+                <a:cs typeface="Arial" panose="020B0604020202020204" pitchFamily="34" charset="0"/>
+              </a:rPr>
               <a:t> </a:t>
             </a:r>
             <a:r>
-              <a:rPr lang="sv-SE" sz="3200" dirty="0" err="1"/>
-              <a:t>contents</a:t>
-            </a:r>
-            <a:endParaRPr lang="sv-SE" sz="3200" dirty="0"/>
-          </a:p>
-          <a:p>
-            <a:r>
-              <a:rPr lang="sv-SE" sz="3200" dirty="0" err="1"/>
-              <a:t>Rules</a:t>
-            </a:r>
-            <a:r>
-              <a:rPr lang="sv-SE" sz="3200" dirty="0"/>
-              <a:t> for </a:t>
-            </a:r>
-            <a:r>
-              <a:rPr lang="sv-SE" sz="3200" dirty="0" err="1"/>
-              <a:t>compilers</a:t>
-            </a:r>
-            <a:endParaRPr lang="sv-SE" sz="3200" dirty="0"/>
-          </a:p>
-          <a:p>
-            <a:r>
-              <a:rPr lang="sv-SE" sz="3200" dirty="0" err="1"/>
-              <a:t>Rules</a:t>
-            </a:r>
-            <a:r>
-              <a:rPr lang="sv-SE" sz="3200" dirty="0"/>
-              <a:t> for </a:t>
-            </a:r>
-            <a:r>
-              <a:rPr lang="sv-SE" sz="3200" dirty="0" err="1"/>
-              <a:t>programmers</a:t>
-            </a:r>
-            <a:endParaRPr lang="sv-SE" sz="3200" dirty="0"/>
-          </a:p>
-          <a:p>
-            <a:r>
-              <a:rPr lang="sv-SE" sz="3200" dirty="0" err="1"/>
-              <a:t>Rules</a:t>
-            </a:r>
-            <a:r>
-              <a:rPr lang="sv-SE" sz="3200" dirty="0"/>
-              <a:t> for </a:t>
-            </a:r>
-            <a:r>
-              <a:rPr lang="sv-SE" sz="3200" dirty="0" err="1"/>
-              <a:t>guaranteed</a:t>
-            </a:r>
-            <a:r>
-              <a:rPr lang="sv-SE" sz="3200" dirty="0"/>
-              <a:t> </a:t>
-            </a:r>
-            <a:r>
-              <a:rPr lang="sv-SE" sz="3200" dirty="0" err="1"/>
-              <a:t>demotion</a:t>
-            </a:r>
-            <a:endParaRPr lang="LID4096" sz="3200" dirty="0"/>
+              <a:rPr lang="sv-SE" sz="2000" dirty="0" err="1">
+                <a:latin typeface="Arial" panose="020B0604020202020204" pitchFamily="34" charset="0"/>
+                <a:cs typeface="Arial" panose="020B0604020202020204" pitchFamily="34" charset="0"/>
+              </a:rPr>
+              <a:t>myFunction</a:t>
+            </a:r>
+            <a:r>
+              <a:rPr lang="sv-SE" sz="2000" dirty="0">
+                <a:latin typeface="Arial" panose="020B0604020202020204" pitchFamily="34" charset="0"/>
+                <a:cs typeface="Arial" panose="020B0604020202020204" pitchFamily="34" charset="0"/>
+              </a:rPr>
+              <a:t>(T&amp;&amp; par) </a:t>
+            </a:r>
+            <a:br>
+              <a:rPr lang="sv-SE" sz="2000" dirty="0">
+                <a:latin typeface="Arial" panose="020B0604020202020204" pitchFamily="34" charset="0"/>
+                <a:cs typeface="Arial" panose="020B0604020202020204" pitchFamily="34" charset="0"/>
+              </a:rPr>
+            </a:br>
+            <a:r>
+              <a:rPr lang="sv-SE" sz="2000" dirty="0">
+                <a:latin typeface="Arial" panose="020B0604020202020204" pitchFamily="34" charset="0"/>
+                <a:cs typeface="Arial" panose="020B0604020202020204" pitchFamily="34" charset="0"/>
+              </a:rPr>
+              <a:t>{</a:t>
+            </a:r>
+            <a:br>
+              <a:rPr lang="sv-SE" sz="2000" dirty="0">
+                <a:latin typeface="Arial" panose="020B0604020202020204" pitchFamily="34" charset="0"/>
+                <a:cs typeface="Arial" panose="020B0604020202020204" pitchFamily="34" charset="0"/>
+              </a:rPr>
+            </a:br>
+            <a:r>
+              <a:rPr lang="sv-SE" sz="2000" dirty="0">
+                <a:latin typeface="Arial" panose="020B0604020202020204" pitchFamily="34" charset="0"/>
+                <a:cs typeface="Arial" panose="020B0604020202020204" pitchFamily="34" charset="0"/>
+              </a:rPr>
+              <a:t>    T a, b, c;</a:t>
+            </a:r>
+          </a:p>
+          <a:p>
+            <a:pPr marL="0" indent="0">
+              <a:buNone/>
+            </a:pPr>
+            <a:r>
+              <a:rPr lang="sv-SE" sz="2000" b="1" dirty="0">
+                <a:latin typeface="Arial" panose="020B0604020202020204" pitchFamily="34" charset="0"/>
+                <a:cs typeface="Arial" panose="020B0604020202020204" pitchFamily="34" charset="0"/>
+              </a:rPr>
+              <a:t>    </a:t>
+            </a:r>
+            <a:r>
+              <a:rPr lang="sv-SE" sz="2000" dirty="0" err="1">
+                <a:latin typeface="Arial" panose="020B0604020202020204" pitchFamily="34" charset="0"/>
+                <a:cs typeface="Arial" panose="020B0604020202020204" pitchFamily="34" charset="0"/>
+              </a:rPr>
+              <a:t>if</a:t>
+            </a:r>
+            <a:r>
+              <a:rPr lang="sv-SE" sz="2000" dirty="0">
+                <a:latin typeface="Arial" panose="020B0604020202020204" pitchFamily="34" charset="0"/>
+                <a:cs typeface="Arial" panose="020B0604020202020204" pitchFamily="34" charset="0"/>
+              </a:rPr>
+              <a:t> (rand()) {</a:t>
+            </a:r>
+            <a:br>
+              <a:rPr lang="sv-SE" sz="2000" dirty="0">
+                <a:latin typeface="Arial" panose="020B0604020202020204" pitchFamily="34" charset="0"/>
+                <a:cs typeface="Arial" panose="020B0604020202020204" pitchFamily="34" charset="0"/>
+              </a:rPr>
+            </a:br>
+            <a:r>
+              <a:rPr lang="sv-SE" sz="2000" dirty="0">
+                <a:latin typeface="Arial" panose="020B0604020202020204" pitchFamily="34" charset="0"/>
+                <a:cs typeface="Arial" panose="020B0604020202020204" pitchFamily="34" charset="0"/>
+              </a:rPr>
+              <a:t>       </a:t>
+            </a:r>
+            <a:r>
+              <a:rPr lang="sv-SE" sz="2000" dirty="0" err="1">
+                <a:latin typeface="Arial" panose="020B0604020202020204" pitchFamily="34" charset="0"/>
+                <a:cs typeface="Arial" panose="020B0604020202020204" pitchFamily="34" charset="0"/>
+              </a:rPr>
+              <a:t>use</a:t>
+            </a:r>
+            <a:r>
+              <a:rPr lang="sv-SE" sz="2000" dirty="0">
+                <a:latin typeface="Arial" panose="020B0604020202020204" pitchFamily="34" charset="0"/>
+                <a:cs typeface="Arial" panose="020B0604020202020204" pitchFamily="34" charset="0"/>
+              </a:rPr>
+              <a:t>(a);         </a:t>
+            </a:r>
+            <a:r>
+              <a:rPr lang="sv-SE" sz="2000" b="1" dirty="0">
+                <a:latin typeface="Arial" panose="020B0604020202020204" pitchFamily="34" charset="0"/>
+                <a:cs typeface="Arial" panose="020B0604020202020204" pitchFamily="34" charset="0"/>
+              </a:rPr>
+              <a:t>// must be </a:t>
+            </a:r>
+            <a:r>
+              <a:rPr lang="sv-SE" sz="2000" b="1" dirty="0" err="1">
+                <a:latin typeface="Arial" panose="020B0604020202020204" pitchFamily="34" charset="0"/>
+                <a:cs typeface="Arial" panose="020B0604020202020204" pitchFamily="34" charset="0"/>
+              </a:rPr>
+              <a:t>found</a:t>
+            </a:r>
+            <a:br>
+              <a:rPr lang="sv-SE" sz="2000" dirty="0">
+                <a:latin typeface="Arial" panose="020B0604020202020204" pitchFamily="34" charset="0"/>
+                <a:cs typeface="Arial" panose="020B0604020202020204" pitchFamily="34" charset="0"/>
+              </a:rPr>
+            </a:br>
+            <a:r>
+              <a:rPr lang="sv-SE" sz="2000" dirty="0">
+                <a:latin typeface="Arial" panose="020B0604020202020204" pitchFamily="34" charset="0"/>
+                <a:cs typeface="Arial" panose="020B0604020202020204" pitchFamily="34" charset="0"/>
+              </a:rPr>
+              <a:t>    }</a:t>
+            </a:r>
+            <a:endParaRPr lang="sv-SE" sz="2000" b="1" dirty="0">
+              <a:latin typeface="Arial" panose="020B0604020202020204" pitchFamily="34" charset="0"/>
+              <a:cs typeface="Arial" panose="020B0604020202020204" pitchFamily="34" charset="0"/>
+            </a:endParaRPr>
+          </a:p>
+          <a:p>
+            <a:pPr marL="0" indent="0">
+              <a:buNone/>
+            </a:pPr>
+            <a:r>
+              <a:rPr lang="sv-SE" sz="2000" b="1" dirty="0">
+                <a:latin typeface="Arial" panose="020B0604020202020204" pitchFamily="34" charset="0"/>
+                <a:cs typeface="Arial" panose="020B0604020202020204" pitchFamily="34" charset="0"/>
+              </a:rPr>
+              <a:t>    </a:t>
+            </a:r>
+            <a:r>
+              <a:rPr lang="sv-SE" sz="2000" dirty="0" err="1">
+                <a:latin typeface="Arial" panose="020B0604020202020204" pitchFamily="34" charset="0"/>
+                <a:cs typeface="Arial" panose="020B0604020202020204" pitchFamily="34" charset="0"/>
+              </a:rPr>
+              <a:t>while</a:t>
+            </a:r>
+            <a:r>
+              <a:rPr lang="sv-SE" sz="2000" dirty="0">
+                <a:latin typeface="Arial" panose="020B0604020202020204" pitchFamily="34" charset="0"/>
+                <a:cs typeface="Arial" panose="020B0604020202020204" pitchFamily="34" charset="0"/>
+              </a:rPr>
+              <a:t> (rand()) {</a:t>
+            </a:r>
+            <a:br>
+              <a:rPr lang="sv-SE" sz="2000" dirty="0">
+                <a:latin typeface="Arial" panose="020B0604020202020204" pitchFamily="34" charset="0"/>
+                <a:cs typeface="Arial" panose="020B0604020202020204" pitchFamily="34" charset="0"/>
+              </a:rPr>
+            </a:br>
+            <a:r>
+              <a:rPr lang="sv-SE" sz="2000" dirty="0">
+                <a:latin typeface="Arial" panose="020B0604020202020204" pitchFamily="34" charset="0"/>
+                <a:cs typeface="Arial" panose="020B0604020202020204" pitchFamily="34" charset="0"/>
+              </a:rPr>
+              <a:t>        </a:t>
+            </a:r>
+            <a:r>
+              <a:rPr lang="sv-SE" sz="2000" dirty="0" err="1">
+                <a:latin typeface="Arial" panose="020B0604020202020204" pitchFamily="34" charset="0"/>
+                <a:cs typeface="Arial" panose="020B0604020202020204" pitchFamily="34" charset="0"/>
+              </a:rPr>
+              <a:t>use</a:t>
+            </a:r>
+            <a:r>
+              <a:rPr lang="sv-SE" sz="2000" dirty="0">
+                <a:latin typeface="Arial" panose="020B0604020202020204" pitchFamily="34" charset="0"/>
+                <a:cs typeface="Arial" panose="020B0604020202020204" pitchFamily="34" charset="0"/>
+              </a:rPr>
+              <a:t>(b);	</a:t>
+            </a:r>
+            <a:r>
+              <a:rPr lang="sv-SE" sz="2000" b="1" dirty="0">
+                <a:solidFill>
+                  <a:schemeClr val="accent6"/>
+                </a:solidFill>
+                <a:latin typeface="Arial" panose="020B0604020202020204" pitchFamily="34" charset="0"/>
+                <a:cs typeface="Arial" panose="020B0604020202020204" pitchFamily="34" charset="0"/>
+              </a:rPr>
+              <a:t>// </a:t>
+            </a:r>
+            <a:r>
+              <a:rPr lang="sv-SE" sz="2000" b="1" dirty="0" err="1">
+                <a:solidFill>
+                  <a:schemeClr val="accent6"/>
+                </a:solidFill>
+                <a:latin typeface="Arial" panose="020B0604020202020204" pitchFamily="34" charset="0"/>
+                <a:cs typeface="Arial" panose="020B0604020202020204" pitchFamily="34" charset="0"/>
+              </a:rPr>
+              <a:t>may</a:t>
+            </a:r>
+            <a:r>
+              <a:rPr lang="sv-SE" sz="2000" b="1" dirty="0">
+                <a:solidFill>
+                  <a:schemeClr val="accent6"/>
+                </a:solidFill>
+                <a:latin typeface="Arial" panose="020B0604020202020204" pitchFamily="34" charset="0"/>
+                <a:cs typeface="Arial" panose="020B0604020202020204" pitchFamily="34" charset="0"/>
+              </a:rPr>
+              <a:t> be </a:t>
+            </a:r>
+            <a:r>
+              <a:rPr lang="sv-SE" sz="2000" b="1" dirty="0" err="1">
+                <a:solidFill>
+                  <a:schemeClr val="accent6"/>
+                </a:solidFill>
+                <a:latin typeface="Arial" panose="020B0604020202020204" pitchFamily="34" charset="0"/>
+                <a:cs typeface="Arial" panose="020B0604020202020204" pitchFamily="34" charset="0"/>
+              </a:rPr>
+              <a:t>found</a:t>
+            </a:r>
+            <a:br>
+              <a:rPr lang="sv-SE" sz="2000" b="1" dirty="0">
+                <a:latin typeface="Arial" panose="020B0604020202020204" pitchFamily="34" charset="0"/>
+                <a:cs typeface="Arial" panose="020B0604020202020204" pitchFamily="34" charset="0"/>
+              </a:rPr>
+            </a:br>
+            <a:r>
+              <a:rPr lang="sv-SE" sz="2000" dirty="0">
+                <a:latin typeface="Arial" panose="020B0604020202020204" pitchFamily="34" charset="0"/>
+                <a:cs typeface="Arial" panose="020B0604020202020204" pitchFamily="34" charset="0"/>
+              </a:rPr>
+              <a:t>        T d;</a:t>
+            </a:r>
+            <a:br>
+              <a:rPr lang="sv-SE" sz="2000" dirty="0">
+                <a:latin typeface="Arial" panose="020B0604020202020204" pitchFamily="34" charset="0"/>
+                <a:cs typeface="Arial" panose="020B0604020202020204" pitchFamily="34" charset="0"/>
+              </a:rPr>
+            </a:br>
+            <a:r>
+              <a:rPr lang="sv-SE" sz="2000" dirty="0">
+                <a:latin typeface="Arial" panose="020B0604020202020204" pitchFamily="34" charset="0"/>
+                <a:cs typeface="Arial" panose="020B0604020202020204" pitchFamily="34" charset="0"/>
+              </a:rPr>
+              <a:t>        </a:t>
+            </a:r>
+            <a:r>
+              <a:rPr lang="sv-SE" sz="2000" dirty="0" err="1">
+                <a:latin typeface="Arial" panose="020B0604020202020204" pitchFamily="34" charset="0"/>
+                <a:cs typeface="Arial" panose="020B0604020202020204" pitchFamily="34" charset="0"/>
+              </a:rPr>
+              <a:t>use</a:t>
+            </a:r>
+            <a:r>
+              <a:rPr lang="sv-SE" sz="2000" dirty="0">
+                <a:latin typeface="Arial" panose="020B0604020202020204" pitchFamily="34" charset="0"/>
+                <a:cs typeface="Arial" panose="020B0604020202020204" pitchFamily="34" charset="0"/>
+              </a:rPr>
+              <a:t>(d );       </a:t>
+            </a:r>
+            <a:r>
+              <a:rPr lang="sv-SE" sz="2000" b="1" dirty="0">
+                <a:latin typeface="Arial" panose="020B0604020202020204" pitchFamily="34" charset="0"/>
+                <a:cs typeface="Arial" panose="020B0604020202020204" pitchFamily="34" charset="0"/>
+              </a:rPr>
+              <a:t>// must be </a:t>
+            </a:r>
+            <a:r>
+              <a:rPr lang="sv-SE" sz="2000" b="1" dirty="0" err="1">
+                <a:latin typeface="Arial" panose="020B0604020202020204" pitchFamily="34" charset="0"/>
+                <a:cs typeface="Arial" panose="020B0604020202020204" pitchFamily="34" charset="0"/>
+              </a:rPr>
+              <a:t>found</a:t>
+            </a:r>
+            <a:br>
+              <a:rPr lang="sv-SE" sz="2000" dirty="0">
+                <a:latin typeface="Arial" panose="020B0604020202020204" pitchFamily="34" charset="0"/>
+                <a:cs typeface="Arial" panose="020B0604020202020204" pitchFamily="34" charset="0"/>
+              </a:rPr>
+            </a:br>
+            <a:r>
+              <a:rPr lang="sv-SE" sz="2000" dirty="0">
+                <a:latin typeface="Arial" panose="020B0604020202020204" pitchFamily="34" charset="0"/>
+                <a:cs typeface="Arial" panose="020B0604020202020204" pitchFamily="34" charset="0"/>
+              </a:rPr>
+              <a:t>        break;</a:t>
+            </a:r>
+            <a:br>
+              <a:rPr lang="sv-SE" sz="2000" b="1" dirty="0">
+                <a:latin typeface="Arial" panose="020B0604020202020204" pitchFamily="34" charset="0"/>
+                <a:cs typeface="Arial" panose="020B0604020202020204" pitchFamily="34" charset="0"/>
+              </a:rPr>
+            </a:br>
+            <a:r>
+              <a:rPr lang="sv-SE" sz="2000" dirty="0">
+                <a:latin typeface="Arial" panose="020B0604020202020204" pitchFamily="34" charset="0"/>
+                <a:cs typeface="Arial" panose="020B0604020202020204" pitchFamily="34" charset="0"/>
+              </a:rPr>
+              <a:t>    }</a:t>
+            </a:r>
+          </a:p>
+          <a:p>
+            <a:pPr marL="0" indent="0">
+              <a:buNone/>
+            </a:pPr>
+            <a:r>
+              <a:rPr lang="sv-SE" sz="2000" dirty="0">
+                <a:latin typeface="Arial" panose="020B0604020202020204" pitchFamily="34" charset="0"/>
+                <a:cs typeface="Arial" panose="020B0604020202020204" pitchFamily="34" charset="0"/>
+              </a:rPr>
+              <a:t>    </a:t>
+            </a:r>
+            <a:r>
+              <a:rPr lang="sv-SE" sz="2000" dirty="0" err="1">
+                <a:latin typeface="Arial" panose="020B0604020202020204" pitchFamily="34" charset="0"/>
+                <a:cs typeface="Arial" panose="020B0604020202020204" pitchFamily="34" charset="0"/>
+              </a:rPr>
+              <a:t>use</a:t>
+            </a:r>
+            <a:r>
+              <a:rPr lang="sv-SE" sz="2000" dirty="0">
+                <a:latin typeface="Arial" panose="020B0604020202020204" pitchFamily="34" charset="0"/>
+                <a:cs typeface="Arial" panose="020B0604020202020204" pitchFamily="34" charset="0"/>
+              </a:rPr>
+              <a:t>(c);            </a:t>
+            </a:r>
+            <a:r>
+              <a:rPr lang="sv-SE" sz="2000" b="1" dirty="0">
+                <a:latin typeface="Arial" panose="020B0604020202020204" pitchFamily="34" charset="0"/>
+                <a:cs typeface="Arial" panose="020B0604020202020204" pitchFamily="34" charset="0"/>
+              </a:rPr>
+              <a:t>// must be </a:t>
+            </a:r>
+            <a:r>
+              <a:rPr lang="sv-SE" sz="2000" b="1" dirty="0" err="1">
+                <a:latin typeface="Arial" panose="020B0604020202020204" pitchFamily="34" charset="0"/>
+                <a:cs typeface="Arial" panose="020B0604020202020204" pitchFamily="34" charset="0"/>
+              </a:rPr>
+              <a:t>found</a:t>
+            </a:r>
+            <a:br>
+              <a:rPr lang="sv-SE" sz="2000" b="1" dirty="0">
+                <a:latin typeface="Arial" panose="020B0604020202020204" pitchFamily="34" charset="0"/>
+                <a:cs typeface="Arial" panose="020B0604020202020204" pitchFamily="34" charset="0"/>
+              </a:rPr>
+            </a:br>
+            <a:r>
+              <a:rPr lang="sv-SE" sz="2000" dirty="0">
+                <a:latin typeface="Arial" panose="020B0604020202020204" pitchFamily="34" charset="0"/>
+                <a:cs typeface="Arial" panose="020B0604020202020204" pitchFamily="34" charset="0"/>
+              </a:rPr>
+              <a:t>    c = par;           </a:t>
+            </a:r>
+            <a:r>
+              <a:rPr lang="sv-SE" sz="2000" b="1" dirty="0">
+                <a:latin typeface="Arial" panose="020B0604020202020204" pitchFamily="34" charset="0"/>
+                <a:cs typeface="Arial" panose="020B0604020202020204" pitchFamily="34" charset="0"/>
+              </a:rPr>
+              <a:t>// must be </a:t>
+            </a:r>
+            <a:r>
+              <a:rPr lang="sv-SE" sz="2000" b="1" dirty="0" err="1">
+                <a:latin typeface="Arial" panose="020B0604020202020204" pitchFamily="34" charset="0"/>
+                <a:cs typeface="Arial" panose="020B0604020202020204" pitchFamily="34" charset="0"/>
+              </a:rPr>
+              <a:t>found</a:t>
+            </a:r>
+            <a:br>
+              <a:rPr lang="sv-SE" sz="2000" dirty="0">
+                <a:latin typeface="Arial" panose="020B0604020202020204" pitchFamily="34" charset="0"/>
+                <a:cs typeface="Arial" panose="020B0604020202020204" pitchFamily="34" charset="0"/>
+              </a:rPr>
+            </a:br>
+            <a:r>
+              <a:rPr lang="sv-SE" sz="2000" dirty="0">
+                <a:latin typeface="Arial" panose="020B0604020202020204" pitchFamily="34" charset="0"/>
+                <a:cs typeface="Arial" panose="020B0604020202020204" pitchFamily="34" charset="0"/>
+              </a:rPr>
+              <a:t>};</a:t>
+            </a:r>
+            <a:br>
+              <a:rPr lang="sv-SE" sz="2000" dirty="0">
+                <a:latin typeface="Arial" panose="020B0604020202020204" pitchFamily="34" charset="0"/>
+                <a:cs typeface="Arial" panose="020B0604020202020204" pitchFamily="34" charset="0"/>
+              </a:rPr>
+            </a:br>
+            <a:br>
+              <a:rPr lang="sv-SE" sz="2000" dirty="0">
+                <a:latin typeface="Arial" panose="020B0604020202020204" pitchFamily="34" charset="0"/>
+                <a:cs typeface="Arial" panose="020B0604020202020204" pitchFamily="34" charset="0"/>
+              </a:rPr>
+            </a:br>
+            <a:endParaRPr lang="sv-SE" sz="2000" dirty="0">
+              <a:latin typeface="Arial" panose="020B0604020202020204" pitchFamily="34" charset="0"/>
+              <a:cs typeface="Arial" panose="020B0604020202020204" pitchFamily="34" charset="0"/>
+            </a:endParaRPr>
           </a:p>
         </p:txBody>
       </p:sp>
     </p:spTree>
     <p:extLst>
       <p:ext uri="{BB962C8B-B14F-4D97-AF65-F5344CB8AC3E}">
-        <p14:creationId xmlns:p14="http://schemas.microsoft.com/office/powerpoint/2010/main" val="67853453"/>
+        <p14:creationId xmlns:p14="http://schemas.microsoft.com/office/powerpoint/2010/main" val="746834486"/>
       </p:ext>
     </p:extLst>
   </p:cSld>
@@ -4924,7 +5293,7 @@
 </p:sld>
 </file>
 
-<file path=ppt/slides/slide3.xml><?xml version="1.0" encoding="utf-8"?>
+<file path=ppt/slides/slide11.xml><?xml version="1.0" encoding="utf-8"?>
 <p:sld xmlns:a="http://schemas.openxmlformats.org/drawingml/2006/main" xmlns:r="http://schemas.openxmlformats.org/officeDocument/2006/relationships" xmlns:p="http://schemas.openxmlformats.org/presentationml/2006/main">
   <p:cSld>
     <p:bg>
@@ -5499,12 +5868,36 @@
           <a:lstStyle/>
           <a:p>
             <a:r>
+              <a:rPr lang="sv-SE" sz="4000" dirty="0">
+                <a:solidFill>
+                  <a:srgbClr val="FFFFFF"/>
+                </a:solidFill>
+              </a:rPr>
+              <a:t>Relation to </a:t>
+            </a:r>
+            <a:r>
               <a:rPr lang="sv-SE" sz="4000" dirty="0" err="1">
                 <a:solidFill>
                   <a:srgbClr val="FFFFFF"/>
                 </a:solidFill>
               </a:rPr>
-              <a:t>Rationale</a:t>
+              <a:t>other</a:t>
+            </a:r>
+            <a:r>
+              <a:rPr lang="sv-SE" sz="4000" dirty="0">
+                <a:solidFill>
+                  <a:srgbClr val="FFFFFF"/>
+                </a:solidFill>
+              </a:rPr>
+              <a:t> </a:t>
+            </a:r>
+            <a:r>
+              <a:rPr lang="sv-SE" sz="4000" dirty="0" err="1">
+                <a:solidFill>
+                  <a:srgbClr val="FFFFFF"/>
+                </a:solidFill>
+              </a:rPr>
+              <a:t>proposals</a:t>
             </a:r>
             <a:endParaRPr lang="LID4096" sz="4000" dirty="0">
               <a:solidFill>
@@ -5543,289 +5936,269 @@
           <a:lstStyle/>
           <a:p>
             <a:r>
-              <a:rPr lang="sv-SE" sz="3200" dirty="0" err="1"/>
-              <a:t>Whenever</a:t>
-            </a:r>
-            <a:r>
-              <a:rPr lang="sv-SE" sz="3200" dirty="0"/>
+              <a:rPr lang="sv-SE" sz="3200" dirty="0"/>
+              <a:t>P2667: </a:t>
+            </a:r>
+            <a:r>
+              <a:rPr lang="sv-SE" sz="3200" dirty="0" err="1"/>
+              <a:t>Rule</a:t>
+            </a:r>
+            <a:r>
+              <a:rPr lang="sv-SE" sz="3200" dirty="0"/>
+              <a:t> </a:t>
+            </a:r>
+            <a:r>
+              <a:rPr lang="sv-SE" sz="3200" dirty="0" err="1"/>
+              <a:t>based</a:t>
+            </a:r>
+            <a:r>
+              <a:rPr lang="sv-SE" sz="3200" dirty="0"/>
+              <a:t> parameter </a:t>
+            </a:r>
+            <a:r>
+              <a:rPr lang="sv-SE" sz="3200" dirty="0" err="1"/>
+              <a:t>passing</a:t>
+            </a:r>
+            <a:r>
+              <a:rPr lang="sv-SE" sz="3200" dirty="0"/>
+              <a:t>:</a:t>
+            </a:r>
+          </a:p>
+          <a:p>
+            <a:pPr marL="0" indent="0">
+              <a:buNone/>
+            </a:pPr>
+            <a:r>
+              <a:rPr lang="sv-SE" sz="3200" dirty="0"/>
+              <a:t>       </a:t>
+            </a:r>
+            <a:r>
+              <a:rPr lang="sv-SE" sz="3200" i="1" dirty="0" err="1"/>
+              <a:t>Provides</a:t>
+            </a:r>
+            <a:r>
+              <a:rPr lang="sv-SE" sz="3200" i="1" dirty="0"/>
               <a:t> a </a:t>
             </a:r>
             <a:r>
-              <a:rPr lang="sv-SE" sz="3200" dirty="0" err="1"/>
-              <a:t>variable</a:t>
-            </a:r>
-            <a:r>
-              <a:rPr lang="sv-SE" sz="3200" dirty="0"/>
-              <a:t> is </a:t>
-            </a:r>
-            <a:r>
-              <a:rPr lang="sv-SE" sz="3200" dirty="0" err="1"/>
-              <a:t>used</a:t>
-            </a:r>
-            <a:r>
-              <a:rPr lang="sv-SE" sz="3200" dirty="0"/>
-              <a:t> for the last </a:t>
-            </a:r>
-            <a:r>
-              <a:rPr lang="sv-SE" sz="3200" dirty="0" err="1"/>
-              <a:t>time</a:t>
-            </a:r>
-            <a:r>
-              <a:rPr lang="sv-SE" sz="3200" dirty="0"/>
-              <a:t> it </a:t>
-            </a:r>
-            <a:r>
-              <a:rPr lang="sv-SE" sz="3200" dirty="0" err="1"/>
-              <a:t>can</a:t>
-            </a:r>
-            <a:r>
-              <a:rPr lang="sv-SE" sz="3200" dirty="0"/>
-              <a:t> be </a:t>
-            </a:r>
-            <a:r>
-              <a:rPr lang="sv-SE" sz="3200" dirty="0" err="1"/>
-              <a:t>moved</a:t>
-            </a:r>
-            <a:r>
-              <a:rPr lang="sv-SE" sz="3200" dirty="0"/>
+              <a:rPr lang="sv-SE" sz="3200" i="1" dirty="0" err="1"/>
+              <a:t>way</a:t>
+            </a:r>
+            <a:r>
+              <a:rPr lang="sv-SE" sz="3200" i="1" dirty="0"/>
+              <a:t> to </a:t>
+            </a:r>
+            <a:r>
+              <a:rPr lang="sv-SE" sz="3200" i="1" dirty="0" err="1"/>
+              <a:t>implement</a:t>
+            </a:r>
+            <a:r>
+              <a:rPr lang="sv-SE" sz="3200" i="1" dirty="0"/>
+              <a:t> all </a:t>
+            </a:r>
+            <a:r>
+              <a:rPr lang="sv-SE" sz="3200" i="1" dirty="0" err="1"/>
+              <a:t>overloads</a:t>
+            </a:r>
+            <a:r>
+              <a:rPr lang="sv-SE" sz="3200" i="1" dirty="0"/>
+              <a:t> at </a:t>
+            </a:r>
+            <a:r>
+              <a:rPr lang="sv-SE" sz="3200" i="1" dirty="0" err="1"/>
+              <a:t>once</a:t>
+            </a:r>
+            <a:r>
+              <a:rPr lang="sv-SE" sz="3200" i="1" dirty="0"/>
               <a:t>.</a:t>
             </a:r>
           </a:p>
           <a:p>
             <a:r>
               <a:rPr lang="sv-SE" sz="3200" dirty="0"/>
-              <a:t>The </a:t>
-            </a:r>
-            <a:r>
-              <a:rPr lang="sv-SE" sz="3200" dirty="0" err="1"/>
+              <a:t>P2665: </a:t>
+            </a:r>
+            <a:r>
+              <a:rPr lang="sv-SE" sz="3200" dirty="0" err="1"/>
+              <a:t>Overload</a:t>
+            </a:r>
+            <a:r>
+              <a:rPr lang="sv-SE" sz="3200" dirty="0"/>
+              <a:t> </a:t>
+            </a:r>
+            <a:r>
+              <a:rPr lang="sv-SE" sz="3200" dirty="0" err="1"/>
+              <a:t>selection</a:t>
+            </a:r>
+            <a:r>
+              <a:rPr lang="sv-SE" sz="3200" dirty="0"/>
+              <a:t>:</a:t>
+            </a:r>
+          </a:p>
+          <a:p>
+            <a:pPr marL="0" indent="0">
+              <a:buNone/>
+            </a:pPr>
+            <a:r>
+              <a:rPr lang="sv-SE" sz="3200" dirty="0"/>
+              <a:t>       </a:t>
+            </a:r>
+            <a:r>
+              <a:rPr lang="sv-SE" sz="3200" i="1" dirty="0" err="1"/>
+              <a:t>Let</a:t>
+            </a:r>
+            <a:r>
+              <a:rPr lang="sv-SE" sz="3200" i="1" dirty="0"/>
+              <a:t> </a:t>
+            </a:r>
+            <a:r>
+              <a:rPr lang="sv-SE" sz="3200" i="1" dirty="0" err="1"/>
               <a:t>compiler</a:t>
             </a:r>
             <a:r>
-              <a:rPr lang="sv-SE" sz="3200" dirty="0"/>
+              <a:rPr lang="sv-SE" sz="3200" i="1" dirty="0"/>
               <a:t> </a:t>
             </a:r>
             <a:r>
-              <a:rPr lang="sv-SE" sz="3200" dirty="0" err="1"/>
-              <a:t>easily</a:t>
-            </a:r>
-            <a:r>
-              <a:rPr lang="sv-SE" sz="3200" dirty="0"/>
+              <a:rPr lang="sv-SE" sz="3200" i="1" dirty="0" err="1"/>
+              <a:t>select</a:t>
+            </a:r>
+            <a:r>
+              <a:rPr lang="sv-SE" sz="3200" i="1" dirty="0"/>
+              <a:t> by </a:t>
+            </a:r>
+            <a:r>
+              <a:rPr lang="sv-SE" sz="3200" i="1" dirty="0" err="1"/>
+              <a:t>value</a:t>
+            </a:r>
+            <a:r>
+              <a:rPr lang="sv-SE" sz="3200" i="1" dirty="0"/>
+              <a:t> or by </a:t>
+            </a:r>
+            <a:r>
+              <a:rPr lang="sv-SE" sz="3200" i="1" dirty="0" err="1"/>
+              <a:t>reference</a:t>
+            </a:r>
+            <a:r>
+              <a:rPr lang="sv-SE" sz="3200" i="1" dirty="0"/>
+              <a:t>.</a:t>
+            </a:r>
+          </a:p>
+          <a:p>
+            <a:r>
+              <a:rPr lang="sv-SE" sz="3200" dirty="0"/>
+              <a:t>Coming </a:t>
+            </a:r>
+            <a:r>
+              <a:rPr lang="sv-SE" sz="3200" dirty="0" err="1"/>
+              <a:t>up</a:t>
+            </a:r>
+            <a:r>
+              <a:rPr lang="sv-SE" sz="3200" dirty="0"/>
+              <a:t> later:</a:t>
+            </a:r>
+            <a:br>
+              <a:rPr lang="sv-SE" sz="3200" dirty="0"/>
+            </a:br>
+            <a:r>
+              <a:rPr lang="sv-SE" sz="3200" dirty="0"/>
+              <a:t>    </a:t>
+            </a:r>
+            <a:r>
+              <a:rPr lang="sv-SE" sz="3200" i="1" dirty="0" err="1"/>
+              <a:t>Labelled</a:t>
+            </a:r>
+            <a:r>
+              <a:rPr lang="sv-SE" sz="3200" i="1" dirty="0"/>
               <a:t> </a:t>
             </a:r>
             <a:r>
-              <a:rPr lang="sv-SE" sz="3200" dirty="0" err="1"/>
-              <a:t>figures</a:t>
-            </a:r>
-            <a:r>
-              <a:rPr lang="sv-SE" sz="3200" dirty="0"/>
+              <a:rPr lang="sv-SE" sz="3200" i="1" dirty="0" err="1"/>
+              <a:t>types</a:t>
+            </a:r>
+            <a:r>
+              <a:rPr lang="sv-SE" sz="3200" i="1" dirty="0"/>
               <a:t> </a:t>
             </a:r>
             <a:r>
-              <a:rPr lang="sv-SE" sz="3200" dirty="0" err="1"/>
-              <a:t>this</a:t>
-            </a:r>
-            <a:r>
-              <a:rPr lang="sv-SE" sz="3200" dirty="0"/>
+              <a:rPr lang="sv-SE" sz="3200" i="1" dirty="0" err="1"/>
+              <a:t>provides</a:t>
+            </a:r>
+            <a:r>
+              <a:rPr lang="sv-SE" sz="3200" i="1" dirty="0"/>
               <a:t> </a:t>
             </a:r>
             <a:r>
-              <a:rPr lang="sv-SE" sz="3200" dirty="0" err="1"/>
-              <a:t>out</a:t>
-            </a:r>
-            <a:r>
-              <a:rPr lang="sv-SE" sz="3200" dirty="0"/>
-              <a:t> in </a:t>
-            </a:r>
-            <a:r>
-              <a:rPr lang="sv-SE" sz="3200" dirty="0" err="1"/>
-              <a:t>many</a:t>
-            </a:r>
-            <a:r>
-              <a:rPr lang="sv-SE" sz="3200" dirty="0"/>
+              <a:rPr lang="sv-SE" sz="3200" i="1" dirty="0" err="1"/>
+              <a:t>named</a:t>
+            </a:r>
+            <a:r>
+              <a:rPr lang="sv-SE" sz="3200" i="1" dirty="0"/>
+              <a:t> parameters.</a:t>
+            </a:r>
+            <a:br>
+              <a:rPr lang="sv-SE" sz="3200" i="1" dirty="0"/>
+            </a:br>
+            <a:r>
+              <a:rPr lang="sv-SE" sz="3200" i="1" dirty="0"/>
+              <a:t>    </a:t>
+            </a:r>
+            <a:r>
+              <a:rPr lang="sv-SE" sz="3200" i="1" dirty="0" err="1"/>
+              <a:t>Simplified</a:t>
+            </a:r>
+            <a:r>
+              <a:rPr lang="sv-SE" sz="3200" i="1" dirty="0"/>
               <a:t> </a:t>
             </a:r>
             <a:r>
-              <a:rPr lang="sv-SE" sz="3200" dirty="0" err="1"/>
-              <a:t>cases</a:t>
-            </a:r>
-            <a:r>
-              <a:rPr lang="sv-SE" sz="3200" dirty="0"/>
+              <a:rPr lang="sv-SE" sz="3200" i="1" dirty="0" err="1"/>
+              <a:t>declarators</a:t>
+            </a:r>
+            <a:r>
+              <a:rPr lang="sv-SE" sz="3200" i="1" dirty="0"/>
+              <a:t> </a:t>
+            </a:r>
+            <a:r>
+              <a:rPr lang="sv-SE" sz="3200" i="1" dirty="0" err="1"/>
+              <a:t>with</a:t>
+            </a:r>
+            <a:r>
+              <a:rPr lang="sv-SE" sz="3200" i="1" dirty="0"/>
+              <a:t> all </a:t>
+            </a:r>
+            <a:r>
+              <a:rPr lang="sv-SE" sz="3200" i="1" dirty="0" err="1"/>
+              <a:t>of</a:t>
+            </a:r>
+            <a:r>
+              <a:rPr lang="sv-SE" sz="3200" i="1" dirty="0"/>
+              <a:t> the </a:t>
+            </a:r>
+            <a:r>
+              <a:rPr lang="sv-SE" sz="3200" i="1" dirty="0" err="1"/>
+              <a:t>type</a:t>
+            </a:r>
+            <a:r>
+              <a:rPr lang="sv-SE" sz="3200" i="1" dirty="0"/>
+              <a:t> </a:t>
+            </a:r>
+            <a:r>
+              <a:rPr lang="sv-SE" sz="3200" i="1" dirty="0" err="1"/>
+              <a:t>first</a:t>
+            </a:r>
+            <a:r>
+              <a:rPr lang="sv-SE" sz="3200" i="1" dirty="0"/>
               <a:t>.</a:t>
             </a:r>
-          </a:p>
-          <a:p>
-            <a:r>
-              <a:rPr lang="sv-SE" sz="3200" dirty="0" err="1"/>
-              <a:t>With</a:t>
-            </a:r>
-            <a:r>
-              <a:rPr lang="sv-SE" sz="3200" dirty="0"/>
-              <a:t> (N)RVO </a:t>
-            </a:r>
-            <a:r>
-              <a:rPr lang="sv-SE" sz="3200" dirty="0" err="1"/>
-              <a:t>we</a:t>
-            </a:r>
-            <a:r>
-              <a:rPr lang="sv-SE" sz="3200" dirty="0"/>
-              <a:t> </a:t>
-            </a:r>
-            <a:r>
-              <a:rPr lang="sv-SE" sz="3200" dirty="0" err="1"/>
-              <a:t>already</a:t>
-            </a:r>
-            <a:r>
-              <a:rPr lang="sv-SE" sz="3200" dirty="0"/>
-              <a:t> </a:t>
-            </a:r>
-            <a:r>
-              <a:rPr lang="sv-SE" sz="3200" dirty="0" err="1"/>
-              <a:t>allow</a:t>
-            </a:r>
-            <a:r>
-              <a:rPr lang="sv-SE" sz="3200" dirty="0"/>
-              <a:t> </a:t>
-            </a:r>
-            <a:r>
-              <a:rPr lang="sv-SE" sz="3200" dirty="0" err="1"/>
-              <a:t>move</a:t>
-            </a:r>
-            <a:r>
-              <a:rPr lang="sv-SE" sz="3200" dirty="0"/>
-              <a:t>/copy </a:t>
-            </a:r>
-            <a:r>
-              <a:rPr lang="sv-SE" sz="3200" dirty="0" err="1"/>
-              <a:t>differences</a:t>
-            </a:r>
-            <a:r>
-              <a:rPr lang="sv-SE" sz="3200" dirty="0"/>
-              <a:t> to be </a:t>
-            </a:r>
-            <a:r>
-              <a:rPr lang="sv-SE" sz="3200" dirty="0" err="1"/>
-              <a:t>visible</a:t>
-            </a:r>
-            <a:r>
-              <a:rPr lang="sv-SE" sz="3200" dirty="0"/>
-              <a:t>.</a:t>
-            </a:r>
-          </a:p>
-          <a:p>
-            <a:r>
-              <a:rPr lang="sv-SE" sz="3200" dirty="0" err="1"/>
-              <a:t>Generalize</a:t>
-            </a:r>
-            <a:r>
-              <a:rPr lang="sv-SE" sz="3200" dirty="0"/>
-              <a:t> to </a:t>
-            </a:r>
-            <a:r>
-              <a:rPr lang="sv-SE" sz="3200" dirty="0" err="1"/>
-              <a:t>any</a:t>
-            </a:r>
-            <a:r>
-              <a:rPr lang="sv-SE" sz="3200" dirty="0"/>
-              <a:t> last-</a:t>
-            </a:r>
-            <a:r>
-              <a:rPr lang="sv-SE" sz="3200" dirty="0" err="1"/>
-              <a:t>uses</a:t>
-            </a:r>
-            <a:r>
-              <a:rPr lang="sv-SE" sz="3200" dirty="0"/>
-              <a:t> </a:t>
-            </a:r>
-            <a:r>
-              <a:rPr lang="sv-SE" sz="3200" dirty="0" err="1"/>
-              <a:t>of</a:t>
-            </a:r>
-            <a:r>
-              <a:rPr lang="sv-SE" sz="3200" dirty="0"/>
-              <a:t> </a:t>
-            </a:r>
-            <a:r>
-              <a:rPr lang="sv-SE" sz="3200" dirty="0" err="1"/>
-              <a:t>variables</a:t>
-            </a:r>
-            <a:r>
-              <a:rPr lang="sv-SE" sz="3200" dirty="0"/>
-              <a:t> </a:t>
-            </a:r>
-            <a:r>
-              <a:rPr lang="sv-SE" sz="3200" dirty="0" err="1"/>
-              <a:t>improves</a:t>
-            </a:r>
-            <a:r>
-              <a:rPr lang="sv-SE" sz="3200" dirty="0"/>
-              <a:t> </a:t>
-            </a:r>
-            <a:r>
-              <a:rPr lang="sv-SE" sz="3200" dirty="0" err="1"/>
-              <a:t>performance</a:t>
-            </a:r>
-            <a:r>
-              <a:rPr lang="sv-SE" sz="3200" dirty="0"/>
-              <a:t>.</a:t>
-            </a:r>
-          </a:p>
-          <a:p>
-            <a:r>
-              <a:rPr lang="sv-SE" sz="3200" dirty="0" err="1"/>
-              <a:t>Mandatory</a:t>
-            </a:r>
-            <a:r>
-              <a:rPr lang="sv-SE" sz="3200" dirty="0"/>
-              <a:t> for </a:t>
-            </a:r>
-            <a:r>
-              <a:rPr lang="sv-SE" sz="3200" dirty="0" err="1"/>
-              <a:t>some</a:t>
-            </a:r>
-            <a:r>
-              <a:rPr lang="sv-SE" sz="3200" dirty="0"/>
-              <a:t> </a:t>
-            </a:r>
-            <a:r>
-              <a:rPr lang="sv-SE" sz="3200" dirty="0" err="1"/>
-              <a:t>cases</a:t>
-            </a:r>
-            <a:r>
-              <a:rPr lang="sv-SE" sz="3200" dirty="0"/>
-              <a:t> to </a:t>
-            </a:r>
-            <a:r>
-              <a:rPr lang="sv-SE" sz="3200" dirty="0" err="1"/>
-              <a:t>reduce</a:t>
-            </a:r>
-            <a:r>
-              <a:rPr lang="sv-SE" sz="3200" dirty="0"/>
-              <a:t> </a:t>
-            </a:r>
-            <a:r>
-              <a:rPr lang="sv-SE" sz="3200" dirty="0" err="1"/>
-              <a:t>cognitive</a:t>
-            </a:r>
-            <a:r>
-              <a:rPr lang="sv-SE" sz="3200" dirty="0"/>
-              <a:t> </a:t>
-            </a:r>
-            <a:r>
-              <a:rPr lang="sv-SE" sz="3200" dirty="0" err="1"/>
-              <a:t>load</a:t>
-            </a:r>
-            <a:r>
-              <a:rPr lang="sv-SE" sz="3200" dirty="0"/>
-              <a:t>.</a:t>
-            </a:r>
-            <a:endParaRPr lang="LID4096" sz="3200" dirty="0"/>
+            <a:endParaRPr lang="sv-SE" sz="3200" dirty="0"/>
           </a:p>
         </p:txBody>
       </p:sp>
     </p:spTree>
     <p:extLst>
       <p:ext uri="{BB962C8B-B14F-4D97-AF65-F5344CB8AC3E}">
-        <p14:creationId xmlns:p14="http://schemas.microsoft.com/office/powerpoint/2010/main" val="3573784213"/>
+        <p14:creationId xmlns:p14="http://schemas.microsoft.com/office/powerpoint/2010/main" val="3863634554"/>
       </p:ext>
     </p:extLst>
   </p:cSld>
@@ -5835,7 +6208,7 @@
 </p:sld>
 </file>
 
-<file path=ppt/slides/slide4.xml><?xml version="1.0" encoding="utf-8"?>
+<file path=ppt/slides/slide2.xml><?xml version="1.0" encoding="utf-8"?>
 <p:sld xmlns:a="http://schemas.openxmlformats.org/drawingml/2006/main" xmlns:r="http://schemas.openxmlformats.org/officeDocument/2006/relationships" xmlns:p="http://schemas.openxmlformats.org/presentationml/2006/main">
   <p:cSld>
     <p:bg>
@@ -6410,28 +6783,20 @@
           <a:lstStyle/>
           <a:p>
             <a:r>
+              <a:rPr lang="sv-SE" sz="4000" dirty="0">
+                <a:solidFill>
+                  <a:srgbClr val="FFFFFF"/>
+                </a:solidFill>
+              </a:rPr>
+              <a:t>Initial </a:t>
+            </a:r>
+            <a:r>
               <a:rPr lang="sv-SE" sz="4000" dirty="0" err="1">
                 <a:solidFill>
                   <a:srgbClr val="FFFFFF"/>
                 </a:solidFill>
               </a:rPr>
-              <a:t>Proposal</a:t>
-            </a:r>
-            <a:r>
-              <a:rPr lang="sv-SE" sz="4000" dirty="0">
-                <a:solidFill>
-                  <a:srgbClr val="FFFFFF"/>
-                </a:solidFill>
-              </a:rPr>
-              <a:t> </a:t>
-            </a:r>
-            <a:r>
-              <a:rPr lang="sv-SE" sz="4000" dirty="0" err="1">
-                <a:solidFill>
-                  <a:srgbClr val="FFFFFF"/>
-                </a:solidFill>
-              </a:rPr>
-              <a:t>contents</a:t>
+              <a:t>statements</a:t>
             </a:r>
             <a:endParaRPr lang="LID4096" sz="4000" dirty="0">
               <a:solidFill>
@@ -6460,7 +6825,7 @@
         <p:spPr>
           <a:xfrm>
             <a:off x="1371599" y="1885279"/>
-            <a:ext cx="9724031" cy="4569462"/>
+            <a:ext cx="9895951" cy="4569462"/>
           </a:xfrm>
         </p:spPr>
         <p:txBody>
@@ -6471,7 +6836,33 @@
           <a:p>
             <a:r>
               <a:rPr lang="sv-SE" sz="3200" dirty="0" err="1"/>
-              <a:t>Allow</a:t>
+              <a:t>This</a:t>
+            </a:r>
+            <a:r>
+              <a:rPr lang="sv-SE" sz="3200" dirty="0"/>
+              <a:t> is a major </a:t>
+            </a:r>
+            <a:r>
+              <a:rPr lang="sv-SE" sz="3200" dirty="0" err="1"/>
+              <a:t>proposal</a:t>
+            </a:r>
+            <a:r>
+              <a:rPr lang="sv-SE" sz="3200" dirty="0"/>
+              <a:t>.</a:t>
+            </a:r>
+          </a:p>
+          <a:p>
+            <a:r>
+              <a:rPr lang="sv-SE" sz="3200" dirty="0" err="1"/>
+              <a:t>There</a:t>
+            </a:r>
+            <a:r>
+              <a:rPr lang="sv-SE" sz="3200" dirty="0"/>
+              <a:t> is potential for </a:t>
+            </a:r>
+            <a:r>
+              <a:rPr lang="sv-SE" sz="3200" dirty="0" err="1"/>
+              <a:t>code</a:t>
             </a:r>
             <a:r>
               <a:rPr lang="sv-SE" sz="3200" dirty="0"/>
@@ -6479,23 +6870,21 @@
             </a:r>
             <a:r>
               <a:rPr lang="sv-SE" sz="3200" dirty="0" err="1"/>
-              <a:t>compiler</a:t>
-            </a:r>
-            <a:r>
-              <a:rPr lang="sv-SE" sz="3200" dirty="0"/>
-              <a:t> to </a:t>
-            </a:r>
-            <a:r>
-              <a:rPr lang="sv-SE" sz="3200" dirty="0" err="1"/>
-              <a:t>demote</a:t>
-            </a:r>
-            <a:r>
-              <a:rPr lang="sv-SE" sz="3200" dirty="0"/>
-              <a:t> copy to </a:t>
-            </a:r>
-            <a:r>
-              <a:rPr lang="sv-SE" sz="3200" dirty="0" err="1"/>
-              <a:t>move</a:t>
+              <a:t>breakage</a:t>
+            </a:r>
+            <a:r>
+              <a:rPr lang="sv-SE" sz="3200" dirty="0"/>
+              <a:t>.</a:t>
+            </a:r>
+          </a:p>
+          <a:p>
+            <a:r>
+              <a:rPr lang="sv-SE" sz="3200" dirty="0"/>
+              <a:t>Co-</a:t>
+            </a:r>
+            <a:r>
+              <a:rPr lang="sv-SE" sz="3200" dirty="0" err="1"/>
+              <a:t>authors</a:t>
             </a:r>
             <a:r>
               <a:rPr lang="sv-SE" sz="3200" dirty="0"/>
@@ -6503,236 +6892,209 @@
             </a:r>
             <a:r>
               <a:rPr lang="sv-SE" sz="3200" dirty="0" err="1"/>
-              <a:t>when</a:t>
-            </a:r>
-            <a:r>
-              <a:rPr lang="sv-SE" sz="3200" dirty="0"/>
-              <a:t> a last </a:t>
-            </a:r>
-            <a:r>
-              <a:rPr lang="sv-SE" sz="3200" dirty="0" err="1"/>
-              <a:t>use</a:t>
-            </a:r>
-            <a:r>
-              <a:rPr lang="sv-SE" sz="3200" dirty="0"/>
-              <a:t> has </a:t>
-            </a:r>
-            <a:r>
-              <a:rPr lang="sv-SE" sz="3200" dirty="0" err="1"/>
-              <a:t>been</a:t>
-            </a:r>
-            <a:r>
-              <a:rPr lang="sv-SE" sz="3200" dirty="0"/>
-              <a:t> </a:t>
-            </a:r>
-            <a:r>
-              <a:rPr lang="sv-SE" sz="3200" dirty="0" err="1"/>
-              <a:t>detected</a:t>
-            </a:r>
-            <a:r>
-              <a:rPr lang="sv-SE" sz="3200" dirty="0"/>
-              <a:t>.</a:t>
-            </a:r>
-          </a:p>
-          <a:p>
-            <a:r>
-              <a:rPr lang="sv-SE" sz="3200" dirty="0" err="1"/>
-              <a:t>Includes</a:t>
-            </a:r>
-            <a:r>
-              <a:rPr lang="sv-SE" sz="3200" dirty="0"/>
-              <a:t> </a:t>
-            </a:r>
-            <a:r>
-              <a:rPr lang="sv-SE" sz="3200" dirty="0" err="1"/>
-              <a:t>local</a:t>
-            </a:r>
-            <a:r>
-              <a:rPr lang="sv-SE" sz="3200" dirty="0"/>
-              <a:t> </a:t>
-            </a:r>
-            <a:r>
-              <a:rPr lang="sv-SE" sz="3200" dirty="0" err="1"/>
-              <a:t>variables</a:t>
-            </a:r>
-            <a:r>
-              <a:rPr lang="sv-SE" sz="3200" dirty="0"/>
-              <a:t>, parameters, </a:t>
-            </a:r>
-            <a:r>
-              <a:rPr lang="sv-SE" sz="3200" dirty="0" err="1"/>
-              <a:t>rvalue</a:t>
-            </a:r>
-            <a:r>
-              <a:rPr lang="sv-SE" sz="3200" dirty="0"/>
-              <a:t> </a:t>
-            </a:r>
-            <a:r>
-              <a:rPr lang="sv-SE" sz="3200" dirty="0" err="1"/>
-              <a:t>reference</a:t>
-            </a:r>
-            <a:r>
-              <a:rPr lang="sv-SE" sz="3200" dirty="0"/>
-              <a:t> parameters and </a:t>
-            </a:r>
-            <a:r>
-              <a:rPr lang="sv-SE" sz="3200" dirty="0" err="1"/>
-              <a:t>members</a:t>
-            </a:r>
-            <a:r>
-              <a:rPr lang="sv-SE" sz="3200" dirty="0"/>
-              <a:t> in </a:t>
-            </a:r>
-            <a:r>
-              <a:rPr lang="sv-SE" sz="3200" dirty="0" err="1"/>
-              <a:t>rvalue</a:t>
-            </a:r>
-            <a:r>
-              <a:rPr lang="sv-SE" sz="3200" dirty="0"/>
-              <a:t> </a:t>
-            </a:r>
-            <a:r>
-              <a:rPr lang="sv-SE" sz="3200" dirty="0" err="1"/>
-              <a:t>qualified</a:t>
-            </a:r>
-            <a:r>
-              <a:rPr lang="sv-SE" sz="3200" dirty="0"/>
-              <a:t> </a:t>
-            </a:r>
-            <a:r>
-              <a:rPr lang="sv-SE" sz="3200" dirty="0" err="1"/>
-              <a:t>member</a:t>
-            </a:r>
-            <a:r>
-              <a:rPr lang="sv-SE" sz="3200" dirty="0"/>
-              <a:t> </a:t>
-            </a:r>
-            <a:r>
-              <a:rPr lang="sv-SE" sz="3200" dirty="0" err="1"/>
-              <a:t>functions</a:t>
-            </a:r>
-            <a:r>
-              <a:rPr lang="sv-SE" sz="3200" dirty="0"/>
-              <a:t>.</a:t>
-            </a:r>
-          </a:p>
-          <a:p>
-            <a:r>
-              <a:rPr lang="sv-SE" sz="3200" dirty="0" err="1"/>
-              <a:t>Includes</a:t>
-            </a:r>
-            <a:r>
-              <a:rPr lang="sv-SE" sz="3200" dirty="0"/>
-              <a:t> </a:t>
-            </a:r>
-            <a:r>
-              <a:rPr lang="sv-SE" sz="3200" dirty="0" err="1"/>
-              <a:t>variables</a:t>
-            </a:r>
-            <a:r>
-              <a:rPr lang="sv-SE" sz="3200" dirty="0"/>
-              <a:t> provably </a:t>
-            </a:r>
-            <a:r>
-              <a:rPr lang="sv-SE" sz="3200" dirty="0" err="1"/>
-              <a:t>assigned</a:t>
-            </a:r>
-            <a:r>
-              <a:rPr lang="sv-SE" sz="3200" dirty="0"/>
-              <a:t> </a:t>
-            </a:r>
-            <a:r>
-              <a:rPr lang="sv-SE" sz="3200" dirty="0" err="1"/>
-              <a:t>before</a:t>
-            </a:r>
-            <a:r>
-              <a:rPr lang="sv-SE" sz="3200" dirty="0"/>
-              <a:t> </a:t>
-            </a:r>
-            <a:r>
-              <a:rPr lang="sv-SE" sz="3200" dirty="0" err="1"/>
-              <a:t>next</a:t>
-            </a:r>
-            <a:r>
-              <a:rPr lang="sv-SE" sz="3200" dirty="0"/>
-              <a:t> </a:t>
-            </a:r>
-            <a:r>
-              <a:rPr lang="sv-SE" sz="3200" dirty="0" err="1"/>
-              <a:t>use</a:t>
-            </a:r>
-            <a:r>
-              <a:rPr lang="sv-SE" sz="3200" dirty="0"/>
-              <a:t>.</a:t>
-            </a:r>
-          </a:p>
-          <a:p>
-            <a:r>
-              <a:rPr lang="sv-SE" sz="3200" dirty="0" err="1"/>
-              <a:t>Require</a:t>
-            </a:r>
-            <a:r>
-              <a:rPr lang="sv-SE" sz="3200" dirty="0"/>
-              <a:t> </a:t>
-            </a:r>
-            <a:r>
-              <a:rPr lang="sv-SE" sz="3200" dirty="0" err="1"/>
-              <a:t>compiler</a:t>
-            </a:r>
-            <a:r>
-              <a:rPr lang="sv-SE" sz="3200" dirty="0"/>
-              <a:t> to </a:t>
-            </a:r>
-            <a:r>
-              <a:rPr lang="sv-SE" sz="3200" dirty="0" err="1"/>
-              <a:t>find</a:t>
-            </a:r>
-            <a:r>
-              <a:rPr lang="sv-SE" sz="3200" dirty="0"/>
-              <a:t> </a:t>
-            </a:r>
-            <a:r>
-              <a:rPr lang="sv-SE" sz="3200" dirty="0" err="1"/>
-              <a:t>some</a:t>
-            </a:r>
-            <a:r>
-              <a:rPr lang="sv-SE" sz="3200" dirty="0"/>
-              <a:t> </a:t>
-            </a:r>
-            <a:r>
-              <a:rPr lang="sv-SE" sz="3200" dirty="0" err="1"/>
-              <a:t>basic</a:t>
-            </a:r>
-            <a:r>
-              <a:rPr lang="sv-SE" sz="3200" dirty="0"/>
-              <a:t> </a:t>
-            </a:r>
-            <a:r>
-              <a:rPr lang="sv-SE" sz="3200" dirty="0" err="1"/>
-              <a:t>cases</a:t>
-            </a:r>
-            <a:r>
-              <a:rPr lang="sv-SE" sz="3200" dirty="0"/>
-              <a:t>.</a:t>
-            </a:r>
-            <a:endParaRPr lang="LID4096" sz="3200" dirty="0"/>
+              <a:t>welcome</a:t>
+            </a:r>
+            <a:r>
+              <a:rPr lang="sv-SE" sz="3200" dirty="0"/>
+              <a:t>!</a:t>
+            </a:r>
           </a:p>
         </p:txBody>
       </p:sp>
     </p:spTree>
     <p:extLst>
       <p:ext uri="{BB962C8B-B14F-4D97-AF65-F5344CB8AC3E}">
-        <p14:creationId xmlns:p14="http://schemas.microsoft.com/office/powerpoint/2010/main" val="2728873021"/>
+        <p14:creationId xmlns:p14="http://schemas.microsoft.com/office/powerpoint/2010/main" val="3930101866"/>
       </p:ext>
     </p:extLst>
   </p:cSld>
   <p:clrMapOvr>
     <a:masterClrMapping/>
   </p:clrMapOvr>
+  <p:timing>
+    <p:tnLst>
+      <p:par>
+        <p:cTn id="1" dur="indefinite" restart="never" nodeType="tmRoot">
+          <p:childTnLst>
+            <p:seq concurrent="1" nextAc="seek">
+              <p:cTn id="2" dur="indefinite" nodeType="mainSeq">
+                <p:childTnLst>
+                  <p:par>
+                    <p:cTn id="3" fill="hold">
+                      <p:stCondLst>
+                        <p:cond delay="indefinite"/>
+                      </p:stCondLst>
+                      <p:childTnLst>
+                        <p:par>
+                          <p:cTn id="4" fill="hold">
+                            <p:stCondLst>
+                              <p:cond delay="0"/>
+                            </p:stCondLst>
+                            <p:childTnLst>
+                              <p:par>
+                                <p:cTn id="5" presetID="1" presetClass="entr" presetSubtype="0" fill="hold" grpId="0" nodeType="clickEffect">
+                                  <p:stCondLst>
+                                    <p:cond delay="0"/>
+                                  </p:stCondLst>
+                                  <p:childTnLst>
+                                    <p:set>
+                                      <p:cBhvr>
+                                        <p:cTn id="6" dur="1" fill="hold">
+                                          <p:stCondLst>
+                                            <p:cond delay="0"/>
+                                          </p:stCondLst>
+                                        </p:cTn>
+                                        <p:tgtEl>
+                                          <p:spTgt spid="3">
+                                            <p:txEl>
+                                              <p:pRg st="0" end="0"/>
+                                            </p:txEl>
+                                          </p:spTgt>
+                                        </p:tgtEl>
+                                        <p:attrNameLst>
+                                          <p:attrName>style.visibility</p:attrName>
+                                        </p:attrNameLst>
+                                      </p:cBhvr>
+                                      <p:to>
+                                        <p:strVal val="visible"/>
+                                      </p:to>
+                                    </p:set>
+                                  </p:childTnLst>
+                                </p:cTn>
+                              </p:par>
+                            </p:childTnLst>
+                          </p:cTn>
+                        </p:par>
+                      </p:childTnLst>
+                    </p:cTn>
+                  </p:par>
+                  <p:par>
+                    <p:cTn id="7" fill="hold">
+                      <p:stCondLst>
+                        <p:cond delay="indefinite"/>
+                      </p:stCondLst>
+                      <p:childTnLst>
+                        <p:par>
+                          <p:cTn id="8" fill="hold">
+                            <p:stCondLst>
+                              <p:cond delay="0"/>
+                            </p:stCondLst>
+                            <p:childTnLst>
+                              <p:par>
+                                <p:cTn id="9" presetID="1" presetClass="entr" presetSubtype="0" fill="hold" grpId="0" nodeType="clickEffect">
+                                  <p:stCondLst>
+                                    <p:cond delay="0"/>
+                                  </p:stCondLst>
+                                  <p:childTnLst>
+                                    <p:set>
+                                      <p:cBhvr>
+                                        <p:cTn id="10" dur="1" fill="hold">
+                                          <p:stCondLst>
+                                            <p:cond delay="0"/>
+                                          </p:stCondLst>
+                                        </p:cTn>
+                                        <p:tgtEl>
+                                          <p:spTgt spid="3">
+                                            <p:txEl>
+                                              <p:pRg st="1" end="1"/>
+                                            </p:txEl>
+                                          </p:spTgt>
+                                        </p:tgtEl>
+                                        <p:attrNameLst>
+                                          <p:attrName>style.visibility</p:attrName>
+                                        </p:attrNameLst>
+                                      </p:cBhvr>
+                                      <p:to>
+                                        <p:strVal val="visible"/>
+                                      </p:to>
+                                    </p:set>
+                                  </p:childTnLst>
+                                </p:cTn>
+                              </p:par>
+                            </p:childTnLst>
+                          </p:cTn>
+                        </p:par>
+                      </p:childTnLst>
+                    </p:cTn>
+                  </p:par>
+                  <p:par>
+                    <p:cTn id="11" fill="hold">
+                      <p:stCondLst>
+                        <p:cond delay="indefinite"/>
+                      </p:stCondLst>
+                      <p:childTnLst>
+                        <p:par>
+                          <p:cTn id="12" fill="hold">
+                            <p:stCondLst>
+                              <p:cond delay="0"/>
+                            </p:stCondLst>
+                            <p:childTnLst>
+                              <p:par>
+                                <p:cTn id="13" presetID="1" presetClass="entr" presetSubtype="0" fill="hold" grpId="0" nodeType="clickEffect">
+                                  <p:stCondLst>
+                                    <p:cond delay="0"/>
+                                  </p:stCondLst>
+                                  <p:childTnLst>
+                                    <p:set>
+                                      <p:cBhvr>
+                                        <p:cTn id="14" dur="1" fill="hold">
+                                          <p:stCondLst>
+                                            <p:cond delay="0"/>
+                                          </p:stCondLst>
+                                        </p:cTn>
+                                        <p:tgtEl>
+                                          <p:spTgt spid="3">
+                                            <p:txEl>
+                                              <p:pRg st="2" end="2"/>
+                                            </p:txEl>
+                                          </p:spTgt>
+                                        </p:tgtEl>
+                                        <p:attrNameLst>
+                                          <p:attrName>style.visibility</p:attrName>
+                                        </p:attrNameLst>
+                                      </p:cBhvr>
+                                      <p:to>
+                                        <p:strVal val="visible"/>
+                                      </p:to>
+                                    </p:set>
+                                  </p:childTnLst>
+                                </p:cTn>
+                              </p:par>
+                            </p:childTnLst>
+                          </p:cTn>
+                        </p:par>
+                      </p:childTnLst>
+                    </p:cTn>
+                  </p:par>
+                </p:childTnLst>
+              </p:cTn>
+              <p:prevCondLst>
+                <p:cond evt="onPrev" delay="0">
+                  <p:tgtEl>
+                    <p:sldTgt/>
+                  </p:tgtEl>
+                </p:cond>
+              </p:prevCondLst>
+              <p:nextCondLst>
+                <p:cond evt="onNext" delay="0">
+                  <p:tgtEl>
+                    <p:sldTgt/>
+                  </p:tgtEl>
+                </p:cond>
+              </p:nextCondLst>
+            </p:seq>
+          </p:childTnLst>
+        </p:cTn>
+      </p:par>
+    </p:tnLst>
+    <p:bldLst>
+      <p:bldP spid="3" grpId="0" build="p"/>
+    </p:bldLst>
+  </p:timing>
 </p:sld>
 </file>
 
-<file path=ppt/slides/slide5.xml><?xml version="1.0" encoding="utf-8"?>
+<file path=ppt/slides/slide3.xml><?xml version="1.0" encoding="utf-8"?>
 <p:sld xmlns:a="http://schemas.openxmlformats.org/drawingml/2006/main" xmlns:r="http://schemas.openxmlformats.org/officeDocument/2006/relationships" xmlns:p="http://schemas.openxmlformats.org/presentationml/2006/main">
   <p:cSld>
     <p:bg>
@@ -7307,28 +7669,12 @@
           <a:lstStyle/>
           <a:p>
             <a:r>
-              <a:rPr lang="sv-SE" sz="4000" dirty="0" err="1">
-                <a:solidFill>
-                  <a:srgbClr val="FFFFFF"/>
-                </a:solidFill>
-              </a:rPr>
-              <a:t>Rules</a:t>
-            </a:r>
-            <a:r>
               <a:rPr lang="sv-SE" sz="4000" dirty="0">
                 <a:solidFill>
                   <a:srgbClr val="FFFFFF"/>
                 </a:solidFill>
               </a:rPr>
-              <a:t> for </a:t>
-            </a:r>
-            <a:r>
-              <a:rPr lang="sv-SE" sz="4000" dirty="0" err="1">
-                <a:solidFill>
-                  <a:srgbClr val="FFFFFF"/>
-                </a:solidFill>
-              </a:rPr>
-              <a:t>compilers</a:t>
+              <a:t>Overall motivation</a:t>
             </a:r>
             <a:endParaRPr lang="LID4096" sz="4000" dirty="0">
               <a:solidFill>
@@ -7367,20 +7713,16 @@
           <a:lstStyle/>
           <a:p>
             <a:r>
-              <a:rPr lang="sv-SE" sz="3200" dirty="0"/>
-              <a:t>Must </a:t>
-            </a:r>
-            <a:r>
-              <a:rPr lang="sv-SE" sz="3200" dirty="0" err="1"/>
-              <a:t>find</a:t>
-            </a:r>
-            <a:r>
-              <a:rPr lang="sv-SE" sz="3200" dirty="0"/>
-              <a:t> and </a:t>
-            </a:r>
-            <a:r>
-              <a:rPr lang="sv-SE" sz="3200" dirty="0" err="1"/>
-              <a:t>demote</a:t>
+              <a:rPr lang="sv-SE" sz="3200" dirty="0" err="1"/>
+              <a:t>Remembering</a:t>
+            </a:r>
+            <a:r>
+              <a:rPr lang="sv-SE" sz="3200" dirty="0"/>
+              <a:t> to </a:t>
+            </a:r>
+            <a:r>
+              <a:rPr lang="sv-SE" sz="3200" dirty="0" err="1"/>
+              <a:t>move</a:t>
             </a:r>
             <a:r>
               <a:rPr lang="sv-SE" sz="3200" dirty="0"/>
@@ -7388,7 +7730,7 @@
             </a:r>
             <a:r>
               <a:rPr lang="sv-SE" sz="3200" dirty="0" err="1"/>
-              <a:t>basic</a:t>
+              <a:t>values</a:t>
             </a:r>
             <a:r>
               <a:rPr lang="sv-SE" sz="3200" dirty="0"/>
@@ -7396,21 +7738,7 @@
             </a:r>
             <a:r>
               <a:rPr lang="sv-SE" sz="3200" dirty="0" err="1"/>
-              <a:t>cases</a:t>
-            </a:r>
-            <a:r>
-              <a:rPr lang="sv-SE" sz="3200" dirty="0"/>
-              <a:t>.</a:t>
-            </a:r>
-          </a:p>
-          <a:p>
-            <a:r>
-              <a:rPr lang="sv-SE" sz="3200" dirty="0"/>
-              <a:t>May </a:t>
-            </a:r>
-            <a:r>
-              <a:rPr lang="sv-SE" sz="3200" dirty="0" err="1"/>
-              <a:t>find</a:t>
+              <a:t>when</a:t>
             </a:r>
             <a:r>
               <a:rPr lang="sv-SE" sz="3200" dirty="0"/>
@@ -7418,7 +7746,7 @@
             </a:r>
             <a:r>
               <a:rPr lang="sv-SE" sz="3200" dirty="0" err="1"/>
-              <a:t>any</a:t>
+              <a:t>possible</a:t>
             </a:r>
             <a:r>
               <a:rPr lang="sv-SE" sz="3200" dirty="0"/>
@@ -7426,7 +7754,7 @@
             </a:r>
             <a:r>
               <a:rPr lang="sv-SE" sz="3200" dirty="0" err="1"/>
-              <a:t>more</a:t>
+              <a:t>creates</a:t>
             </a:r>
             <a:r>
               <a:rPr lang="sv-SE" sz="3200" dirty="0"/>
@@ -7434,26 +7762,7 @@
             </a:r>
             <a:r>
               <a:rPr lang="sv-SE" sz="3200" dirty="0" err="1"/>
-              <a:t>cases</a:t>
-            </a:r>
-            <a:r>
-              <a:rPr lang="sv-SE" sz="3200" dirty="0"/>
-              <a:t> it </a:t>
-            </a:r>
-            <a:r>
-              <a:rPr lang="sv-SE" sz="3200" dirty="0" err="1"/>
-              <a:t>can.</a:t>
-            </a:r>
-            <a:endParaRPr lang="sv-SE" sz="3200" dirty="0"/>
-          </a:p>
-          <a:p>
-            <a:r>
-              <a:rPr lang="sv-SE" sz="3200" dirty="0"/>
-              <a:t>Must not </a:t>
-            </a:r>
-            <a:r>
-              <a:rPr lang="sv-SE" sz="3200" dirty="0" err="1"/>
-              <a:t>find</a:t>
+              <a:t>unnecessary</a:t>
             </a:r>
             <a:r>
               <a:rPr lang="sv-SE" sz="3200" dirty="0"/>
@@ -7461,7 +7770,7 @@
             </a:r>
             <a:r>
               <a:rPr lang="sv-SE" sz="3200" dirty="0" err="1"/>
-              <a:t>cases</a:t>
+              <a:t>cognitive</a:t>
             </a:r>
             <a:r>
               <a:rPr lang="sv-SE" sz="3200" dirty="0"/>
@@ -7469,35 +7778,43 @@
             </a:r>
             <a:r>
               <a:rPr lang="sv-SE" sz="3200" dirty="0" err="1"/>
-              <a:t>which</a:t>
-            </a:r>
-            <a:r>
-              <a:rPr lang="sv-SE" sz="3200" dirty="0"/>
-              <a:t> </a:t>
-            </a:r>
-            <a:r>
-              <a:rPr lang="sv-SE" sz="3200" dirty="0" err="1"/>
-              <a:t>are</a:t>
-            </a:r>
-            <a:r>
-              <a:rPr lang="sv-SE" sz="3200" dirty="0"/>
-              <a:t> not </a:t>
-            </a:r>
-            <a:r>
-              <a:rPr lang="sv-SE" sz="3200" dirty="0" err="1"/>
-              <a:t>truly</a:t>
-            </a:r>
-            <a:r>
-              <a:rPr lang="sv-SE" sz="3200" dirty="0"/>
-              <a:t> last </a:t>
-            </a:r>
-            <a:r>
-              <a:rPr lang="sv-SE" sz="3200" dirty="0" err="1"/>
-              <a:t>uses</a:t>
-            </a:r>
-            <a:r>
-              <a:rPr lang="sv-SE" sz="3200" dirty="0"/>
-              <a:t>.</a:t>
+              <a:t>load</a:t>
+            </a:r>
+            <a:r>
+              <a:rPr lang="sv-SE" sz="3200" dirty="0"/>
+              <a:t>. </a:t>
+            </a:r>
+            <a:r>
+              <a:rPr lang="sv-SE" sz="3200" dirty="0" err="1"/>
+              <a:t>Let</a:t>
+            </a:r>
+            <a:r>
+              <a:rPr lang="sv-SE" sz="3200" dirty="0"/>
+              <a:t> the </a:t>
+            </a:r>
+            <a:r>
+              <a:rPr lang="sv-SE" sz="3200" dirty="0" err="1"/>
+              <a:t>compiler</a:t>
+            </a:r>
+            <a:r>
+              <a:rPr lang="sv-SE" sz="3200" dirty="0"/>
+              <a:t> do </a:t>
+            </a:r>
+            <a:r>
+              <a:rPr lang="sv-SE" sz="3200" dirty="0" err="1"/>
+              <a:t>this</a:t>
+            </a:r>
+            <a:r>
+              <a:rPr lang="sv-SE" sz="3200" dirty="0"/>
+              <a:t> for </a:t>
+            </a:r>
+            <a:r>
+              <a:rPr lang="sv-SE" sz="3200" dirty="0" err="1"/>
+              <a:t>us</a:t>
+            </a:r>
+            <a:r>
+              <a:rPr lang="sv-SE" sz="3200" dirty="0"/>
+              <a:t>!</a:t>
             </a:r>
             <a:endParaRPr lang="LID4096" sz="3200" dirty="0"/>
           </a:p>
@@ -7506,7 +7823,7 @@
     </p:spTree>
     <p:extLst>
       <p:ext uri="{BB962C8B-B14F-4D97-AF65-F5344CB8AC3E}">
-        <p14:creationId xmlns:p14="http://schemas.microsoft.com/office/powerpoint/2010/main" val="523099993"/>
+        <p14:creationId xmlns:p14="http://schemas.microsoft.com/office/powerpoint/2010/main" val="3583117029"/>
       </p:ext>
     </p:extLst>
   </p:cSld>
@@ -7516,7 +7833,7 @@
 </p:sld>
 </file>
 
-<file path=ppt/slides/slide6.xml><?xml version="1.0" encoding="utf-8"?>
+<file path=ppt/slides/slide4.xml><?xml version="1.0" encoding="utf-8"?>
 <p:sld xmlns:a="http://schemas.openxmlformats.org/drawingml/2006/main" xmlns:r="http://schemas.openxmlformats.org/officeDocument/2006/relationships" xmlns:p="http://schemas.openxmlformats.org/presentationml/2006/main">
   <p:cSld>
     <p:bg>
@@ -8096,23 +8413,7 @@
                   <a:srgbClr val="FFFFFF"/>
                 </a:solidFill>
               </a:rPr>
-              <a:t>Rules</a:t>
-            </a:r>
-            <a:r>
-              <a:rPr lang="sv-SE" sz="4000" dirty="0">
-                <a:solidFill>
-                  <a:srgbClr val="FFFFFF"/>
-                </a:solidFill>
-              </a:rPr>
-              <a:t> for </a:t>
-            </a:r>
-            <a:r>
-              <a:rPr lang="sv-SE" sz="4000" dirty="0" err="1">
-                <a:solidFill>
-                  <a:srgbClr val="FFFFFF"/>
-                </a:solidFill>
-              </a:rPr>
-              <a:t>programmers</a:t>
+              <a:t>Rationale</a:t>
             </a:r>
             <a:endParaRPr lang="LID4096" sz="4000" dirty="0">
               <a:solidFill>
@@ -8151,28 +8452,62 @@
           <a:lstStyle/>
           <a:p>
             <a:r>
-              <a:rPr lang="sv-SE" sz="3200" dirty="0"/>
-              <a:t>Must not </a:t>
-            </a:r>
-            <a:r>
-              <a:rPr lang="sv-SE" sz="3200" dirty="0" err="1"/>
-              <a:t>rely</a:t>
-            </a:r>
-            <a:r>
-              <a:rPr lang="sv-SE" sz="3200" dirty="0"/>
-              <a:t> on </a:t>
-            </a:r>
-            <a:r>
-              <a:rPr lang="sv-SE" sz="3200" dirty="0" err="1"/>
-              <a:t>copies</a:t>
-            </a:r>
-            <a:r>
-              <a:rPr lang="sv-SE" sz="3200" dirty="0"/>
-              <a:t> being </a:t>
-            </a:r>
-            <a:r>
-              <a:rPr lang="sv-SE" sz="3200" dirty="0" err="1"/>
-              <a:t>done</a:t>
+              <a:rPr lang="sv-SE" sz="3200" dirty="0" err="1"/>
+              <a:t>Whenever</a:t>
+            </a:r>
+            <a:r>
+              <a:rPr lang="sv-SE" sz="3200" dirty="0"/>
+              <a:t> a </a:t>
+            </a:r>
+            <a:r>
+              <a:rPr lang="sv-SE" sz="3200" dirty="0" err="1"/>
+              <a:t>variable</a:t>
+            </a:r>
+            <a:r>
+              <a:rPr lang="sv-SE" sz="3200" dirty="0"/>
+              <a:t> is </a:t>
+            </a:r>
+            <a:r>
+              <a:rPr lang="sv-SE" sz="3200" dirty="0" err="1"/>
+              <a:t>used</a:t>
+            </a:r>
+            <a:r>
+              <a:rPr lang="sv-SE" sz="3200" dirty="0"/>
+              <a:t> for the last </a:t>
+            </a:r>
+            <a:r>
+              <a:rPr lang="sv-SE" sz="3200" dirty="0" err="1"/>
+              <a:t>time</a:t>
+            </a:r>
+            <a:r>
+              <a:rPr lang="sv-SE" sz="3200" dirty="0"/>
+              <a:t> it </a:t>
+            </a:r>
+            <a:r>
+              <a:rPr lang="sv-SE" sz="3200" dirty="0" err="1"/>
+              <a:t>can</a:t>
+            </a:r>
+            <a:r>
+              <a:rPr lang="sv-SE" sz="3200" dirty="0"/>
+              <a:t> be </a:t>
+            </a:r>
+            <a:r>
+              <a:rPr lang="sv-SE" sz="3200" dirty="0" err="1"/>
+              <a:t>moved</a:t>
+            </a:r>
+            <a:r>
+              <a:rPr lang="sv-SE" sz="3200" dirty="0"/>
+              <a:t>.</a:t>
+            </a:r>
+          </a:p>
+          <a:p>
+            <a:r>
+              <a:rPr lang="sv-SE" sz="3200" dirty="0"/>
+              <a:t>The </a:t>
+            </a:r>
+            <a:r>
+              <a:rPr lang="sv-SE" sz="3200" dirty="0" err="1"/>
+              <a:t>compiler</a:t>
             </a:r>
             <a:r>
               <a:rPr lang="sv-SE" sz="3200" dirty="0"/>
@@ -8180,7 +8515,7 @@
             </a:r>
             <a:r>
               <a:rPr lang="sv-SE" sz="3200" dirty="0" err="1"/>
-              <a:t>when</a:t>
+              <a:t>can</a:t>
             </a:r>
             <a:r>
               <a:rPr lang="sv-SE" sz="3200" dirty="0"/>
@@ -8188,7 +8523,7 @@
             </a:r>
             <a:r>
               <a:rPr lang="sv-SE" sz="3200" dirty="0" err="1"/>
-              <a:t>moves</a:t>
+              <a:t>easily</a:t>
             </a:r>
             <a:r>
               <a:rPr lang="sv-SE" sz="3200" dirty="0"/>
@@ -8196,7 +8531,7 @@
             </a:r>
             <a:r>
               <a:rPr lang="sv-SE" sz="3200" dirty="0" err="1"/>
-              <a:t>are</a:t>
+              <a:t>find</a:t>
             </a:r>
             <a:r>
               <a:rPr lang="sv-SE" sz="3200" dirty="0"/>
@@ -8204,23 +8539,7 @@
             </a:r>
             <a:r>
               <a:rPr lang="sv-SE" sz="3200" dirty="0" err="1"/>
-              <a:t>possible</a:t>
-            </a:r>
-            <a:r>
-              <a:rPr lang="sv-SE" sz="3200" dirty="0"/>
-              <a:t> – same as for RVO </a:t>
-            </a:r>
-            <a:r>
-              <a:rPr lang="sv-SE" sz="3200" dirty="0" err="1"/>
-              <a:t>but</a:t>
-            </a:r>
-            <a:r>
-              <a:rPr lang="sv-SE" sz="3200" dirty="0"/>
-              <a:t> for </a:t>
-            </a:r>
-            <a:r>
-              <a:rPr lang="sv-SE" sz="3200" dirty="0" err="1"/>
-              <a:t>types</a:t>
+              <a:t>most</a:t>
             </a:r>
             <a:r>
               <a:rPr lang="sv-SE" sz="3200" dirty="0"/>
@@ -8228,7 +8547,33 @@
             </a:r>
             <a:r>
               <a:rPr lang="sv-SE" sz="3200" dirty="0" err="1"/>
-              <a:t>that</a:t>
+              <a:t>such</a:t>
+            </a:r>
+            <a:r>
+              <a:rPr lang="sv-SE" sz="3200" dirty="0"/>
+              <a:t> last </a:t>
+            </a:r>
+            <a:r>
+              <a:rPr lang="sv-SE" sz="3200" dirty="0" err="1"/>
+              <a:t>uses</a:t>
+            </a:r>
+            <a:r>
+              <a:rPr lang="sv-SE" sz="3200" dirty="0"/>
+              <a:t>.</a:t>
+            </a:r>
+          </a:p>
+          <a:p>
+            <a:r>
+              <a:rPr lang="sv-SE" sz="3200" dirty="0" err="1"/>
+              <a:t>Due</a:t>
+            </a:r>
+            <a:r>
+              <a:rPr lang="sv-SE" sz="3200" dirty="0"/>
+              <a:t> to RVO </a:t>
+            </a:r>
+            <a:r>
+              <a:rPr lang="sv-SE" sz="3200" dirty="0" err="1"/>
+              <a:t>we</a:t>
             </a:r>
             <a:r>
               <a:rPr lang="sv-SE" sz="3200" dirty="0"/>
@@ -8236,102 +8581,125 @@
             </a:r>
             <a:r>
               <a:rPr lang="sv-SE" sz="3200" dirty="0" err="1"/>
-              <a:t>are</a:t>
-            </a:r>
-            <a:r>
-              <a:rPr lang="sv-SE" sz="3200" dirty="0"/>
-              <a:t> never </a:t>
-            </a:r>
-            <a:r>
-              <a:rPr lang="sv-SE" sz="3200" dirty="0" err="1"/>
-              <a:t>returned</a:t>
+              <a:t>already</a:t>
+            </a:r>
+            <a:r>
+              <a:rPr lang="sv-SE" sz="3200" dirty="0"/>
+              <a:t> </a:t>
+            </a:r>
+            <a:r>
+              <a:rPr lang="sv-SE" sz="3200" dirty="0" err="1"/>
+              <a:t>require</a:t>
+            </a:r>
+            <a:r>
+              <a:rPr lang="sv-SE" sz="3200" dirty="0"/>
+              <a:t> </a:t>
+            </a:r>
+            <a:r>
+              <a:rPr lang="sv-SE" sz="3200" dirty="0" err="1"/>
+              <a:t>move</a:t>
+            </a:r>
+            <a:r>
+              <a:rPr lang="sv-SE" sz="3200" dirty="0"/>
+              <a:t>/copy </a:t>
+            </a:r>
+            <a:r>
+              <a:rPr lang="sv-SE" sz="3200" dirty="0" err="1"/>
+              <a:t>constructor</a:t>
+            </a:r>
+            <a:r>
+              <a:rPr lang="sv-SE" sz="3200" dirty="0"/>
+              <a:t> </a:t>
+            </a:r>
+            <a:r>
+              <a:rPr lang="sv-SE" sz="3200" dirty="0" err="1"/>
+              <a:t>semantics</a:t>
+            </a:r>
+            <a:r>
+              <a:rPr lang="sv-SE" sz="3200" dirty="0"/>
+              <a:t> to be </a:t>
+            </a:r>
+            <a:r>
+              <a:rPr lang="sv-SE" sz="3200" dirty="0" err="1"/>
+              <a:t>congruent</a:t>
+            </a:r>
+            <a:r>
+              <a:rPr lang="sv-SE" sz="3200" dirty="0"/>
+              <a:t>. New </a:t>
+            </a:r>
+            <a:r>
+              <a:rPr lang="sv-SE" sz="3200" dirty="0" err="1"/>
+              <a:t>cases</a:t>
+            </a:r>
+            <a:r>
+              <a:rPr lang="sv-SE" sz="3200" dirty="0"/>
+              <a:t> in C++23.</a:t>
+            </a:r>
+          </a:p>
+          <a:p>
+            <a:r>
+              <a:rPr lang="sv-SE" sz="3200" dirty="0" err="1"/>
+              <a:t>Generalizing</a:t>
+            </a:r>
+            <a:r>
+              <a:rPr lang="sv-SE" sz="3200" dirty="0"/>
+              <a:t> to </a:t>
+            </a:r>
+            <a:r>
+              <a:rPr lang="sv-SE" sz="3200" dirty="0" err="1"/>
+              <a:t>any</a:t>
+            </a:r>
+            <a:r>
+              <a:rPr lang="sv-SE" sz="3200" dirty="0"/>
+              <a:t> last-</a:t>
+            </a:r>
+            <a:r>
+              <a:rPr lang="sv-SE" sz="3200" dirty="0" err="1"/>
+              <a:t>uses</a:t>
+            </a:r>
+            <a:r>
+              <a:rPr lang="sv-SE" sz="3200" dirty="0"/>
+              <a:t> </a:t>
+            </a:r>
+            <a:r>
+              <a:rPr lang="sv-SE" sz="3200" dirty="0" err="1"/>
+              <a:t>of</a:t>
+            </a:r>
+            <a:r>
+              <a:rPr lang="sv-SE" sz="3200" dirty="0"/>
+              <a:t> </a:t>
+            </a:r>
+            <a:r>
+              <a:rPr lang="sv-SE" sz="3200" dirty="0" err="1"/>
+              <a:t>variables</a:t>
+            </a:r>
+            <a:r>
+              <a:rPr lang="sv-SE" sz="3200" dirty="0"/>
+              <a:t> </a:t>
+            </a:r>
+            <a:r>
+              <a:rPr lang="sv-SE" sz="3200" dirty="0" err="1"/>
+              <a:t>improves</a:t>
+            </a:r>
+            <a:r>
+              <a:rPr lang="sv-SE" sz="3200" dirty="0"/>
+              <a:t> </a:t>
+            </a:r>
+            <a:r>
+              <a:rPr lang="sv-SE" sz="3200" dirty="0" err="1"/>
+              <a:t>performance</a:t>
             </a:r>
             <a:r>
               <a:rPr lang="sv-SE" sz="3200" dirty="0"/>
               <a:t>.</a:t>
             </a:r>
-          </a:p>
-          <a:p>
-            <a:r>
-              <a:rPr lang="sv-SE" sz="3200" dirty="0" err="1"/>
-              <a:t>Should</a:t>
-            </a:r>
-            <a:r>
-              <a:rPr lang="sv-SE" sz="3200" dirty="0"/>
-              <a:t> not </a:t>
-            </a:r>
-            <a:r>
-              <a:rPr lang="sv-SE" sz="3200" dirty="0" err="1"/>
-              <a:t>rely</a:t>
-            </a:r>
-            <a:r>
-              <a:rPr lang="sv-SE" sz="3200" dirty="0"/>
-              <a:t> on </a:t>
-            </a:r>
-            <a:r>
-              <a:rPr lang="sv-SE" sz="3200" dirty="0" err="1"/>
-              <a:t>moves</a:t>
-            </a:r>
-            <a:r>
-              <a:rPr lang="sv-SE" sz="3200" dirty="0"/>
-              <a:t> being </a:t>
-            </a:r>
-            <a:r>
-              <a:rPr lang="sv-SE" sz="3200" dirty="0" err="1"/>
-              <a:t>demoted</a:t>
-            </a:r>
-            <a:r>
-              <a:rPr lang="sv-SE" sz="3200" dirty="0"/>
-              <a:t> to </a:t>
-            </a:r>
-            <a:r>
-              <a:rPr lang="sv-SE" sz="3200" dirty="0" err="1"/>
-              <a:t>copies</a:t>
-            </a:r>
-            <a:r>
-              <a:rPr lang="sv-SE" sz="3200" dirty="0"/>
-              <a:t> </a:t>
-            </a:r>
-            <a:r>
-              <a:rPr lang="sv-SE" sz="3200" dirty="0" err="1"/>
-              <a:t>outside</a:t>
-            </a:r>
-            <a:r>
-              <a:rPr lang="sv-SE" sz="3200" dirty="0"/>
-              <a:t> </a:t>
-            </a:r>
-            <a:r>
-              <a:rPr lang="sv-SE" sz="3200" dirty="0" err="1"/>
-              <a:t>of</a:t>
-            </a:r>
-            <a:r>
-              <a:rPr lang="sv-SE" sz="3200" dirty="0"/>
-              <a:t> the </a:t>
-            </a:r>
-            <a:r>
-              <a:rPr lang="sv-SE" sz="3200" dirty="0" err="1"/>
-              <a:t>mandated</a:t>
-            </a:r>
-            <a:r>
-              <a:rPr lang="sv-SE" sz="3200" dirty="0"/>
-              <a:t> </a:t>
-            </a:r>
-            <a:r>
-              <a:rPr lang="sv-SE" sz="3200" dirty="0" err="1"/>
-              <a:t>cases</a:t>
-            </a:r>
-            <a:r>
-              <a:rPr lang="sv-SE" sz="3200" dirty="0"/>
-              <a:t>.</a:t>
-            </a:r>
-            <a:endParaRPr lang="LID4096" sz="3200" dirty="0"/>
           </a:p>
         </p:txBody>
       </p:sp>
     </p:spTree>
     <p:extLst>
       <p:ext uri="{BB962C8B-B14F-4D97-AF65-F5344CB8AC3E}">
-        <p14:creationId xmlns:p14="http://schemas.microsoft.com/office/powerpoint/2010/main" val="2193880684"/>
+        <p14:creationId xmlns:p14="http://schemas.microsoft.com/office/powerpoint/2010/main" val="3573784213"/>
       </p:ext>
     </p:extLst>
   </p:cSld>
@@ -8341,7 +8709,7 @@
 </p:sld>
 </file>
 
-<file path=ppt/slides/slide7.xml><?xml version="1.0" encoding="utf-8"?>
+<file path=ppt/slides/slide5.xml><?xml version="1.0" encoding="utf-8"?>
 <p:sld xmlns:a="http://schemas.openxmlformats.org/drawingml/2006/main" xmlns:r="http://schemas.openxmlformats.org/officeDocument/2006/relationships" xmlns:p="http://schemas.openxmlformats.org/presentationml/2006/main">
   <p:cSld>
     <p:bg>
@@ -8921,7 +9289,7 @@
                   <a:srgbClr val="FFFFFF"/>
                 </a:solidFill>
               </a:rPr>
-              <a:t>Rules</a:t>
+              <a:t>Proposal</a:t>
             </a:r>
             <a:r>
               <a:rPr lang="sv-SE" sz="4000" dirty="0">
@@ -8929,7 +9297,7 @@
                   <a:srgbClr val="FFFFFF"/>
                 </a:solidFill>
               </a:rPr>
-              <a:t> for </a:t>
+              <a:t> </a:t>
             </a:r>
             <a:r>
               <a:rPr lang="sv-SE" sz="4000" dirty="0" err="1">
@@ -8937,23 +9305,7 @@
                   <a:srgbClr val="FFFFFF"/>
                 </a:solidFill>
               </a:rPr>
-              <a:t>guaranteed</a:t>
-            </a:r>
-            <a:r>
-              <a:rPr lang="sv-SE" sz="4000" dirty="0">
-                <a:solidFill>
-                  <a:srgbClr val="FFFFFF"/>
-                </a:solidFill>
-              </a:rPr>
-              <a:t> </a:t>
-            </a:r>
-            <a:r>
-              <a:rPr lang="sv-SE" sz="4000" dirty="0" err="1">
-                <a:solidFill>
-                  <a:srgbClr val="FFFFFF"/>
-                </a:solidFill>
-              </a:rPr>
-              <a:t>demotion</a:t>
+              <a:t>contents</a:t>
             </a:r>
             <a:endParaRPr lang="LID4096" sz="4000" dirty="0">
               <a:solidFill>
@@ -8992,12 +9344,8 @@
           <a:lstStyle/>
           <a:p>
             <a:r>
-              <a:rPr lang="sv-SE" sz="3200" dirty="0"/>
-              <a:t>Must be </a:t>
-            </a:r>
-            <a:r>
-              <a:rPr lang="sv-SE" sz="3200" dirty="0" err="1"/>
-              <a:t>defined</a:t>
+              <a:rPr lang="sv-SE" sz="3200" dirty="0" err="1"/>
+              <a:t>Allow</a:t>
             </a:r>
             <a:r>
               <a:rPr lang="sv-SE" sz="3200" dirty="0"/>
@@ -9005,7 +9353,23 @@
             </a:r>
             <a:r>
               <a:rPr lang="sv-SE" sz="3200" dirty="0" err="1"/>
-              <a:t>together</a:t>
+              <a:t>compiler</a:t>
+            </a:r>
+            <a:r>
+              <a:rPr lang="sv-SE" sz="3200" dirty="0"/>
+              <a:t> to </a:t>
+            </a:r>
+            <a:r>
+              <a:rPr lang="sv-SE" sz="3200" dirty="0" err="1"/>
+              <a:t>demote</a:t>
+            </a:r>
+            <a:r>
+              <a:rPr lang="sv-SE" sz="3200" dirty="0"/>
+              <a:t> copy to </a:t>
+            </a:r>
+            <a:r>
+              <a:rPr lang="sv-SE" sz="3200" dirty="0" err="1"/>
+              <a:t>move</a:t>
             </a:r>
             <a:r>
               <a:rPr lang="sv-SE" sz="3200" dirty="0"/>
@@ -9013,7 +9377,23 @@
             </a:r>
             <a:r>
               <a:rPr lang="sv-SE" sz="3200" dirty="0" err="1"/>
-              <a:t>with</a:t>
+              <a:t>when</a:t>
+            </a:r>
+            <a:r>
+              <a:rPr lang="sv-SE" sz="3200" dirty="0"/>
+              <a:t> a last </a:t>
+            </a:r>
+            <a:r>
+              <a:rPr lang="sv-SE" sz="3200" dirty="0" err="1"/>
+              <a:t>use</a:t>
+            </a:r>
+            <a:r>
+              <a:rPr lang="sv-SE" sz="3200" dirty="0"/>
+              <a:t> has </a:t>
+            </a:r>
+            <a:r>
+              <a:rPr lang="sv-SE" sz="3200" dirty="0" err="1"/>
+              <a:t>been</a:t>
             </a:r>
             <a:r>
               <a:rPr lang="sv-SE" sz="3200" dirty="0"/>
@@ -9021,17 +9401,210 @@
             </a:r>
             <a:r>
               <a:rPr lang="sv-SE" sz="3200" dirty="0" err="1"/>
+              <a:t>found</a:t>
+            </a:r>
+            <a:r>
+              <a:rPr lang="sv-SE" sz="3200" dirty="0"/>
+              <a:t>.</a:t>
+            </a:r>
+          </a:p>
+          <a:p>
+            <a:r>
+              <a:rPr lang="sv-SE" sz="3200" i="1" dirty="0" err="1"/>
+              <a:t>Require</a:t>
+            </a:r>
+            <a:r>
+              <a:rPr lang="sv-SE" sz="3200" dirty="0"/>
+              <a:t> </a:t>
+            </a:r>
+            <a:r>
+              <a:rPr lang="sv-SE" sz="3200" dirty="0" err="1"/>
               <a:t>compiler</a:t>
             </a:r>
             <a:r>
               <a:rPr lang="sv-SE" sz="3200" dirty="0"/>
+              <a:t> to </a:t>
+            </a:r>
+            <a:r>
+              <a:rPr lang="sv-SE" sz="3200" dirty="0" err="1"/>
+              <a:t>find</a:t>
+            </a:r>
+            <a:r>
+              <a:rPr lang="sv-SE" sz="3200" dirty="0"/>
               <a:t> </a:t>
             </a:r>
             <a:r>
               <a:rPr lang="sv-SE" sz="3200" dirty="0" err="1"/>
-              <a:t>vendors</a:t>
-            </a:r>
-            <a:endParaRPr lang="sv-SE" sz="3200" dirty="0"/>
+              <a:t>some</a:t>
+            </a:r>
+            <a:r>
+              <a:rPr lang="sv-SE" sz="3200" dirty="0"/>
+              <a:t> </a:t>
+            </a:r>
+            <a:r>
+              <a:rPr lang="sv-SE" sz="3200" dirty="0" err="1"/>
+              <a:t>basic</a:t>
+            </a:r>
+            <a:r>
+              <a:rPr lang="sv-SE" sz="3200" dirty="0"/>
+              <a:t> </a:t>
+            </a:r>
+            <a:r>
+              <a:rPr lang="sv-SE" sz="3200" dirty="0" err="1"/>
+              <a:t>cases</a:t>
+            </a:r>
+            <a:r>
+              <a:rPr lang="sv-SE" sz="3200" dirty="0"/>
+              <a:t>.</a:t>
+            </a:r>
+          </a:p>
+          <a:p>
+            <a:r>
+              <a:rPr lang="sv-SE" sz="3200" dirty="0" err="1"/>
+              <a:t>Applies</a:t>
+            </a:r>
+            <a:r>
+              <a:rPr lang="sv-SE" sz="3200" dirty="0"/>
+              <a:t> to </a:t>
+            </a:r>
+            <a:r>
+              <a:rPr lang="sv-SE" sz="3200" dirty="0" err="1"/>
+              <a:t>local</a:t>
+            </a:r>
+            <a:r>
+              <a:rPr lang="sv-SE" sz="3200" dirty="0"/>
+              <a:t> </a:t>
+            </a:r>
+            <a:r>
+              <a:rPr lang="sv-SE" sz="3200" dirty="0" err="1"/>
+              <a:t>variables</a:t>
+            </a:r>
+            <a:r>
+              <a:rPr lang="sv-SE" sz="3200" dirty="0"/>
+              <a:t>, by-</a:t>
+            </a:r>
+            <a:r>
+              <a:rPr lang="sv-SE" sz="3200" dirty="0" err="1"/>
+              <a:t>value</a:t>
+            </a:r>
+            <a:r>
+              <a:rPr lang="sv-SE" sz="3200" dirty="0"/>
+              <a:t> parameters, </a:t>
+            </a:r>
+            <a:r>
+              <a:rPr lang="sv-SE" sz="3200" dirty="0" err="1"/>
+              <a:t>rvalue</a:t>
+            </a:r>
+            <a:r>
+              <a:rPr lang="sv-SE" sz="3200" dirty="0"/>
+              <a:t> </a:t>
+            </a:r>
+            <a:r>
+              <a:rPr lang="sv-SE" sz="3200" dirty="0" err="1"/>
+              <a:t>reference</a:t>
+            </a:r>
+            <a:r>
+              <a:rPr lang="sv-SE" sz="3200" dirty="0"/>
+              <a:t> parameters and </a:t>
+            </a:r>
+            <a:r>
+              <a:rPr lang="sv-SE" sz="3200" dirty="0" err="1"/>
+              <a:t>members</a:t>
+            </a:r>
+            <a:r>
+              <a:rPr lang="sv-SE" sz="3200" dirty="0"/>
+              <a:t> (in </a:t>
+            </a:r>
+            <a:r>
+              <a:rPr lang="sv-SE" sz="3200" dirty="0" err="1"/>
+              <a:t>rvalue</a:t>
+            </a:r>
+            <a:r>
+              <a:rPr lang="sv-SE" sz="3200" dirty="0"/>
+              <a:t> </a:t>
+            </a:r>
+            <a:r>
+              <a:rPr lang="sv-SE" sz="3200" dirty="0" err="1"/>
+              <a:t>qualified</a:t>
+            </a:r>
+            <a:r>
+              <a:rPr lang="sv-SE" sz="3200" dirty="0"/>
+              <a:t> </a:t>
+            </a:r>
+            <a:r>
+              <a:rPr lang="sv-SE" sz="3200" dirty="0" err="1"/>
+              <a:t>member</a:t>
+            </a:r>
+            <a:r>
+              <a:rPr lang="sv-SE" sz="3200" dirty="0"/>
+              <a:t> </a:t>
+            </a:r>
+            <a:r>
+              <a:rPr lang="sv-SE" sz="3200" dirty="0" err="1"/>
+              <a:t>functions</a:t>
+            </a:r>
+            <a:r>
+              <a:rPr lang="sv-SE" sz="3200" dirty="0"/>
+              <a:t>).</a:t>
+            </a:r>
+          </a:p>
+          <a:p>
+            <a:r>
+              <a:rPr lang="sv-SE" sz="3200" dirty="0" err="1"/>
+              <a:t>Can</a:t>
+            </a:r>
+            <a:r>
+              <a:rPr lang="sv-SE" sz="3200" dirty="0"/>
+              <a:t> </a:t>
+            </a:r>
+            <a:r>
+              <a:rPr lang="sv-SE" sz="3200" dirty="0" err="1"/>
+              <a:t>include</a:t>
+            </a:r>
+            <a:r>
+              <a:rPr lang="sv-SE" sz="3200" dirty="0"/>
+              <a:t> </a:t>
+            </a:r>
+            <a:r>
+              <a:rPr lang="sv-SE" sz="3200" dirty="0" err="1"/>
+              <a:t>variables</a:t>
+            </a:r>
+            <a:r>
+              <a:rPr lang="sv-SE" sz="3200" dirty="0"/>
+              <a:t> provably </a:t>
+            </a:r>
+            <a:r>
+              <a:rPr lang="sv-SE" sz="3200" dirty="0" err="1"/>
+              <a:t>assigned</a:t>
+            </a:r>
+            <a:r>
+              <a:rPr lang="sv-SE" sz="3200" dirty="0"/>
+              <a:t> </a:t>
+            </a:r>
+            <a:r>
+              <a:rPr lang="sv-SE" sz="3200" dirty="0" err="1"/>
+              <a:t>before</a:t>
+            </a:r>
+            <a:r>
+              <a:rPr lang="sv-SE" sz="3200" dirty="0"/>
+              <a:t> </a:t>
+            </a:r>
+            <a:r>
+              <a:rPr lang="sv-SE" sz="3200" dirty="0" err="1"/>
+              <a:t>next</a:t>
+            </a:r>
+            <a:r>
+              <a:rPr lang="sv-SE" sz="3200" dirty="0"/>
+              <a:t> </a:t>
+            </a:r>
+            <a:r>
+              <a:rPr lang="sv-SE" sz="3200" dirty="0" err="1"/>
+              <a:t>use</a:t>
+            </a:r>
+            <a:r>
+              <a:rPr lang="sv-SE" sz="3200" dirty="0"/>
+              <a:t>.</a:t>
+            </a:r>
           </a:p>
           <a:p>
             <a:r>
@@ -9040,7 +9613,23 @@
             </a:r>
             <a:r>
               <a:rPr lang="sv-SE" sz="3200" dirty="0" err="1"/>
-              <a:t>too</a:t>
+              <a:t>we</a:t>
+            </a:r>
+            <a:r>
+              <a:rPr lang="sv-SE" sz="3200" dirty="0"/>
+              <a:t> get </a:t>
+            </a:r>
+            <a:r>
+              <a:rPr lang="sv-SE" sz="3200" dirty="0" err="1"/>
+              <a:t>relocation</a:t>
+            </a:r>
+            <a:r>
+              <a:rPr lang="sv-SE" sz="3200" dirty="0"/>
+              <a:t> auto-</a:t>
+            </a:r>
+            <a:r>
+              <a:rPr lang="sv-SE" sz="3200" dirty="0" err="1"/>
+              <a:t>reloc</a:t>
             </a:r>
             <a:r>
               <a:rPr lang="sv-SE" sz="3200" dirty="0"/>
@@ -9048,7 +9637,15 @@
             </a:r>
             <a:r>
               <a:rPr lang="sv-SE" sz="3200" dirty="0" err="1"/>
-              <a:t>complicated</a:t>
+              <a:t>will</a:t>
+            </a:r>
+            <a:r>
+              <a:rPr lang="sv-SE" sz="3200" dirty="0"/>
+              <a:t> be </a:t>
+            </a:r>
+            <a:r>
+              <a:rPr lang="sv-SE" sz="3200" dirty="0" err="1"/>
+              <a:t>done</a:t>
             </a:r>
             <a:r>
               <a:rPr lang="sv-SE" sz="3200" dirty="0"/>
@@ -9056,193 +9653,11 @@
             </a:r>
             <a:r>
               <a:rPr lang="sv-SE" sz="3200" dirty="0" err="1"/>
-              <a:t>programmers</a:t>
-            </a:r>
-            <a:r>
-              <a:rPr lang="sv-SE" sz="3200" dirty="0"/>
-              <a:t> </a:t>
-            </a:r>
-            <a:r>
-              <a:rPr lang="sv-SE" sz="3200" dirty="0" err="1"/>
-              <a:t>will</a:t>
-            </a:r>
-            <a:r>
-              <a:rPr lang="sv-SE" sz="3200" dirty="0"/>
-              <a:t> not </a:t>
-            </a:r>
-            <a:r>
-              <a:rPr lang="sv-SE" sz="3200" dirty="0" err="1"/>
-              <a:t>feel</a:t>
-            </a:r>
-            <a:r>
-              <a:rPr lang="sv-SE" sz="3200" dirty="0"/>
-              <a:t> </a:t>
-            </a:r>
-            <a:r>
-              <a:rPr lang="sv-SE" sz="3200" dirty="0" err="1"/>
-              <a:t>safe</a:t>
-            </a:r>
-            <a:r>
-              <a:rPr lang="sv-SE" sz="3200" dirty="0"/>
-              <a:t> to </a:t>
-            </a:r>
-            <a:r>
-              <a:rPr lang="sv-SE" sz="3200" dirty="0" err="1"/>
-              <a:t>remove</a:t>
-            </a:r>
-            <a:r>
-              <a:rPr lang="sv-SE" sz="3200" dirty="0"/>
-              <a:t> </a:t>
-            </a:r>
-            <a:r>
-              <a:rPr lang="sv-SE" sz="3200" dirty="0" err="1"/>
-              <a:t>move</a:t>
-            </a:r>
-            <a:r>
-              <a:rPr lang="sv-SE" sz="3200" dirty="0"/>
-              <a:t>/forward.</a:t>
-            </a:r>
-          </a:p>
-          <a:p>
-            <a:r>
-              <a:rPr lang="sv-SE" sz="3200" dirty="0"/>
-              <a:t>Alternative: ”Always </a:t>
-            </a:r>
-            <a:r>
-              <a:rPr lang="sv-SE" sz="3200" dirty="0" err="1"/>
-              <a:t>when</a:t>
-            </a:r>
-            <a:r>
-              <a:rPr lang="sv-SE" sz="3200" dirty="0"/>
-              <a:t> </a:t>
-            </a:r>
-            <a:r>
-              <a:rPr lang="sv-SE" sz="3200" dirty="0" err="1"/>
-              <a:t>function</a:t>
-            </a:r>
-            <a:r>
-              <a:rPr lang="sv-SE" sz="3200" dirty="0"/>
-              <a:t> has no </a:t>
-            </a:r>
-            <a:r>
-              <a:rPr lang="sv-SE" sz="3200" dirty="0" err="1"/>
-              <a:t>branches</a:t>
-            </a:r>
-            <a:r>
-              <a:rPr lang="sv-SE" sz="3200" dirty="0"/>
-              <a:t>”.</a:t>
-            </a:r>
-          </a:p>
-          <a:p>
-            <a:r>
-              <a:rPr lang="sv-SE" sz="3200" dirty="0"/>
-              <a:t>Alternative: ”Always </a:t>
-            </a:r>
-            <a:r>
-              <a:rPr lang="sv-SE" sz="3200" dirty="0" err="1"/>
-              <a:t>when</a:t>
-            </a:r>
-            <a:r>
-              <a:rPr lang="sv-SE" sz="3200" dirty="0"/>
-              <a:t> </a:t>
-            </a:r>
-            <a:r>
-              <a:rPr lang="sv-SE" sz="3200" dirty="0" err="1"/>
-              <a:t>function</a:t>
-            </a:r>
-            <a:r>
-              <a:rPr lang="sv-SE" sz="3200" dirty="0"/>
-              <a:t> has no loops”.</a:t>
-            </a:r>
-          </a:p>
-          <a:p>
-            <a:r>
-              <a:rPr lang="sv-SE" sz="3200" dirty="0"/>
-              <a:t>Alternative: ”Always </a:t>
-            </a:r>
-            <a:r>
-              <a:rPr lang="sv-SE" sz="3200" dirty="0" err="1"/>
-              <a:t>outside</a:t>
-            </a:r>
-            <a:r>
-              <a:rPr lang="sv-SE" sz="3200" dirty="0"/>
-              <a:t> </a:t>
-            </a:r>
-            <a:r>
-              <a:rPr lang="sv-SE" sz="3200" dirty="0" err="1"/>
-              <a:t>of</a:t>
-            </a:r>
-            <a:r>
-              <a:rPr lang="sv-SE" sz="3200" dirty="0"/>
-              <a:t> loops”.</a:t>
-            </a:r>
-          </a:p>
-          <a:p>
-            <a:r>
-              <a:rPr lang="sv-SE" sz="3200" dirty="0"/>
-              <a:t>Alternative: ”Always </a:t>
-            </a:r>
-            <a:r>
-              <a:rPr lang="sv-SE" sz="3200" dirty="0" err="1"/>
-              <a:t>outside</a:t>
-            </a:r>
-            <a:r>
-              <a:rPr lang="sv-SE" sz="3200" dirty="0"/>
-              <a:t> </a:t>
-            </a:r>
-            <a:r>
-              <a:rPr lang="sv-SE" sz="3200" dirty="0" err="1"/>
-              <a:t>of</a:t>
-            </a:r>
-            <a:r>
-              <a:rPr lang="sv-SE" sz="3200" dirty="0"/>
-              <a:t> loops, </a:t>
-            </a:r>
-            <a:r>
-              <a:rPr lang="sv-SE" sz="3200" dirty="0" err="1"/>
-              <a:t>if</a:t>
-            </a:r>
-            <a:r>
-              <a:rPr lang="sv-SE" sz="3200" dirty="0"/>
-              <a:t> </a:t>
-            </a:r>
-            <a:r>
-              <a:rPr lang="sv-SE" sz="3200" dirty="0" err="1"/>
-              <a:t>reassigned</a:t>
-            </a:r>
-            <a:r>
-              <a:rPr lang="sv-SE" sz="3200" dirty="0"/>
-              <a:t>.”.</a:t>
-            </a:r>
-          </a:p>
-          <a:p>
-            <a:r>
-              <a:rPr lang="sv-SE" sz="3200" dirty="0"/>
-              <a:t>Alternative: ”Always, </a:t>
-            </a:r>
-            <a:r>
-              <a:rPr lang="sv-SE" sz="3200" dirty="0" err="1"/>
-              <a:t>even</a:t>
-            </a:r>
-            <a:r>
-              <a:rPr lang="sv-SE" sz="3200" dirty="0"/>
-              <a:t> </a:t>
-            </a:r>
-            <a:r>
-              <a:rPr lang="sv-SE" sz="3200" dirty="0" err="1"/>
-              <a:t>if</a:t>
-            </a:r>
-            <a:r>
-              <a:rPr lang="sv-SE" sz="3200" dirty="0"/>
-              <a:t> </a:t>
-            </a:r>
-            <a:r>
-              <a:rPr lang="sv-SE" sz="3200" dirty="0" err="1"/>
-              <a:t>reassigned</a:t>
-            </a:r>
-            <a:r>
-              <a:rPr lang="sv-SE" sz="3200" dirty="0"/>
-              <a:t>”.</a:t>
+              <a:t>instead</a:t>
+            </a:r>
+            <a:r>
+              <a:rPr lang="sv-SE" sz="3200" dirty="0"/>
+              <a:t>.</a:t>
             </a:r>
             <a:endParaRPr lang="LID4096" sz="3200" dirty="0"/>
           </a:p>
@@ -9251,7 +9666,7 @@
     </p:spTree>
     <p:extLst>
       <p:ext uri="{BB962C8B-B14F-4D97-AF65-F5344CB8AC3E}">
-        <p14:creationId xmlns:p14="http://schemas.microsoft.com/office/powerpoint/2010/main" val="1437194989"/>
+        <p14:creationId xmlns:p14="http://schemas.microsoft.com/office/powerpoint/2010/main" val="2728873021"/>
       </p:ext>
     </p:extLst>
   </p:cSld>
@@ -9261,7 +9676,7 @@
 </p:sld>
 </file>
 
-<file path=ppt/slides/slide8.xml><?xml version="1.0" encoding="utf-8"?>
+<file path=ppt/slides/slide6.xml><?xml version="1.0" encoding="utf-8"?>
 <p:sld xmlns:a="http://schemas.openxmlformats.org/drawingml/2006/main" xmlns:r="http://schemas.openxmlformats.org/officeDocument/2006/relationships" xmlns:p="http://schemas.openxmlformats.org/presentationml/2006/main">
   <p:cSld>
     <p:bg>
@@ -9841,7 +10256,7 @@
                   <a:srgbClr val="FFFFFF"/>
                 </a:solidFill>
               </a:rPr>
-              <a:t>Relation to </a:t>
+              <a:t>Basic </a:t>
             </a:r>
             <a:r>
               <a:rPr lang="sv-SE" sz="4000" dirty="0" err="1">
@@ -9849,23 +10264,7 @@
                   <a:srgbClr val="FFFFFF"/>
                 </a:solidFill>
               </a:rPr>
-              <a:t>other</a:t>
-            </a:r>
-            <a:r>
-              <a:rPr lang="sv-SE" sz="4000" dirty="0">
-                <a:solidFill>
-                  <a:srgbClr val="FFFFFF"/>
-                </a:solidFill>
-              </a:rPr>
-              <a:t> </a:t>
-            </a:r>
-            <a:r>
-              <a:rPr lang="sv-SE" sz="4000" dirty="0" err="1">
-                <a:solidFill>
-                  <a:srgbClr val="FFFFFF"/>
-                </a:solidFill>
-              </a:rPr>
-              <a:t>proposals</a:t>
+              <a:t>example</a:t>
             </a:r>
             <a:endParaRPr lang="LID4096" sz="4000" dirty="0">
               <a:solidFill>
@@ -9905,11 +10304,11 @@
           <a:p>
             <a:r>
               <a:rPr lang="sv-SE" sz="3200" dirty="0"/>
-              <a:t>P2667: </a:t>
-            </a:r>
-            <a:r>
-              <a:rPr lang="sv-SE" sz="3200" dirty="0" err="1"/>
-              <a:t>Rule</a:t>
+              <a:t>Basic </a:t>
+            </a:r>
+            <a:r>
+              <a:rPr lang="sv-SE" sz="3200" dirty="0" err="1"/>
+              <a:t>use</a:t>
             </a:r>
             <a:r>
               <a:rPr lang="sv-SE" sz="3200" dirty="0"/>
@@ -9917,15 +10316,7 @@
             </a:r>
             <a:r>
               <a:rPr lang="sv-SE" sz="3200" dirty="0" err="1"/>
-              <a:t>based</a:t>
-            </a:r>
-            <a:r>
-              <a:rPr lang="sv-SE" sz="3200" dirty="0"/>
-              <a:t> parameter </a:t>
-            </a:r>
-            <a:r>
-              <a:rPr lang="sv-SE" sz="3200" dirty="0" err="1"/>
-              <a:t>passing</a:t>
+              <a:t>cases</a:t>
             </a:r>
             <a:r>
               <a:rPr lang="sv-SE" sz="3200" dirty="0"/>
@@ -9937,236 +10328,3032 @@
               <a:buNone/>
             </a:pPr>
             <a:r>
-              <a:rPr lang="sv-SE" sz="3200" dirty="0"/>
-              <a:t>       </a:t>
-            </a:r>
-            <a:r>
-              <a:rPr lang="sv-SE" sz="3200" i="1" dirty="0" err="1"/>
-              <a:t>Provides</a:t>
-            </a:r>
-            <a:r>
-              <a:rPr lang="sv-SE" sz="3200" i="1" dirty="0"/>
-              <a:t> a </a:t>
-            </a:r>
-            <a:r>
-              <a:rPr lang="sv-SE" sz="3200" i="1" dirty="0" err="1"/>
-              <a:t>way</a:t>
-            </a:r>
-            <a:r>
-              <a:rPr lang="sv-SE" sz="3200" i="1" dirty="0"/>
-              <a:t> to </a:t>
-            </a:r>
-            <a:r>
-              <a:rPr lang="sv-SE" sz="3200" i="1" dirty="0" err="1"/>
-              <a:t>implement</a:t>
-            </a:r>
-            <a:r>
-              <a:rPr lang="sv-SE" sz="3200" i="1" dirty="0"/>
-              <a:t> all </a:t>
-            </a:r>
-            <a:r>
-              <a:rPr lang="sv-SE" sz="3200" i="1" dirty="0" err="1"/>
-              <a:t>overloads</a:t>
-            </a:r>
-            <a:r>
-              <a:rPr lang="sv-SE" sz="3200" i="1" dirty="0"/>
-              <a:t> at </a:t>
-            </a:r>
-            <a:r>
-              <a:rPr lang="sv-SE" sz="3200" i="1" dirty="0" err="1"/>
-              <a:t>once</a:t>
-            </a:r>
-            <a:r>
-              <a:rPr lang="sv-SE" sz="3200" i="1" dirty="0"/>
+              <a:rPr lang="sv-SE" sz="2000" dirty="0">
+                <a:latin typeface="Arial" panose="020B0604020202020204" pitchFamily="34" charset="0"/>
+                <a:cs typeface="Arial" panose="020B0604020202020204" pitchFamily="34" charset="0"/>
+              </a:rPr>
+              <a:t>template&lt;</a:t>
+            </a:r>
+            <a:r>
+              <a:rPr lang="sv-SE" sz="2000" dirty="0" err="1">
+                <a:latin typeface="Arial" panose="020B0604020202020204" pitchFamily="34" charset="0"/>
+                <a:cs typeface="Arial" panose="020B0604020202020204" pitchFamily="34" charset="0"/>
+              </a:rPr>
+              <a:t>typename</a:t>
+            </a:r>
+            <a:r>
+              <a:rPr lang="sv-SE" sz="2000" dirty="0">
+                <a:latin typeface="Arial" panose="020B0604020202020204" pitchFamily="34" charset="0"/>
+                <a:cs typeface="Arial" panose="020B0604020202020204" pitchFamily="34" charset="0"/>
+              </a:rPr>
+              <a:t> T&gt; </a:t>
+            </a:r>
+            <a:r>
+              <a:rPr lang="sv-SE" sz="2000" dirty="0" err="1">
+                <a:latin typeface="Arial" panose="020B0604020202020204" pitchFamily="34" charset="0"/>
+                <a:cs typeface="Arial" panose="020B0604020202020204" pitchFamily="34" charset="0"/>
+              </a:rPr>
+              <a:t>class</a:t>
+            </a:r>
+            <a:r>
+              <a:rPr lang="sv-SE" sz="2000" dirty="0">
+                <a:latin typeface="Arial" panose="020B0604020202020204" pitchFamily="34" charset="0"/>
+                <a:cs typeface="Arial" panose="020B0604020202020204" pitchFamily="34" charset="0"/>
+              </a:rPr>
+              <a:t> </a:t>
+            </a:r>
+            <a:r>
+              <a:rPr lang="sv-SE" sz="2000" dirty="0" err="1">
+                <a:latin typeface="Arial" panose="020B0604020202020204" pitchFamily="34" charset="0"/>
+                <a:cs typeface="Arial" panose="020B0604020202020204" pitchFamily="34" charset="0"/>
+              </a:rPr>
+              <a:t>vector</a:t>
+            </a:r>
+            <a:r>
+              <a:rPr lang="sv-SE" sz="2000" dirty="0">
+                <a:latin typeface="Arial" panose="020B0604020202020204" pitchFamily="34" charset="0"/>
+                <a:cs typeface="Arial" panose="020B0604020202020204" pitchFamily="34" charset="0"/>
+              </a:rPr>
+              <a:t> {</a:t>
+            </a:r>
+            <a:br>
+              <a:rPr lang="sv-SE" sz="2000" dirty="0">
+                <a:latin typeface="Arial" panose="020B0604020202020204" pitchFamily="34" charset="0"/>
+                <a:cs typeface="Arial" panose="020B0604020202020204" pitchFamily="34" charset="0"/>
+              </a:rPr>
+            </a:br>
+            <a:r>
+              <a:rPr lang="sv-SE" sz="2000" dirty="0">
+                <a:latin typeface="Arial" panose="020B0604020202020204" pitchFamily="34" charset="0"/>
+                <a:cs typeface="Arial" panose="020B0604020202020204" pitchFamily="34" charset="0"/>
+              </a:rPr>
+              <a:t>    </a:t>
+            </a:r>
+            <a:r>
+              <a:rPr lang="sv-SE" sz="2000" dirty="0" err="1">
+                <a:latin typeface="Arial" panose="020B0604020202020204" pitchFamily="34" charset="0"/>
+                <a:cs typeface="Arial" panose="020B0604020202020204" pitchFamily="34" charset="0"/>
+              </a:rPr>
+              <a:t>void</a:t>
+            </a:r>
+            <a:r>
+              <a:rPr lang="sv-SE" sz="2000" dirty="0">
+                <a:latin typeface="Arial" panose="020B0604020202020204" pitchFamily="34" charset="0"/>
+                <a:cs typeface="Arial" panose="020B0604020202020204" pitchFamily="34" charset="0"/>
+              </a:rPr>
+              <a:t> </a:t>
+            </a:r>
+            <a:r>
+              <a:rPr lang="sv-SE" sz="2000" dirty="0" err="1">
+                <a:latin typeface="Arial" panose="020B0604020202020204" pitchFamily="34" charset="0"/>
+                <a:cs typeface="Arial" panose="020B0604020202020204" pitchFamily="34" charset="0"/>
+              </a:rPr>
+              <a:t>push_back</a:t>
+            </a:r>
+            <a:r>
+              <a:rPr lang="sv-SE" sz="2000" dirty="0">
+                <a:latin typeface="Arial" panose="020B0604020202020204" pitchFamily="34" charset="0"/>
+                <a:cs typeface="Arial" panose="020B0604020202020204" pitchFamily="34" charset="0"/>
+              </a:rPr>
+              <a:t>(T&amp;&amp; </a:t>
+            </a:r>
+            <a:r>
+              <a:rPr lang="sv-SE" sz="2000" dirty="0" err="1">
+                <a:latin typeface="Arial" panose="020B0604020202020204" pitchFamily="34" charset="0"/>
+                <a:cs typeface="Arial" panose="020B0604020202020204" pitchFamily="34" charset="0"/>
+              </a:rPr>
+              <a:t>value</a:t>
+            </a:r>
+            <a:r>
+              <a:rPr lang="sv-SE" sz="2000" dirty="0">
+                <a:latin typeface="Arial" panose="020B0604020202020204" pitchFamily="34" charset="0"/>
+                <a:cs typeface="Arial" panose="020B0604020202020204" pitchFamily="34" charset="0"/>
+              </a:rPr>
+              <a:t>) {</a:t>
+            </a:r>
+            <a:br>
+              <a:rPr lang="sv-SE" sz="2000" dirty="0">
+                <a:latin typeface="Arial" panose="020B0604020202020204" pitchFamily="34" charset="0"/>
+                <a:cs typeface="Arial" panose="020B0604020202020204" pitchFamily="34" charset="0"/>
+              </a:rPr>
+            </a:br>
+            <a:r>
+              <a:rPr lang="sv-SE" sz="2000" dirty="0">
+                <a:latin typeface="Arial" panose="020B0604020202020204" pitchFamily="34" charset="0"/>
+                <a:cs typeface="Arial" panose="020B0604020202020204" pitchFamily="34" charset="0"/>
+              </a:rPr>
+              <a:t>          </a:t>
+            </a:r>
+            <a:r>
+              <a:rPr lang="sv-SE" sz="2000" dirty="0" err="1">
+                <a:latin typeface="Arial" panose="020B0604020202020204" pitchFamily="34" charset="0"/>
+                <a:cs typeface="Arial" panose="020B0604020202020204" pitchFamily="34" charset="0"/>
+              </a:rPr>
+              <a:t>reserve_min</a:t>
+            </a:r>
+            <a:r>
+              <a:rPr lang="sv-SE" sz="2000" dirty="0">
+                <a:latin typeface="Arial" panose="020B0604020202020204" pitchFamily="34" charset="0"/>
+                <a:cs typeface="Arial" panose="020B0604020202020204" pitchFamily="34" charset="0"/>
+              </a:rPr>
+              <a:t>(</a:t>
+            </a:r>
+            <a:r>
+              <a:rPr lang="sv-SE" sz="2000" dirty="0" err="1">
+                <a:latin typeface="Arial" panose="020B0604020202020204" pitchFamily="34" charset="0"/>
+                <a:cs typeface="Arial" panose="020B0604020202020204" pitchFamily="34" charset="0"/>
+              </a:rPr>
+              <a:t>size</a:t>
+            </a:r>
+            <a:r>
+              <a:rPr lang="sv-SE" sz="2000" dirty="0">
+                <a:latin typeface="Arial" panose="020B0604020202020204" pitchFamily="34" charset="0"/>
+                <a:cs typeface="Arial" panose="020B0604020202020204" pitchFamily="34" charset="0"/>
+              </a:rPr>
+              <a:t>() + 1);</a:t>
+            </a:r>
+            <a:br>
+              <a:rPr lang="sv-SE" sz="2000" dirty="0">
+                <a:latin typeface="Arial" panose="020B0604020202020204" pitchFamily="34" charset="0"/>
+                <a:cs typeface="Arial" panose="020B0604020202020204" pitchFamily="34" charset="0"/>
+              </a:rPr>
+            </a:br>
+            <a:r>
+              <a:rPr lang="sv-SE" sz="2000" dirty="0">
+                <a:latin typeface="Arial" panose="020B0604020202020204" pitchFamily="34" charset="0"/>
+                <a:cs typeface="Arial" panose="020B0604020202020204" pitchFamily="34" charset="0"/>
+              </a:rPr>
+              <a:t>          *end() – 1 = </a:t>
+            </a:r>
+            <a:r>
+              <a:rPr lang="sv-SE" sz="2000" dirty="0" err="1">
+                <a:latin typeface="Arial" panose="020B0604020202020204" pitchFamily="34" charset="0"/>
+                <a:cs typeface="Arial" panose="020B0604020202020204" pitchFamily="34" charset="0"/>
+              </a:rPr>
+              <a:t>value</a:t>
+            </a:r>
+            <a:r>
+              <a:rPr lang="sv-SE" sz="2000" dirty="0">
+                <a:latin typeface="Arial" panose="020B0604020202020204" pitchFamily="34" charset="0"/>
+                <a:cs typeface="Arial" panose="020B0604020202020204" pitchFamily="34" charset="0"/>
+              </a:rPr>
+              <a:t>;	</a:t>
+            </a:r>
+            <a:r>
+              <a:rPr lang="sv-SE" sz="2000" b="1" dirty="0">
+                <a:latin typeface="Arial" panose="020B0604020202020204" pitchFamily="34" charset="0"/>
+                <a:cs typeface="Arial" panose="020B0604020202020204" pitchFamily="34" charset="0"/>
+              </a:rPr>
+              <a:t>// </a:t>
+            </a:r>
+            <a:r>
+              <a:rPr lang="sv-SE" sz="2000" b="1" dirty="0" err="1">
+                <a:latin typeface="Arial" panose="020B0604020202020204" pitchFamily="34" charset="0"/>
+                <a:cs typeface="Arial" panose="020B0604020202020204" pitchFamily="34" charset="0"/>
+              </a:rPr>
+              <a:t>std</a:t>
+            </a:r>
+            <a:r>
+              <a:rPr lang="sv-SE" sz="2000" b="1" dirty="0">
+                <a:latin typeface="Arial" panose="020B0604020202020204" pitchFamily="34" charset="0"/>
+                <a:cs typeface="Arial" panose="020B0604020202020204" pitchFamily="34" charset="0"/>
+              </a:rPr>
+              <a:t>::</a:t>
+            </a:r>
+            <a:r>
+              <a:rPr lang="sv-SE" sz="2000" b="1" dirty="0" err="1">
+                <a:latin typeface="Arial" panose="020B0604020202020204" pitchFamily="34" charset="0"/>
+                <a:cs typeface="Arial" panose="020B0604020202020204" pitchFamily="34" charset="0"/>
+              </a:rPr>
+              <a:t>move</a:t>
+            </a:r>
+            <a:r>
+              <a:rPr lang="sv-SE" sz="2000" b="1" dirty="0">
+                <a:latin typeface="Arial" panose="020B0604020202020204" pitchFamily="34" charset="0"/>
+                <a:cs typeface="Arial" panose="020B0604020202020204" pitchFamily="34" charset="0"/>
+              </a:rPr>
+              <a:t> not </a:t>
+            </a:r>
+            <a:r>
+              <a:rPr lang="sv-SE" sz="2000" b="1" dirty="0" err="1">
+                <a:latin typeface="Arial" panose="020B0604020202020204" pitchFamily="34" charset="0"/>
+                <a:cs typeface="Arial" panose="020B0604020202020204" pitchFamily="34" charset="0"/>
+              </a:rPr>
+              <a:t>required</a:t>
+            </a:r>
+            <a:r>
+              <a:rPr lang="sv-SE" sz="2000" b="1" dirty="0">
+                <a:latin typeface="Arial" panose="020B0604020202020204" pitchFamily="34" charset="0"/>
+                <a:cs typeface="Arial" panose="020B0604020202020204" pitchFamily="34" charset="0"/>
+              </a:rPr>
+              <a:t> </a:t>
+            </a:r>
+            <a:r>
+              <a:rPr lang="sv-SE" sz="2000" b="1" dirty="0" err="1">
+                <a:latin typeface="Arial" panose="020B0604020202020204" pitchFamily="34" charset="0"/>
+                <a:cs typeface="Arial" panose="020B0604020202020204" pitchFamily="34" charset="0"/>
+              </a:rPr>
+              <a:t>here</a:t>
+            </a:r>
+            <a:br>
+              <a:rPr lang="sv-SE" sz="2000" b="1" dirty="0">
+                <a:latin typeface="Arial" panose="020B0604020202020204" pitchFamily="34" charset="0"/>
+                <a:cs typeface="Arial" panose="020B0604020202020204" pitchFamily="34" charset="0"/>
+              </a:rPr>
+            </a:br>
+            <a:r>
+              <a:rPr lang="sv-SE" sz="2000" dirty="0">
+                <a:latin typeface="Arial" panose="020B0604020202020204" pitchFamily="34" charset="0"/>
+                <a:cs typeface="Arial" panose="020B0604020202020204" pitchFamily="34" charset="0"/>
+              </a:rPr>
+              <a:t>    }</a:t>
+            </a:r>
+            <a:br>
+              <a:rPr lang="sv-SE" sz="2000" dirty="0">
+                <a:latin typeface="Arial" panose="020B0604020202020204" pitchFamily="34" charset="0"/>
+                <a:cs typeface="Arial" panose="020B0604020202020204" pitchFamily="34" charset="0"/>
+              </a:rPr>
+            </a:br>
+            <a:r>
+              <a:rPr lang="sv-SE" sz="2000" dirty="0">
+                <a:latin typeface="Arial" panose="020B0604020202020204" pitchFamily="34" charset="0"/>
+                <a:cs typeface="Arial" panose="020B0604020202020204" pitchFamily="34" charset="0"/>
+              </a:rPr>
+              <a:t>};</a:t>
+            </a:r>
+            <a:br>
+              <a:rPr lang="sv-SE" sz="2000" dirty="0">
+                <a:latin typeface="Arial" panose="020B0604020202020204" pitchFamily="34" charset="0"/>
+                <a:cs typeface="Arial" panose="020B0604020202020204" pitchFamily="34" charset="0"/>
+              </a:rPr>
+            </a:br>
+            <a:br>
+              <a:rPr lang="sv-SE" sz="2000" dirty="0">
+                <a:latin typeface="Arial" panose="020B0604020202020204" pitchFamily="34" charset="0"/>
+                <a:cs typeface="Arial" panose="020B0604020202020204" pitchFamily="34" charset="0"/>
+              </a:rPr>
+            </a:br>
+            <a:r>
+              <a:rPr lang="sv-SE" sz="2000" dirty="0">
+                <a:latin typeface="Arial" panose="020B0604020202020204" pitchFamily="34" charset="0"/>
+                <a:cs typeface="Arial" panose="020B0604020202020204" pitchFamily="34" charset="0"/>
+              </a:rPr>
+              <a:t>template&lt;</a:t>
+            </a:r>
+            <a:r>
+              <a:rPr lang="sv-SE" sz="2000" dirty="0" err="1">
+                <a:latin typeface="Arial" panose="020B0604020202020204" pitchFamily="34" charset="0"/>
+                <a:cs typeface="Arial" panose="020B0604020202020204" pitchFamily="34" charset="0"/>
+              </a:rPr>
+              <a:t>typename</a:t>
+            </a:r>
+            <a:r>
+              <a:rPr lang="sv-SE" sz="2000" dirty="0">
+                <a:latin typeface="Arial" panose="020B0604020202020204" pitchFamily="34" charset="0"/>
+                <a:cs typeface="Arial" panose="020B0604020202020204" pitchFamily="34" charset="0"/>
+              </a:rPr>
+              <a:t> T&gt; </a:t>
+            </a:r>
+            <a:r>
+              <a:rPr lang="sv-SE" sz="2000" dirty="0" err="1">
+                <a:latin typeface="Arial" panose="020B0604020202020204" pitchFamily="34" charset="0"/>
+                <a:cs typeface="Arial" panose="020B0604020202020204" pitchFamily="34" charset="0"/>
+              </a:rPr>
+              <a:t>Widget</a:t>
+            </a:r>
+            <a:r>
+              <a:rPr lang="sv-SE" sz="2000" dirty="0">
+                <a:latin typeface="Arial" panose="020B0604020202020204" pitchFamily="34" charset="0"/>
+                <a:cs typeface="Arial" panose="020B0604020202020204" pitchFamily="34" charset="0"/>
+              </a:rPr>
+              <a:t>::</a:t>
+            </a:r>
+            <a:r>
+              <a:rPr lang="sv-SE" sz="2000" dirty="0" err="1">
+                <a:latin typeface="Arial" panose="020B0604020202020204" pitchFamily="34" charset="0"/>
+                <a:cs typeface="Arial" panose="020B0604020202020204" pitchFamily="34" charset="0"/>
+              </a:rPr>
+              <a:t>setName</a:t>
+            </a:r>
+            <a:r>
+              <a:rPr lang="sv-SE" sz="2000" dirty="0">
+                <a:latin typeface="Arial" panose="020B0604020202020204" pitchFamily="34" charset="0"/>
+                <a:cs typeface="Arial" panose="020B0604020202020204" pitchFamily="34" charset="0"/>
+              </a:rPr>
+              <a:t>(T&amp;&amp; </a:t>
+            </a:r>
+            <a:r>
+              <a:rPr lang="sv-SE" sz="2000" dirty="0" err="1">
+                <a:latin typeface="Arial" panose="020B0604020202020204" pitchFamily="34" charset="0"/>
+                <a:cs typeface="Arial" panose="020B0604020202020204" pitchFamily="34" charset="0"/>
+              </a:rPr>
+              <a:t>name</a:t>
+            </a:r>
+            <a:r>
+              <a:rPr lang="sv-SE" sz="2000" dirty="0">
+                <a:latin typeface="Arial" panose="020B0604020202020204" pitchFamily="34" charset="0"/>
+                <a:cs typeface="Arial" panose="020B0604020202020204" pitchFamily="34" charset="0"/>
+              </a:rPr>
+              <a:t>) </a:t>
+            </a:r>
+            <a:br>
+              <a:rPr lang="sv-SE" sz="2000" dirty="0">
+                <a:latin typeface="Arial" panose="020B0604020202020204" pitchFamily="34" charset="0"/>
+                <a:cs typeface="Arial" panose="020B0604020202020204" pitchFamily="34" charset="0"/>
+              </a:rPr>
+            </a:br>
+            <a:r>
+              <a:rPr lang="sv-SE" sz="2000" dirty="0">
+                <a:latin typeface="Arial" panose="020B0604020202020204" pitchFamily="34" charset="0"/>
+                <a:cs typeface="Arial" panose="020B0604020202020204" pitchFamily="34" charset="0"/>
+              </a:rPr>
+              <a:t>{ </a:t>
+            </a:r>
+            <a:br>
+              <a:rPr lang="sv-SE" sz="2000" dirty="0">
+                <a:latin typeface="Arial" panose="020B0604020202020204" pitchFamily="34" charset="0"/>
+                <a:cs typeface="Arial" panose="020B0604020202020204" pitchFamily="34" charset="0"/>
+              </a:rPr>
+            </a:br>
+            <a:r>
+              <a:rPr lang="sv-SE" sz="2000" dirty="0">
+                <a:latin typeface="Arial" panose="020B0604020202020204" pitchFamily="34" charset="0"/>
+                <a:cs typeface="Arial" panose="020B0604020202020204" pitchFamily="34" charset="0"/>
+              </a:rPr>
+              <a:t>    </a:t>
+            </a:r>
+            <a:r>
+              <a:rPr lang="sv-SE" sz="2000" dirty="0" err="1">
+                <a:latin typeface="Arial" panose="020B0604020202020204" pitchFamily="34" charset="0"/>
+                <a:cs typeface="Arial" panose="020B0604020202020204" pitchFamily="34" charset="0"/>
+              </a:rPr>
+              <a:t>m_name</a:t>
+            </a:r>
+            <a:r>
+              <a:rPr lang="sv-SE" sz="2000" dirty="0">
+                <a:latin typeface="Arial" panose="020B0604020202020204" pitchFamily="34" charset="0"/>
+                <a:cs typeface="Arial" panose="020B0604020202020204" pitchFamily="34" charset="0"/>
+              </a:rPr>
+              <a:t> = </a:t>
+            </a:r>
+            <a:r>
+              <a:rPr lang="sv-SE" sz="2000" dirty="0" err="1">
+                <a:latin typeface="Arial" panose="020B0604020202020204" pitchFamily="34" charset="0"/>
+                <a:cs typeface="Arial" panose="020B0604020202020204" pitchFamily="34" charset="0"/>
+              </a:rPr>
+              <a:t>name</a:t>
+            </a:r>
+            <a:r>
+              <a:rPr lang="sv-SE" sz="2000" dirty="0">
+                <a:latin typeface="Arial" panose="020B0604020202020204" pitchFamily="34" charset="0"/>
+                <a:cs typeface="Arial" panose="020B0604020202020204" pitchFamily="34" charset="0"/>
+              </a:rPr>
+              <a:t>;    </a:t>
+            </a:r>
+            <a:r>
+              <a:rPr lang="sv-SE" sz="2000" b="1" dirty="0">
+                <a:latin typeface="Arial" panose="020B0604020202020204" pitchFamily="34" charset="0"/>
+                <a:cs typeface="Arial" panose="020B0604020202020204" pitchFamily="34" charset="0"/>
+              </a:rPr>
+              <a:t>// </a:t>
+            </a:r>
+            <a:r>
+              <a:rPr lang="sv-SE" sz="2000" b="1" dirty="0" err="1">
+                <a:latin typeface="Arial" panose="020B0604020202020204" pitchFamily="34" charset="0"/>
+                <a:cs typeface="Arial" panose="020B0604020202020204" pitchFamily="34" charset="0"/>
+              </a:rPr>
+              <a:t>std</a:t>
+            </a:r>
+            <a:r>
+              <a:rPr lang="sv-SE" sz="2000" b="1" dirty="0">
+                <a:latin typeface="Arial" panose="020B0604020202020204" pitchFamily="34" charset="0"/>
+                <a:cs typeface="Arial" panose="020B0604020202020204" pitchFamily="34" charset="0"/>
+              </a:rPr>
+              <a:t>::forward&lt;T&gt; not </a:t>
+            </a:r>
+            <a:r>
+              <a:rPr lang="sv-SE" sz="2000" b="1" dirty="0" err="1">
+                <a:latin typeface="Arial" panose="020B0604020202020204" pitchFamily="34" charset="0"/>
+                <a:cs typeface="Arial" panose="020B0604020202020204" pitchFamily="34" charset="0"/>
+              </a:rPr>
+              <a:t>required</a:t>
+            </a:r>
+            <a:r>
+              <a:rPr lang="sv-SE" sz="2000" b="1" dirty="0">
+                <a:latin typeface="Arial" panose="020B0604020202020204" pitchFamily="34" charset="0"/>
+                <a:cs typeface="Arial" panose="020B0604020202020204" pitchFamily="34" charset="0"/>
+              </a:rPr>
+              <a:t> </a:t>
+            </a:r>
+            <a:r>
+              <a:rPr lang="sv-SE" sz="2000" b="1" dirty="0" err="1">
+                <a:latin typeface="Arial" panose="020B0604020202020204" pitchFamily="34" charset="0"/>
+                <a:cs typeface="Arial" panose="020B0604020202020204" pitchFamily="34" charset="0"/>
+              </a:rPr>
+              <a:t>here</a:t>
+            </a:r>
+            <a:r>
+              <a:rPr lang="sv-SE" sz="2000" b="1" dirty="0">
+                <a:latin typeface="Arial" panose="020B0604020202020204" pitchFamily="34" charset="0"/>
+                <a:cs typeface="Arial" panose="020B0604020202020204" pitchFamily="34" charset="0"/>
+              </a:rPr>
               <a:t>.</a:t>
             </a:r>
-          </a:p>
-          <a:p>
-            <a:r>
-              <a:rPr lang="sv-SE" sz="3200" dirty="0"/>
-              <a:t>P2665: </a:t>
-            </a:r>
-            <a:r>
-              <a:rPr lang="sv-SE" sz="3200" dirty="0" err="1"/>
-              <a:t>Overload</a:t>
-            </a:r>
-            <a:r>
-              <a:rPr lang="sv-SE" sz="3200" dirty="0"/>
-              <a:t> </a:t>
-            </a:r>
-            <a:r>
-              <a:rPr lang="sv-SE" sz="3200" dirty="0" err="1"/>
-              <a:t>selection</a:t>
-            </a:r>
-            <a:r>
-              <a:rPr lang="sv-SE" sz="3200" dirty="0"/>
-              <a:t>:</a:t>
-            </a:r>
-          </a:p>
-          <a:p>
-            <a:pPr marL="0" indent="0">
-              <a:buNone/>
-            </a:pPr>
-            <a:r>
-              <a:rPr lang="sv-SE" sz="3200" dirty="0"/>
-              <a:t>       </a:t>
-            </a:r>
-            <a:r>
-              <a:rPr lang="sv-SE" sz="3200" i="1" dirty="0" err="1"/>
-              <a:t>Let</a:t>
-            </a:r>
-            <a:r>
-              <a:rPr lang="sv-SE" sz="3200" i="1" dirty="0"/>
-              <a:t> </a:t>
-            </a:r>
-            <a:r>
-              <a:rPr lang="sv-SE" sz="3200" i="1" dirty="0" err="1"/>
-              <a:t>compiler</a:t>
-            </a:r>
-            <a:r>
-              <a:rPr lang="sv-SE" sz="3200" i="1" dirty="0"/>
-              <a:t> </a:t>
-            </a:r>
-            <a:r>
-              <a:rPr lang="sv-SE" sz="3200" i="1" dirty="0" err="1"/>
-              <a:t>select</a:t>
-            </a:r>
-            <a:r>
-              <a:rPr lang="sv-SE" sz="3200" i="1" dirty="0"/>
-              <a:t> by </a:t>
-            </a:r>
-            <a:r>
-              <a:rPr lang="sv-SE" sz="3200" i="1" dirty="0" err="1"/>
-              <a:t>value</a:t>
-            </a:r>
-            <a:r>
-              <a:rPr lang="sv-SE" sz="3200" i="1" dirty="0"/>
-              <a:t> or by </a:t>
-            </a:r>
-            <a:r>
-              <a:rPr lang="sv-SE" sz="3200" i="1" dirty="0" err="1"/>
-              <a:t>reference</a:t>
-            </a:r>
-            <a:r>
-              <a:rPr lang="sv-SE" sz="3200" i="1" dirty="0"/>
-              <a:t>.</a:t>
-            </a:r>
-          </a:p>
-          <a:p>
-            <a:r>
-              <a:rPr lang="sv-SE" sz="3200" dirty="0"/>
-              <a:t>Coming </a:t>
-            </a:r>
-            <a:r>
-              <a:rPr lang="sv-SE" sz="3200" dirty="0" err="1"/>
-              <a:t>up</a:t>
-            </a:r>
-            <a:r>
-              <a:rPr lang="sv-SE" sz="3200" dirty="0"/>
-              <a:t> later:</a:t>
-            </a:r>
             <a:br>
-              <a:rPr lang="sv-SE" sz="3200" dirty="0"/>
+              <a:rPr lang="sv-SE" sz="2000" b="1" dirty="0">
+                <a:latin typeface="Arial" panose="020B0604020202020204" pitchFamily="34" charset="0"/>
+                <a:cs typeface="Arial" panose="020B0604020202020204" pitchFamily="34" charset="0"/>
+              </a:rPr>
             </a:br>
             <a:r>
-              <a:rPr lang="sv-SE" sz="3200" dirty="0"/>
-              <a:t>    </a:t>
-            </a:r>
-            <a:r>
-              <a:rPr lang="sv-SE" sz="3200" i="1" dirty="0" err="1"/>
-              <a:t>Labelled</a:t>
-            </a:r>
-            <a:r>
-              <a:rPr lang="sv-SE" sz="3200" i="1" dirty="0"/>
-              <a:t> </a:t>
-            </a:r>
-            <a:r>
-              <a:rPr lang="sv-SE" sz="3200" i="1" dirty="0" err="1"/>
-              <a:t>types</a:t>
-            </a:r>
-            <a:r>
-              <a:rPr lang="sv-SE" sz="3200" i="1" dirty="0"/>
-              <a:t> </a:t>
-            </a:r>
-            <a:r>
-              <a:rPr lang="sv-SE" sz="3200" i="1" dirty="0" err="1"/>
-              <a:t>provides</a:t>
-            </a:r>
-            <a:r>
-              <a:rPr lang="sv-SE" sz="3200" i="1" dirty="0"/>
-              <a:t> </a:t>
-            </a:r>
-            <a:r>
-              <a:rPr lang="sv-SE" sz="3200" i="1" dirty="0" err="1"/>
-              <a:t>named</a:t>
-            </a:r>
-            <a:r>
-              <a:rPr lang="sv-SE" sz="3200" i="1" dirty="0"/>
-              <a:t> parameters.</a:t>
-            </a:r>
-            <a:br>
-              <a:rPr lang="sv-SE" sz="3200" i="1" dirty="0"/>
-            </a:br>
-            <a:r>
-              <a:rPr lang="sv-SE" sz="3200" i="1" dirty="0"/>
-              <a:t>    </a:t>
-            </a:r>
-            <a:r>
-              <a:rPr lang="sv-SE" sz="3200" i="1" dirty="0" err="1"/>
-              <a:t>Simplified</a:t>
-            </a:r>
-            <a:r>
-              <a:rPr lang="sv-SE" sz="3200" i="1" dirty="0"/>
-              <a:t> </a:t>
-            </a:r>
-            <a:r>
-              <a:rPr lang="sv-SE" sz="3200" i="1" dirty="0" err="1"/>
-              <a:t>declarators</a:t>
-            </a:r>
-            <a:r>
-              <a:rPr lang="sv-SE" sz="3200" i="1" dirty="0"/>
-              <a:t> </a:t>
-            </a:r>
-            <a:r>
-              <a:rPr lang="sv-SE" sz="3200" i="1" dirty="0" err="1"/>
-              <a:t>with</a:t>
-            </a:r>
-            <a:r>
-              <a:rPr lang="sv-SE" sz="3200" i="1" dirty="0"/>
-              <a:t> all </a:t>
-            </a:r>
-            <a:r>
-              <a:rPr lang="sv-SE" sz="3200" i="1" dirty="0" err="1"/>
-              <a:t>of</a:t>
-            </a:r>
-            <a:r>
-              <a:rPr lang="sv-SE" sz="3200" i="1" dirty="0"/>
-              <a:t> the </a:t>
-            </a:r>
-            <a:r>
-              <a:rPr lang="sv-SE" sz="3200" i="1" dirty="0" err="1"/>
-              <a:t>type</a:t>
-            </a:r>
-            <a:r>
-              <a:rPr lang="sv-SE" sz="3200" i="1" dirty="0"/>
-              <a:t> </a:t>
-            </a:r>
-            <a:r>
-              <a:rPr lang="sv-SE" sz="3200" i="1" dirty="0" err="1"/>
-              <a:t>first</a:t>
-            </a:r>
-            <a:r>
-              <a:rPr lang="sv-SE" sz="3200" i="1" dirty="0"/>
-              <a:t>.</a:t>
-            </a:r>
-            <a:endParaRPr lang="sv-SE" sz="3200" dirty="0"/>
+              <a:rPr lang="sv-SE" sz="2000" dirty="0">
+                <a:latin typeface="Arial" panose="020B0604020202020204" pitchFamily="34" charset="0"/>
+                <a:cs typeface="Arial" panose="020B0604020202020204" pitchFamily="34" charset="0"/>
+              </a:rPr>
+              <a:t>}</a:t>
+            </a:r>
           </a:p>
         </p:txBody>
       </p:sp>
     </p:spTree>
     <p:extLst>
       <p:ext uri="{BB962C8B-B14F-4D97-AF65-F5344CB8AC3E}">
-        <p14:creationId xmlns:p14="http://schemas.microsoft.com/office/powerpoint/2010/main" val="3863634554"/>
+        <p14:creationId xmlns:p14="http://schemas.microsoft.com/office/powerpoint/2010/main" val="2627804063"/>
+      </p:ext>
+    </p:extLst>
+  </p:cSld>
+  <p:clrMapOvr>
+    <a:masterClrMapping/>
+  </p:clrMapOvr>
+</p:sld>
+</file>
+
+<file path=ppt/slides/slide7.xml><?xml version="1.0" encoding="utf-8"?>
+<p:sld xmlns:a="http://schemas.openxmlformats.org/drawingml/2006/main" xmlns:r="http://schemas.openxmlformats.org/officeDocument/2006/relationships" xmlns:p="http://schemas.openxmlformats.org/presentationml/2006/main">
+  <p:cSld>
+    <p:bg>
+      <p:bgPr>
+        <a:solidFill>
+          <a:schemeClr val="bg1"/>
+        </a:solidFill>
+        <a:effectLst/>
+      </p:bgPr>
+    </p:bg>
+    <p:spTree>
+      <p:nvGrpSpPr>
+        <p:cNvPr id="1" name=""/>
+        <p:cNvGrpSpPr/>
+        <p:nvPr/>
+      </p:nvGrpSpPr>
+      <p:grpSpPr>
+        <a:xfrm>
+          <a:off x="0" y="0"/>
+          <a:ext cx="0" cy="0"/>
+          <a:chOff x="0" y="0"/>
+          <a:chExt cx="0" cy="0"/>
+        </a:xfrm>
+      </p:grpSpPr>
+      <p:sp useBgFill="1">
+        <p:nvSpPr>
+          <p:cNvPr id="8" name="Rectangle 7">
+            <a:extLst>
+              <a:ext uri="{FF2B5EF4-FFF2-40B4-BE49-F238E27FC236}">
+                <a16:creationId xmlns:a16="http://schemas.microsoft.com/office/drawing/2014/main" id="{1B15ED52-F352-441B-82BF-E0EA34836D08}"/>
+              </a:ext>
+              <a:ext uri="{C183D7F6-B498-43B3-948B-1728B52AA6E4}">
+                <adec:decorative xmlns:adec="http://schemas.microsoft.com/office/drawing/2017/decorative" val="1"/>
+              </a:ext>
+            </a:extLst>
+          </p:cNvPr>
+          <p:cNvSpPr>
+            <a:spLocks noGrp="1" noRot="1" noChangeAspect="1" noMove="1" noResize="1" noEditPoints="1" noAdjustHandles="1" noChangeArrowheads="1" noChangeShapeType="1" noTextEdit="1"/>
+          </p:cNvSpPr>
+          <p:nvPr>
+            <p:extLst>
+              <p:ext uri="{386F3935-93C4-4BCD-93E2-E3B085C9AB24}">
+                <p16:designElem xmlns:p16="http://schemas.microsoft.com/office/powerpoint/2015/main" val="1"/>
+              </p:ext>
+            </p:extLst>
+          </p:nvPr>
+        </p:nvSpPr>
+        <p:spPr>
+          <a:xfrm>
+            <a:off x="0" y="0"/>
+            <a:ext cx="12192000" cy="6858000"/>
+          </a:xfrm>
+          <a:prstGeom prst="rect">
+            <a:avLst/>
+          </a:prstGeom>
+          <a:ln w="12700" cap="flat" cmpd="sng" algn="ctr">
+            <a:noFill/>
+            <a:prstDash val="solid"/>
+            <a:miter lim="800000"/>
+          </a:ln>
+          <a:effectLst/>
+          <a:extLst>
+            <a:ext uri="{91240B29-F687-4F45-9708-019B960494DF}">
+              <a14:hiddenLine xmlns:a14="http://schemas.microsoft.com/office/drawing/2010/main" w="12700" cap="flat" cmpd="sng" algn="ctr">
+                <a:solidFill>
+                  <a:schemeClr val="accent1">
+                    <a:shade val="50000"/>
+                  </a:schemeClr>
+                </a:solidFill>
+                <a:prstDash val="solid"/>
+                <a:miter lim="800000"/>
+              </a14:hiddenLine>
+            </a:ext>
+          </a:extLst>
+        </p:spPr>
+        <p:style>
+          <a:lnRef idx="2">
+            <a:schemeClr val="accent1">
+              <a:shade val="50000"/>
+            </a:schemeClr>
+          </a:lnRef>
+          <a:fillRef idx="1">
+            <a:schemeClr val="accent1"/>
+          </a:fillRef>
+          <a:effectRef idx="0">
+            <a:schemeClr val="accent1"/>
+          </a:effectRef>
+          <a:fontRef idx="minor">
+            <a:schemeClr val="lt1"/>
+          </a:fontRef>
+        </p:style>
+        <p:txBody>
+          <a:bodyPr rtlCol="0" anchor="ctr"/>
+          <a:lstStyle/>
+          <a:p>
+            <a:pPr marL="0" marR="0" lvl="0" indent="0" algn="ctr" defTabSz="914400" rtl="0" eaLnBrk="1" fontAlgn="auto" latinLnBrk="0" hangingPunct="1">
+              <a:lnSpc>
+                <a:spcPct val="100000"/>
+              </a:lnSpc>
+              <a:spcBef>
+                <a:spcPts val="0"/>
+              </a:spcBef>
+              <a:spcAft>
+                <a:spcPts val="0"/>
+              </a:spcAft>
+              <a:buClrTx/>
+              <a:buSzTx/>
+              <a:buFontTx/>
+              <a:buNone/>
+              <a:tabLst/>
+              <a:defRPr/>
+            </a:pPr>
+            <a:endParaRPr kumimoji="0" lang="en-US" sz="1800" b="0" i="0" u="none" strike="noStrike" kern="1200" cap="none" spc="0" normalizeH="0" baseline="0" noProof="0">
+              <a:ln>
+                <a:noFill/>
+              </a:ln>
+              <a:solidFill>
+                <a:prstClr val="white"/>
+              </a:solidFill>
+              <a:effectLst/>
+              <a:uLnTx/>
+              <a:uFillTx/>
+              <a:latin typeface="Calibri" panose="020F0502020204030204"/>
+              <a:ea typeface="+mn-ea"/>
+              <a:cs typeface="+mn-cs"/>
+            </a:endParaRPr>
+          </a:p>
+        </p:txBody>
+      </p:sp>
+      <p:sp>
+        <p:nvSpPr>
+          <p:cNvPr id="10" name="Rectangle 9">
+            <a:extLst>
+              <a:ext uri="{FF2B5EF4-FFF2-40B4-BE49-F238E27FC236}">
+                <a16:creationId xmlns:a16="http://schemas.microsoft.com/office/drawing/2014/main" id="{3B2E3793-BFE6-45A2-9B7B-E18844431C99}"/>
+              </a:ext>
+              <a:ext uri="{C183D7F6-B498-43B3-948B-1728B52AA6E4}">
+                <adec:decorative xmlns:adec="http://schemas.microsoft.com/office/drawing/2017/decorative" val="1"/>
+              </a:ext>
+            </a:extLst>
+          </p:cNvPr>
+          <p:cNvSpPr>
+            <a:spLocks noGrp="1" noRot="1" noChangeAspect="1" noMove="1" noResize="1" noEditPoints="1" noAdjustHandles="1" noChangeArrowheads="1" noChangeShapeType="1" noTextEdit="1"/>
+          </p:cNvSpPr>
+          <p:nvPr>
+            <p:extLst>
+              <p:ext uri="{386F3935-93C4-4BCD-93E2-E3B085C9AB24}">
+                <p16:designElem xmlns:p16="http://schemas.microsoft.com/office/powerpoint/2015/main" val="1"/>
+              </p:ext>
+            </p:extLst>
+          </p:nvPr>
+        </p:nvSpPr>
+        <p:spPr>
+          <a:xfrm flipH="1">
+            <a:off x="-1" y="-1"/>
+            <a:ext cx="12191998" cy="1590742"/>
+          </a:xfrm>
+          <a:prstGeom prst="rect">
+            <a:avLst/>
+          </a:prstGeom>
+          <a:gradFill>
+            <a:gsLst>
+              <a:gs pos="0">
+                <a:srgbClr val="000000"/>
+              </a:gs>
+              <a:gs pos="100000">
+                <a:schemeClr val="accent1">
+                  <a:lumMod val="75000"/>
+                </a:schemeClr>
+              </a:gs>
+            </a:gsLst>
+            <a:lin ang="8400000" scaled="0"/>
+          </a:gradFill>
+          <a:ln>
+            <a:noFill/>
+          </a:ln>
+        </p:spPr>
+        <p:style>
+          <a:lnRef idx="2">
+            <a:schemeClr val="accent1">
+              <a:shade val="50000"/>
+            </a:schemeClr>
+          </a:lnRef>
+          <a:fillRef idx="1">
+            <a:schemeClr val="accent1"/>
+          </a:fillRef>
+          <a:effectRef idx="0">
+            <a:schemeClr val="accent1"/>
+          </a:effectRef>
+          <a:fontRef idx="minor">
+            <a:schemeClr val="lt1"/>
+          </a:fontRef>
+        </p:style>
+        <p:txBody>
+          <a:bodyPr rtlCol="0" anchor="ctr"/>
+          <a:lstStyle/>
+          <a:p>
+            <a:pPr marL="0" marR="0" lvl="0" indent="0" algn="ctr" defTabSz="914400" rtl="0" eaLnBrk="1" fontAlgn="auto" latinLnBrk="0" hangingPunct="1">
+              <a:lnSpc>
+                <a:spcPct val="100000"/>
+              </a:lnSpc>
+              <a:spcBef>
+                <a:spcPts val="0"/>
+              </a:spcBef>
+              <a:spcAft>
+                <a:spcPts val="0"/>
+              </a:spcAft>
+              <a:buClrTx/>
+              <a:buSzTx/>
+              <a:buFontTx/>
+              <a:buNone/>
+              <a:tabLst/>
+              <a:defRPr/>
+            </a:pPr>
+            <a:endParaRPr kumimoji="0" lang="en-US" sz="1800" b="0" i="0" u="none" strike="noStrike" kern="1200" cap="none" spc="0" normalizeH="0" baseline="0" noProof="0">
+              <a:ln>
+                <a:noFill/>
+              </a:ln>
+              <a:solidFill>
+                <a:prstClr val="white"/>
+              </a:solidFill>
+              <a:effectLst/>
+              <a:uLnTx/>
+              <a:uFillTx/>
+              <a:latin typeface="Calibri" panose="020F0502020204030204"/>
+              <a:ea typeface="+mn-ea"/>
+              <a:cs typeface="+mn-cs"/>
+            </a:endParaRPr>
+          </a:p>
+        </p:txBody>
+      </p:sp>
+      <p:sp>
+        <p:nvSpPr>
+          <p:cNvPr id="12" name="Rectangle 11">
+            <a:extLst>
+              <a:ext uri="{FF2B5EF4-FFF2-40B4-BE49-F238E27FC236}">
+                <a16:creationId xmlns:a16="http://schemas.microsoft.com/office/drawing/2014/main" id="{BC4C4868-CB8F-4AF9-9CDB-8108F2C19B67}"/>
+              </a:ext>
+              <a:ext uri="{C183D7F6-B498-43B3-948B-1728B52AA6E4}">
+                <adec:decorative xmlns:adec="http://schemas.microsoft.com/office/drawing/2017/decorative" val="1"/>
+              </a:ext>
+            </a:extLst>
+          </p:cNvPr>
+          <p:cNvSpPr>
+            <a:spLocks noGrp="1" noRot="1" noChangeAspect="1" noMove="1" noResize="1" noEditPoints="1" noAdjustHandles="1" noChangeArrowheads="1" noChangeShapeType="1" noTextEdit="1"/>
+          </p:cNvSpPr>
+          <p:nvPr>
+            <p:extLst>
+              <p:ext uri="{386F3935-93C4-4BCD-93E2-E3B085C9AB24}">
+                <p16:designElem xmlns:p16="http://schemas.microsoft.com/office/powerpoint/2015/main" val="1"/>
+              </p:ext>
+            </p:extLst>
+          </p:nvPr>
+        </p:nvSpPr>
+        <p:spPr>
+          <a:xfrm rot="10800000" flipH="1">
+            <a:off x="-3" y="0"/>
+            <a:ext cx="8115306" cy="1590742"/>
+          </a:xfrm>
+          <a:prstGeom prst="rect">
+            <a:avLst/>
+          </a:prstGeom>
+          <a:gradFill>
+            <a:gsLst>
+              <a:gs pos="20000">
+                <a:schemeClr val="accent1">
+                  <a:alpha val="0"/>
+                </a:schemeClr>
+              </a:gs>
+              <a:gs pos="100000">
+                <a:schemeClr val="accent1">
+                  <a:lumMod val="50000"/>
+                  <a:alpha val="55000"/>
+                </a:schemeClr>
+              </a:gs>
+            </a:gsLst>
+            <a:lin ang="13800000" scaled="0"/>
+          </a:gradFill>
+          <a:ln>
+            <a:noFill/>
+          </a:ln>
+        </p:spPr>
+        <p:style>
+          <a:lnRef idx="2">
+            <a:schemeClr val="accent1">
+              <a:shade val="50000"/>
+            </a:schemeClr>
+          </a:lnRef>
+          <a:fillRef idx="1">
+            <a:schemeClr val="accent1"/>
+          </a:fillRef>
+          <a:effectRef idx="0">
+            <a:schemeClr val="accent1"/>
+          </a:effectRef>
+          <a:fontRef idx="minor">
+            <a:schemeClr val="lt1"/>
+          </a:fontRef>
+        </p:style>
+        <p:txBody>
+          <a:bodyPr rtlCol="0" anchor="ctr"/>
+          <a:lstStyle/>
+          <a:p>
+            <a:pPr marL="0" marR="0" lvl="0" indent="0" algn="ctr" defTabSz="914400" rtl="0" eaLnBrk="1" fontAlgn="auto" latinLnBrk="0" hangingPunct="1">
+              <a:lnSpc>
+                <a:spcPct val="100000"/>
+              </a:lnSpc>
+              <a:spcBef>
+                <a:spcPts val="0"/>
+              </a:spcBef>
+              <a:spcAft>
+                <a:spcPts val="0"/>
+              </a:spcAft>
+              <a:buClrTx/>
+              <a:buSzTx/>
+              <a:buFontTx/>
+              <a:buNone/>
+              <a:tabLst/>
+              <a:defRPr/>
+            </a:pPr>
+            <a:endParaRPr kumimoji="0" lang="en-US" sz="1800" b="0" i="0" u="none" strike="noStrike" kern="1200" cap="none" spc="0" normalizeH="0" baseline="0" noProof="0">
+              <a:ln>
+                <a:noFill/>
+              </a:ln>
+              <a:solidFill>
+                <a:prstClr val="white"/>
+              </a:solidFill>
+              <a:effectLst/>
+              <a:uLnTx/>
+              <a:uFillTx/>
+              <a:latin typeface="Calibri" panose="020F0502020204030204"/>
+              <a:ea typeface="+mn-ea"/>
+              <a:cs typeface="+mn-cs"/>
+            </a:endParaRPr>
+          </a:p>
+        </p:txBody>
+      </p:sp>
+      <p:sp>
+        <p:nvSpPr>
+          <p:cNvPr id="14" name="Rectangle 13">
+            <a:extLst>
+              <a:ext uri="{FF2B5EF4-FFF2-40B4-BE49-F238E27FC236}">
+                <a16:creationId xmlns:a16="http://schemas.microsoft.com/office/drawing/2014/main" id="{375E0459-6403-40CD-989D-56A4407CA12E}"/>
+              </a:ext>
+              <a:ext uri="{C183D7F6-B498-43B3-948B-1728B52AA6E4}">
+                <adec:decorative xmlns:adec="http://schemas.microsoft.com/office/drawing/2017/decorative" val="1"/>
+              </a:ext>
+            </a:extLst>
+          </p:cNvPr>
+          <p:cNvSpPr>
+            <a:spLocks noGrp="1" noRot="1" noChangeAspect="1" noMove="1" noResize="1" noEditPoints="1" noAdjustHandles="1" noChangeArrowheads="1" noChangeShapeType="1" noTextEdit="1"/>
+          </p:cNvSpPr>
+          <p:nvPr>
+            <p:extLst>
+              <p:ext uri="{386F3935-93C4-4BCD-93E2-E3B085C9AB24}">
+                <p16:designElem xmlns:p16="http://schemas.microsoft.com/office/powerpoint/2015/main" val="1"/>
+              </p:ext>
+            </p:extLst>
+          </p:nvPr>
+        </p:nvSpPr>
+        <p:spPr>
+          <a:xfrm flipH="1">
+            <a:off x="8115299" y="-1"/>
+            <a:ext cx="4076698" cy="1590742"/>
+          </a:xfrm>
+          <a:prstGeom prst="rect">
+            <a:avLst/>
+          </a:prstGeom>
+          <a:gradFill>
+            <a:gsLst>
+              <a:gs pos="0">
+                <a:schemeClr val="accent1">
+                  <a:alpha val="66000"/>
+                </a:schemeClr>
+              </a:gs>
+              <a:gs pos="100000">
+                <a:srgbClr val="000000">
+                  <a:alpha val="30000"/>
+                </a:srgbClr>
+              </a:gs>
+            </a:gsLst>
+            <a:lin ang="13200000" scaled="0"/>
+          </a:gradFill>
+          <a:ln>
+            <a:noFill/>
+          </a:ln>
+        </p:spPr>
+        <p:style>
+          <a:lnRef idx="2">
+            <a:schemeClr val="accent1">
+              <a:shade val="50000"/>
+            </a:schemeClr>
+          </a:lnRef>
+          <a:fillRef idx="1">
+            <a:schemeClr val="accent1"/>
+          </a:fillRef>
+          <a:effectRef idx="0">
+            <a:schemeClr val="accent1"/>
+          </a:effectRef>
+          <a:fontRef idx="minor">
+            <a:schemeClr val="lt1"/>
+          </a:fontRef>
+        </p:style>
+        <p:txBody>
+          <a:bodyPr rtlCol="0" anchor="ctr"/>
+          <a:lstStyle/>
+          <a:p>
+            <a:pPr marL="0" marR="0" lvl="0" indent="0" algn="ctr" defTabSz="914400" rtl="0" eaLnBrk="1" fontAlgn="auto" latinLnBrk="0" hangingPunct="1">
+              <a:lnSpc>
+                <a:spcPct val="100000"/>
+              </a:lnSpc>
+              <a:spcBef>
+                <a:spcPts val="0"/>
+              </a:spcBef>
+              <a:spcAft>
+                <a:spcPts val="0"/>
+              </a:spcAft>
+              <a:buClrTx/>
+              <a:buSzTx/>
+              <a:buFontTx/>
+              <a:buNone/>
+              <a:tabLst/>
+              <a:defRPr/>
+            </a:pPr>
+            <a:endParaRPr kumimoji="0" lang="en-US" sz="1800" b="0" i="0" u="none" strike="noStrike" kern="1200" cap="none" spc="0" normalizeH="0" baseline="0" noProof="0">
+              <a:ln>
+                <a:noFill/>
+              </a:ln>
+              <a:solidFill>
+                <a:prstClr val="white"/>
+              </a:solidFill>
+              <a:effectLst/>
+              <a:uLnTx/>
+              <a:uFillTx/>
+              <a:latin typeface="Calibri" panose="020F0502020204030204"/>
+              <a:ea typeface="+mn-ea"/>
+              <a:cs typeface="+mn-cs"/>
+            </a:endParaRPr>
+          </a:p>
+        </p:txBody>
+      </p:sp>
+      <p:sp>
+        <p:nvSpPr>
+          <p:cNvPr id="16" name="Rectangle 15">
+            <a:extLst>
+              <a:ext uri="{FF2B5EF4-FFF2-40B4-BE49-F238E27FC236}">
+                <a16:creationId xmlns:a16="http://schemas.microsoft.com/office/drawing/2014/main" id="{53E5B1A8-3AC9-4BD1-9BBC-78CA94F2D1BA}"/>
+              </a:ext>
+              <a:ext uri="{C183D7F6-B498-43B3-948B-1728B52AA6E4}">
+                <adec:decorative xmlns:adec="http://schemas.microsoft.com/office/drawing/2017/decorative" val="1"/>
+              </a:ext>
+            </a:extLst>
+          </p:cNvPr>
+          <p:cNvSpPr>
+            <a:spLocks noGrp="1" noRot="1" noChangeAspect="1" noMove="1" noResize="1" noEditPoints="1" noAdjustHandles="1" noChangeArrowheads="1" noChangeShapeType="1" noTextEdit="1"/>
+          </p:cNvSpPr>
+          <p:nvPr>
+            <p:extLst>
+              <p:ext uri="{386F3935-93C4-4BCD-93E2-E3B085C9AB24}">
+                <p16:designElem xmlns:p16="http://schemas.microsoft.com/office/powerpoint/2015/main" val="1"/>
+              </p:ext>
+            </p:extLst>
+          </p:nvPr>
+        </p:nvSpPr>
+        <p:spPr>
+          <a:xfrm>
+            <a:off x="459350" y="-1"/>
+            <a:ext cx="11732646" cy="1597433"/>
+          </a:xfrm>
+          <a:prstGeom prst="rect">
+            <a:avLst/>
+          </a:prstGeom>
+          <a:gradFill>
+            <a:gsLst>
+              <a:gs pos="50000">
+                <a:srgbClr val="000000">
+                  <a:alpha val="0"/>
+                </a:srgbClr>
+              </a:gs>
+              <a:gs pos="99000">
+                <a:schemeClr val="accent1">
+                  <a:lumMod val="50000"/>
+                  <a:alpha val="52000"/>
+                </a:schemeClr>
+              </a:gs>
+            </a:gsLst>
+            <a:lin ang="16800000" scaled="0"/>
+          </a:gradFill>
+          <a:ln>
+            <a:noFill/>
+          </a:ln>
+        </p:spPr>
+        <p:style>
+          <a:lnRef idx="2">
+            <a:schemeClr val="accent1">
+              <a:shade val="50000"/>
+            </a:schemeClr>
+          </a:lnRef>
+          <a:fillRef idx="1">
+            <a:schemeClr val="accent1"/>
+          </a:fillRef>
+          <a:effectRef idx="0">
+            <a:schemeClr val="accent1"/>
+          </a:effectRef>
+          <a:fontRef idx="minor">
+            <a:schemeClr val="lt1"/>
+          </a:fontRef>
+        </p:style>
+        <p:txBody>
+          <a:bodyPr rtlCol="0" anchor="ctr"/>
+          <a:lstStyle/>
+          <a:p>
+            <a:pPr marL="0" marR="0" lvl="0" indent="0" algn="ctr" defTabSz="914400" rtl="0" eaLnBrk="1" fontAlgn="auto" latinLnBrk="0" hangingPunct="1">
+              <a:lnSpc>
+                <a:spcPct val="100000"/>
+              </a:lnSpc>
+              <a:spcBef>
+                <a:spcPts val="0"/>
+              </a:spcBef>
+              <a:spcAft>
+                <a:spcPts val="0"/>
+              </a:spcAft>
+              <a:buClrTx/>
+              <a:buSzTx/>
+              <a:buFontTx/>
+              <a:buNone/>
+              <a:tabLst/>
+              <a:defRPr/>
+            </a:pPr>
+            <a:endParaRPr kumimoji="0" lang="en-US" sz="1800" b="0" i="0" u="none" strike="noStrike" kern="1200" cap="none" spc="0" normalizeH="0" baseline="0" noProof="0">
+              <a:ln>
+                <a:noFill/>
+              </a:ln>
+              <a:solidFill>
+                <a:prstClr val="white"/>
+              </a:solidFill>
+              <a:effectLst/>
+              <a:uLnTx/>
+              <a:uFillTx/>
+              <a:latin typeface="Calibri" panose="020F0502020204030204"/>
+              <a:ea typeface="+mn-ea"/>
+              <a:cs typeface="+mn-cs"/>
+            </a:endParaRPr>
+          </a:p>
+        </p:txBody>
+      </p:sp>
+      <p:sp>
+        <p:nvSpPr>
+          <p:cNvPr id="2" name="Rubrik 1">
+            <a:extLst>
+              <a:ext uri="{FF2B5EF4-FFF2-40B4-BE49-F238E27FC236}">
+                <a16:creationId xmlns:a16="http://schemas.microsoft.com/office/drawing/2014/main" id="{5061A874-0FDA-27C5-E207-92E76593A7C4}"/>
+              </a:ext>
+            </a:extLst>
+          </p:cNvPr>
+          <p:cNvSpPr>
+            <a:spLocks noGrp="1"/>
+          </p:cNvSpPr>
+          <p:nvPr>
+            <p:ph type="title"/>
+          </p:nvPr>
+        </p:nvSpPr>
+        <p:spPr>
+          <a:xfrm>
+            <a:off x="1371599" y="294538"/>
+            <a:ext cx="9895951" cy="1033669"/>
+          </a:xfrm>
+        </p:spPr>
+        <p:txBody>
+          <a:bodyPr>
+            <a:normAutofit/>
+          </a:bodyPr>
+          <a:lstStyle/>
+          <a:p>
+            <a:r>
+              <a:rPr lang="sv-SE" sz="4000" dirty="0" err="1">
+                <a:solidFill>
+                  <a:srgbClr val="FFFFFF"/>
+                </a:solidFill>
+              </a:rPr>
+              <a:t>Rules</a:t>
+            </a:r>
+            <a:r>
+              <a:rPr lang="sv-SE" sz="4000" dirty="0">
+                <a:solidFill>
+                  <a:srgbClr val="FFFFFF"/>
+                </a:solidFill>
+              </a:rPr>
+              <a:t> for </a:t>
+            </a:r>
+            <a:r>
+              <a:rPr lang="sv-SE" sz="4000" dirty="0" err="1">
+                <a:solidFill>
+                  <a:srgbClr val="FFFFFF"/>
+                </a:solidFill>
+              </a:rPr>
+              <a:t>compilers</a:t>
+            </a:r>
+            <a:endParaRPr lang="LID4096" sz="4000" dirty="0">
+              <a:solidFill>
+                <a:srgbClr val="FFFFFF"/>
+              </a:solidFill>
+            </a:endParaRPr>
+          </a:p>
+        </p:txBody>
+      </p:sp>
+      <p:sp>
+        <p:nvSpPr>
+          <p:cNvPr id="3" name="Platshållare för innehåll 2">
+            <a:extLst>
+              <a:ext uri="{FF2B5EF4-FFF2-40B4-BE49-F238E27FC236}">
+                <a16:creationId xmlns:a16="http://schemas.microsoft.com/office/drawing/2014/main" id="{2A4FF5C8-FFF5-6199-97CC-74043C45FA89}"/>
+              </a:ext>
+            </a:extLst>
+          </p:cNvPr>
+          <p:cNvSpPr>
+            <a:spLocks noGrp="1"/>
+          </p:cNvSpPr>
+          <p:nvPr>
+            <p:ph idx="1"/>
+          </p:nvPr>
+        </p:nvSpPr>
+        <p:spPr>
+          <a:xfrm>
+            <a:off x="1371599" y="1885279"/>
+            <a:ext cx="9724031" cy="4569462"/>
+          </a:xfrm>
+        </p:spPr>
+        <p:txBody>
+          <a:bodyPr anchor="ctr">
+            <a:normAutofit/>
+          </a:bodyPr>
+          <a:lstStyle/>
+          <a:p>
+            <a:r>
+              <a:rPr lang="sv-SE" sz="3200" dirty="0"/>
+              <a:t>Must </a:t>
+            </a:r>
+            <a:r>
+              <a:rPr lang="sv-SE" sz="3200" dirty="0" err="1"/>
+              <a:t>find</a:t>
+            </a:r>
+            <a:r>
+              <a:rPr lang="sv-SE" sz="3200" dirty="0"/>
+              <a:t> and </a:t>
+            </a:r>
+            <a:r>
+              <a:rPr lang="sv-SE" sz="3200" dirty="0" err="1"/>
+              <a:t>demote</a:t>
+            </a:r>
+            <a:r>
+              <a:rPr lang="sv-SE" sz="3200" dirty="0"/>
+              <a:t> </a:t>
+            </a:r>
+            <a:r>
+              <a:rPr lang="sv-SE" sz="3200" dirty="0" err="1"/>
+              <a:t>basic</a:t>
+            </a:r>
+            <a:r>
+              <a:rPr lang="sv-SE" sz="3200" dirty="0"/>
+              <a:t> </a:t>
+            </a:r>
+            <a:r>
+              <a:rPr lang="sv-SE" sz="3200" dirty="0" err="1"/>
+              <a:t>cases</a:t>
+            </a:r>
+            <a:r>
+              <a:rPr lang="sv-SE" sz="3200" dirty="0"/>
+              <a:t>.</a:t>
+            </a:r>
+          </a:p>
+          <a:p>
+            <a:r>
+              <a:rPr lang="sv-SE" sz="3200" dirty="0"/>
+              <a:t>May </a:t>
+            </a:r>
+            <a:r>
+              <a:rPr lang="sv-SE" sz="3200" dirty="0" err="1"/>
+              <a:t>find</a:t>
+            </a:r>
+            <a:r>
+              <a:rPr lang="sv-SE" sz="3200" dirty="0"/>
+              <a:t> </a:t>
+            </a:r>
+            <a:r>
+              <a:rPr lang="sv-SE" sz="3200" dirty="0" err="1"/>
+              <a:t>any</a:t>
+            </a:r>
+            <a:r>
+              <a:rPr lang="sv-SE" sz="3200" dirty="0"/>
+              <a:t> </a:t>
+            </a:r>
+            <a:r>
+              <a:rPr lang="sv-SE" sz="3200" dirty="0" err="1"/>
+              <a:t>more</a:t>
+            </a:r>
+            <a:r>
+              <a:rPr lang="sv-SE" sz="3200" dirty="0"/>
+              <a:t> </a:t>
+            </a:r>
+            <a:r>
+              <a:rPr lang="sv-SE" sz="3200" dirty="0" err="1"/>
+              <a:t>cases</a:t>
+            </a:r>
+            <a:r>
+              <a:rPr lang="sv-SE" sz="3200" dirty="0"/>
+              <a:t> it </a:t>
+            </a:r>
+            <a:r>
+              <a:rPr lang="sv-SE" sz="3200" dirty="0" err="1"/>
+              <a:t>can.</a:t>
+            </a:r>
+            <a:endParaRPr lang="sv-SE" sz="3200" dirty="0"/>
+          </a:p>
+          <a:p>
+            <a:r>
+              <a:rPr lang="sv-SE" sz="3200" dirty="0"/>
+              <a:t>Must not </a:t>
+            </a:r>
+            <a:r>
+              <a:rPr lang="sv-SE" sz="3200" dirty="0" err="1"/>
+              <a:t>find</a:t>
+            </a:r>
+            <a:r>
+              <a:rPr lang="sv-SE" sz="3200" dirty="0"/>
+              <a:t> </a:t>
+            </a:r>
+            <a:r>
+              <a:rPr lang="sv-SE" sz="3200" dirty="0" err="1"/>
+              <a:t>cases</a:t>
+            </a:r>
+            <a:r>
+              <a:rPr lang="sv-SE" sz="3200" dirty="0"/>
+              <a:t> </a:t>
+            </a:r>
+            <a:r>
+              <a:rPr lang="sv-SE" sz="3200" dirty="0" err="1"/>
+              <a:t>which</a:t>
+            </a:r>
+            <a:r>
+              <a:rPr lang="sv-SE" sz="3200" dirty="0"/>
+              <a:t> </a:t>
+            </a:r>
+            <a:r>
+              <a:rPr lang="sv-SE" sz="3200" dirty="0" err="1"/>
+              <a:t>are</a:t>
+            </a:r>
+            <a:r>
+              <a:rPr lang="sv-SE" sz="3200" dirty="0"/>
+              <a:t> not </a:t>
+            </a:r>
+            <a:r>
+              <a:rPr lang="sv-SE" sz="3200" dirty="0" err="1"/>
+              <a:t>true</a:t>
+            </a:r>
+            <a:r>
+              <a:rPr lang="sv-SE" sz="3200" dirty="0"/>
+              <a:t> last </a:t>
+            </a:r>
+            <a:r>
+              <a:rPr lang="sv-SE" sz="3200" dirty="0" err="1"/>
+              <a:t>uses</a:t>
+            </a:r>
+            <a:r>
+              <a:rPr lang="sv-SE" sz="3200" dirty="0"/>
+              <a:t>.</a:t>
+            </a:r>
+            <a:endParaRPr lang="LID4096" sz="3200" dirty="0"/>
+          </a:p>
+        </p:txBody>
+      </p:sp>
+    </p:spTree>
+    <p:extLst>
+      <p:ext uri="{BB962C8B-B14F-4D97-AF65-F5344CB8AC3E}">
+        <p14:creationId xmlns:p14="http://schemas.microsoft.com/office/powerpoint/2010/main" val="523099993"/>
+      </p:ext>
+    </p:extLst>
+  </p:cSld>
+  <p:clrMapOvr>
+    <a:masterClrMapping/>
+  </p:clrMapOvr>
+</p:sld>
+</file>
+
+<file path=ppt/slides/slide8.xml><?xml version="1.0" encoding="utf-8"?>
+<p:sld xmlns:a="http://schemas.openxmlformats.org/drawingml/2006/main" xmlns:r="http://schemas.openxmlformats.org/officeDocument/2006/relationships" xmlns:p="http://schemas.openxmlformats.org/presentationml/2006/main">
+  <p:cSld>
+    <p:bg>
+      <p:bgPr>
+        <a:solidFill>
+          <a:schemeClr val="bg1"/>
+        </a:solidFill>
+        <a:effectLst/>
+      </p:bgPr>
+    </p:bg>
+    <p:spTree>
+      <p:nvGrpSpPr>
+        <p:cNvPr id="1" name=""/>
+        <p:cNvGrpSpPr/>
+        <p:nvPr/>
+      </p:nvGrpSpPr>
+      <p:grpSpPr>
+        <a:xfrm>
+          <a:off x="0" y="0"/>
+          <a:ext cx="0" cy="0"/>
+          <a:chOff x="0" y="0"/>
+          <a:chExt cx="0" cy="0"/>
+        </a:xfrm>
+      </p:grpSpPr>
+      <p:sp useBgFill="1">
+        <p:nvSpPr>
+          <p:cNvPr id="8" name="Rectangle 7">
+            <a:extLst>
+              <a:ext uri="{FF2B5EF4-FFF2-40B4-BE49-F238E27FC236}">
+                <a16:creationId xmlns:a16="http://schemas.microsoft.com/office/drawing/2014/main" id="{1B15ED52-F352-441B-82BF-E0EA34836D08}"/>
+              </a:ext>
+              <a:ext uri="{C183D7F6-B498-43B3-948B-1728B52AA6E4}">
+                <adec:decorative xmlns:adec="http://schemas.microsoft.com/office/drawing/2017/decorative" val="1"/>
+              </a:ext>
+            </a:extLst>
+          </p:cNvPr>
+          <p:cNvSpPr>
+            <a:spLocks noGrp="1" noRot="1" noChangeAspect="1" noMove="1" noResize="1" noEditPoints="1" noAdjustHandles="1" noChangeArrowheads="1" noChangeShapeType="1" noTextEdit="1"/>
+          </p:cNvSpPr>
+          <p:nvPr>
+            <p:extLst>
+              <p:ext uri="{386F3935-93C4-4BCD-93E2-E3B085C9AB24}">
+                <p16:designElem xmlns:p16="http://schemas.microsoft.com/office/powerpoint/2015/main" val="1"/>
+              </p:ext>
+            </p:extLst>
+          </p:nvPr>
+        </p:nvSpPr>
+        <p:spPr>
+          <a:xfrm>
+            <a:off x="0" y="0"/>
+            <a:ext cx="12192000" cy="6858000"/>
+          </a:xfrm>
+          <a:prstGeom prst="rect">
+            <a:avLst/>
+          </a:prstGeom>
+          <a:ln w="12700" cap="flat" cmpd="sng" algn="ctr">
+            <a:noFill/>
+            <a:prstDash val="solid"/>
+            <a:miter lim="800000"/>
+          </a:ln>
+          <a:effectLst/>
+          <a:extLst>
+            <a:ext uri="{91240B29-F687-4F45-9708-019B960494DF}">
+              <a14:hiddenLine xmlns:a14="http://schemas.microsoft.com/office/drawing/2010/main" w="12700" cap="flat" cmpd="sng" algn="ctr">
+                <a:solidFill>
+                  <a:schemeClr val="accent1">
+                    <a:shade val="50000"/>
+                  </a:schemeClr>
+                </a:solidFill>
+                <a:prstDash val="solid"/>
+                <a:miter lim="800000"/>
+              </a14:hiddenLine>
+            </a:ext>
+          </a:extLst>
+        </p:spPr>
+        <p:style>
+          <a:lnRef idx="2">
+            <a:schemeClr val="accent1">
+              <a:shade val="50000"/>
+            </a:schemeClr>
+          </a:lnRef>
+          <a:fillRef idx="1">
+            <a:schemeClr val="accent1"/>
+          </a:fillRef>
+          <a:effectRef idx="0">
+            <a:schemeClr val="accent1"/>
+          </a:effectRef>
+          <a:fontRef idx="minor">
+            <a:schemeClr val="lt1"/>
+          </a:fontRef>
+        </p:style>
+        <p:txBody>
+          <a:bodyPr rtlCol="0" anchor="ctr"/>
+          <a:lstStyle/>
+          <a:p>
+            <a:pPr marL="0" marR="0" lvl="0" indent="0" algn="ctr" defTabSz="914400" rtl="0" eaLnBrk="1" fontAlgn="auto" latinLnBrk="0" hangingPunct="1">
+              <a:lnSpc>
+                <a:spcPct val="100000"/>
+              </a:lnSpc>
+              <a:spcBef>
+                <a:spcPts val="0"/>
+              </a:spcBef>
+              <a:spcAft>
+                <a:spcPts val="0"/>
+              </a:spcAft>
+              <a:buClrTx/>
+              <a:buSzTx/>
+              <a:buFontTx/>
+              <a:buNone/>
+              <a:tabLst/>
+              <a:defRPr/>
+            </a:pPr>
+            <a:endParaRPr kumimoji="0" lang="en-US" sz="1800" b="0" i="0" u="none" strike="noStrike" kern="1200" cap="none" spc="0" normalizeH="0" baseline="0" noProof="0">
+              <a:ln>
+                <a:noFill/>
+              </a:ln>
+              <a:solidFill>
+                <a:prstClr val="white"/>
+              </a:solidFill>
+              <a:effectLst/>
+              <a:uLnTx/>
+              <a:uFillTx/>
+              <a:latin typeface="Calibri" panose="020F0502020204030204"/>
+              <a:ea typeface="+mn-ea"/>
+              <a:cs typeface="+mn-cs"/>
+            </a:endParaRPr>
+          </a:p>
+        </p:txBody>
+      </p:sp>
+      <p:sp>
+        <p:nvSpPr>
+          <p:cNvPr id="10" name="Rectangle 9">
+            <a:extLst>
+              <a:ext uri="{FF2B5EF4-FFF2-40B4-BE49-F238E27FC236}">
+                <a16:creationId xmlns:a16="http://schemas.microsoft.com/office/drawing/2014/main" id="{3B2E3793-BFE6-45A2-9B7B-E18844431C99}"/>
+              </a:ext>
+              <a:ext uri="{C183D7F6-B498-43B3-948B-1728B52AA6E4}">
+                <adec:decorative xmlns:adec="http://schemas.microsoft.com/office/drawing/2017/decorative" val="1"/>
+              </a:ext>
+            </a:extLst>
+          </p:cNvPr>
+          <p:cNvSpPr>
+            <a:spLocks noGrp="1" noRot="1" noChangeAspect="1" noMove="1" noResize="1" noEditPoints="1" noAdjustHandles="1" noChangeArrowheads="1" noChangeShapeType="1" noTextEdit="1"/>
+          </p:cNvSpPr>
+          <p:nvPr>
+            <p:extLst>
+              <p:ext uri="{386F3935-93C4-4BCD-93E2-E3B085C9AB24}">
+                <p16:designElem xmlns:p16="http://schemas.microsoft.com/office/powerpoint/2015/main" val="1"/>
+              </p:ext>
+            </p:extLst>
+          </p:nvPr>
+        </p:nvSpPr>
+        <p:spPr>
+          <a:xfrm flipH="1">
+            <a:off x="-1" y="-1"/>
+            <a:ext cx="12191998" cy="1590742"/>
+          </a:xfrm>
+          <a:prstGeom prst="rect">
+            <a:avLst/>
+          </a:prstGeom>
+          <a:gradFill>
+            <a:gsLst>
+              <a:gs pos="0">
+                <a:srgbClr val="000000"/>
+              </a:gs>
+              <a:gs pos="100000">
+                <a:schemeClr val="accent1">
+                  <a:lumMod val="75000"/>
+                </a:schemeClr>
+              </a:gs>
+            </a:gsLst>
+            <a:lin ang="8400000" scaled="0"/>
+          </a:gradFill>
+          <a:ln>
+            <a:noFill/>
+          </a:ln>
+        </p:spPr>
+        <p:style>
+          <a:lnRef idx="2">
+            <a:schemeClr val="accent1">
+              <a:shade val="50000"/>
+            </a:schemeClr>
+          </a:lnRef>
+          <a:fillRef idx="1">
+            <a:schemeClr val="accent1"/>
+          </a:fillRef>
+          <a:effectRef idx="0">
+            <a:schemeClr val="accent1"/>
+          </a:effectRef>
+          <a:fontRef idx="minor">
+            <a:schemeClr val="lt1"/>
+          </a:fontRef>
+        </p:style>
+        <p:txBody>
+          <a:bodyPr rtlCol="0" anchor="ctr"/>
+          <a:lstStyle/>
+          <a:p>
+            <a:pPr marL="0" marR="0" lvl="0" indent="0" algn="ctr" defTabSz="914400" rtl="0" eaLnBrk="1" fontAlgn="auto" latinLnBrk="0" hangingPunct="1">
+              <a:lnSpc>
+                <a:spcPct val="100000"/>
+              </a:lnSpc>
+              <a:spcBef>
+                <a:spcPts val="0"/>
+              </a:spcBef>
+              <a:spcAft>
+                <a:spcPts val="0"/>
+              </a:spcAft>
+              <a:buClrTx/>
+              <a:buSzTx/>
+              <a:buFontTx/>
+              <a:buNone/>
+              <a:tabLst/>
+              <a:defRPr/>
+            </a:pPr>
+            <a:endParaRPr kumimoji="0" lang="en-US" sz="1800" b="0" i="0" u="none" strike="noStrike" kern="1200" cap="none" spc="0" normalizeH="0" baseline="0" noProof="0">
+              <a:ln>
+                <a:noFill/>
+              </a:ln>
+              <a:solidFill>
+                <a:prstClr val="white"/>
+              </a:solidFill>
+              <a:effectLst/>
+              <a:uLnTx/>
+              <a:uFillTx/>
+              <a:latin typeface="Calibri" panose="020F0502020204030204"/>
+              <a:ea typeface="+mn-ea"/>
+              <a:cs typeface="+mn-cs"/>
+            </a:endParaRPr>
+          </a:p>
+        </p:txBody>
+      </p:sp>
+      <p:sp>
+        <p:nvSpPr>
+          <p:cNvPr id="12" name="Rectangle 11">
+            <a:extLst>
+              <a:ext uri="{FF2B5EF4-FFF2-40B4-BE49-F238E27FC236}">
+                <a16:creationId xmlns:a16="http://schemas.microsoft.com/office/drawing/2014/main" id="{BC4C4868-CB8F-4AF9-9CDB-8108F2C19B67}"/>
+              </a:ext>
+              <a:ext uri="{C183D7F6-B498-43B3-948B-1728B52AA6E4}">
+                <adec:decorative xmlns:adec="http://schemas.microsoft.com/office/drawing/2017/decorative" val="1"/>
+              </a:ext>
+            </a:extLst>
+          </p:cNvPr>
+          <p:cNvSpPr>
+            <a:spLocks noGrp="1" noRot="1" noChangeAspect="1" noMove="1" noResize="1" noEditPoints="1" noAdjustHandles="1" noChangeArrowheads="1" noChangeShapeType="1" noTextEdit="1"/>
+          </p:cNvSpPr>
+          <p:nvPr>
+            <p:extLst>
+              <p:ext uri="{386F3935-93C4-4BCD-93E2-E3B085C9AB24}">
+                <p16:designElem xmlns:p16="http://schemas.microsoft.com/office/powerpoint/2015/main" val="1"/>
+              </p:ext>
+            </p:extLst>
+          </p:nvPr>
+        </p:nvSpPr>
+        <p:spPr>
+          <a:xfrm rot="10800000" flipH="1">
+            <a:off x="-3" y="0"/>
+            <a:ext cx="8115306" cy="1590742"/>
+          </a:xfrm>
+          <a:prstGeom prst="rect">
+            <a:avLst/>
+          </a:prstGeom>
+          <a:gradFill>
+            <a:gsLst>
+              <a:gs pos="20000">
+                <a:schemeClr val="accent1">
+                  <a:alpha val="0"/>
+                </a:schemeClr>
+              </a:gs>
+              <a:gs pos="100000">
+                <a:schemeClr val="accent1">
+                  <a:lumMod val="50000"/>
+                  <a:alpha val="55000"/>
+                </a:schemeClr>
+              </a:gs>
+            </a:gsLst>
+            <a:lin ang="13800000" scaled="0"/>
+          </a:gradFill>
+          <a:ln>
+            <a:noFill/>
+          </a:ln>
+        </p:spPr>
+        <p:style>
+          <a:lnRef idx="2">
+            <a:schemeClr val="accent1">
+              <a:shade val="50000"/>
+            </a:schemeClr>
+          </a:lnRef>
+          <a:fillRef idx="1">
+            <a:schemeClr val="accent1"/>
+          </a:fillRef>
+          <a:effectRef idx="0">
+            <a:schemeClr val="accent1"/>
+          </a:effectRef>
+          <a:fontRef idx="minor">
+            <a:schemeClr val="lt1"/>
+          </a:fontRef>
+        </p:style>
+        <p:txBody>
+          <a:bodyPr rtlCol="0" anchor="ctr"/>
+          <a:lstStyle/>
+          <a:p>
+            <a:pPr marL="0" marR="0" lvl="0" indent="0" algn="ctr" defTabSz="914400" rtl="0" eaLnBrk="1" fontAlgn="auto" latinLnBrk="0" hangingPunct="1">
+              <a:lnSpc>
+                <a:spcPct val="100000"/>
+              </a:lnSpc>
+              <a:spcBef>
+                <a:spcPts val="0"/>
+              </a:spcBef>
+              <a:spcAft>
+                <a:spcPts val="0"/>
+              </a:spcAft>
+              <a:buClrTx/>
+              <a:buSzTx/>
+              <a:buFontTx/>
+              <a:buNone/>
+              <a:tabLst/>
+              <a:defRPr/>
+            </a:pPr>
+            <a:endParaRPr kumimoji="0" lang="en-US" sz="1800" b="0" i="0" u="none" strike="noStrike" kern="1200" cap="none" spc="0" normalizeH="0" baseline="0" noProof="0">
+              <a:ln>
+                <a:noFill/>
+              </a:ln>
+              <a:solidFill>
+                <a:prstClr val="white"/>
+              </a:solidFill>
+              <a:effectLst/>
+              <a:uLnTx/>
+              <a:uFillTx/>
+              <a:latin typeface="Calibri" panose="020F0502020204030204"/>
+              <a:ea typeface="+mn-ea"/>
+              <a:cs typeface="+mn-cs"/>
+            </a:endParaRPr>
+          </a:p>
+        </p:txBody>
+      </p:sp>
+      <p:sp>
+        <p:nvSpPr>
+          <p:cNvPr id="14" name="Rectangle 13">
+            <a:extLst>
+              <a:ext uri="{FF2B5EF4-FFF2-40B4-BE49-F238E27FC236}">
+                <a16:creationId xmlns:a16="http://schemas.microsoft.com/office/drawing/2014/main" id="{375E0459-6403-40CD-989D-56A4407CA12E}"/>
+              </a:ext>
+              <a:ext uri="{C183D7F6-B498-43B3-948B-1728B52AA6E4}">
+                <adec:decorative xmlns:adec="http://schemas.microsoft.com/office/drawing/2017/decorative" val="1"/>
+              </a:ext>
+            </a:extLst>
+          </p:cNvPr>
+          <p:cNvSpPr>
+            <a:spLocks noGrp="1" noRot="1" noChangeAspect="1" noMove="1" noResize="1" noEditPoints="1" noAdjustHandles="1" noChangeArrowheads="1" noChangeShapeType="1" noTextEdit="1"/>
+          </p:cNvSpPr>
+          <p:nvPr>
+            <p:extLst>
+              <p:ext uri="{386F3935-93C4-4BCD-93E2-E3B085C9AB24}">
+                <p16:designElem xmlns:p16="http://schemas.microsoft.com/office/powerpoint/2015/main" val="1"/>
+              </p:ext>
+            </p:extLst>
+          </p:nvPr>
+        </p:nvSpPr>
+        <p:spPr>
+          <a:xfrm flipH="1">
+            <a:off x="8115299" y="-1"/>
+            <a:ext cx="4076698" cy="1590742"/>
+          </a:xfrm>
+          <a:prstGeom prst="rect">
+            <a:avLst/>
+          </a:prstGeom>
+          <a:gradFill>
+            <a:gsLst>
+              <a:gs pos="0">
+                <a:schemeClr val="accent1">
+                  <a:alpha val="66000"/>
+                </a:schemeClr>
+              </a:gs>
+              <a:gs pos="100000">
+                <a:srgbClr val="000000">
+                  <a:alpha val="30000"/>
+                </a:srgbClr>
+              </a:gs>
+            </a:gsLst>
+            <a:lin ang="13200000" scaled="0"/>
+          </a:gradFill>
+          <a:ln>
+            <a:noFill/>
+          </a:ln>
+        </p:spPr>
+        <p:style>
+          <a:lnRef idx="2">
+            <a:schemeClr val="accent1">
+              <a:shade val="50000"/>
+            </a:schemeClr>
+          </a:lnRef>
+          <a:fillRef idx="1">
+            <a:schemeClr val="accent1"/>
+          </a:fillRef>
+          <a:effectRef idx="0">
+            <a:schemeClr val="accent1"/>
+          </a:effectRef>
+          <a:fontRef idx="minor">
+            <a:schemeClr val="lt1"/>
+          </a:fontRef>
+        </p:style>
+        <p:txBody>
+          <a:bodyPr rtlCol="0" anchor="ctr"/>
+          <a:lstStyle/>
+          <a:p>
+            <a:pPr marL="0" marR="0" lvl="0" indent="0" algn="ctr" defTabSz="914400" rtl="0" eaLnBrk="1" fontAlgn="auto" latinLnBrk="0" hangingPunct="1">
+              <a:lnSpc>
+                <a:spcPct val="100000"/>
+              </a:lnSpc>
+              <a:spcBef>
+                <a:spcPts val="0"/>
+              </a:spcBef>
+              <a:spcAft>
+                <a:spcPts val="0"/>
+              </a:spcAft>
+              <a:buClrTx/>
+              <a:buSzTx/>
+              <a:buFontTx/>
+              <a:buNone/>
+              <a:tabLst/>
+              <a:defRPr/>
+            </a:pPr>
+            <a:endParaRPr kumimoji="0" lang="en-US" sz="1800" b="0" i="0" u="none" strike="noStrike" kern="1200" cap="none" spc="0" normalizeH="0" baseline="0" noProof="0">
+              <a:ln>
+                <a:noFill/>
+              </a:ln>
+              <a:solidFill>
+                <a:prstClr val="white"/>
+              </a:solidFill>
+              <a:effectLst/>
+              <a:uLnTx/>
+              <a:uFillTx/>
+              <a:latin typeface="Calibri" panose="020F0502020204030204"/>
+              <a:ea typeface="+mn-ea"/>
+              <a:cs typeface="+mn-cs"/>
+            </a:endParaRPr>
+          </a:p>
+        </p:txBody>
+      </p:sp>
+      <p:sp>
+        <p:nvSpPr>
+          <p:cNvPr id="16" name="Rectangle 15">
+            <a:extLst>
+              <a:ext uri="{FF2B5EF4-FFF2-40B4-BE49-F238E27FC236}">
+                <a16:creationId xmlns:a16="http://schemas.microsoft.com/office/drawing/2014/main" id="{53E5B1A8-3AC9-4BD1-9BBC-78CA94F2D1BA}"/>
+              </a:ext>
+              <a:ext uri="{C183D7F6-B498-43B3-948B-1728B52AA6E4}">
+                <adec:decorative xmlns:adec="http://schemas.microsoft.com/office/drawing/2017/decorative" val="1"/>
+              </a:ext>
+            </a:extLst>
+          </p:cNvPr>
+          <p:cNvSpPr>
+            <a:spLocks noGrp="1" noRot="1" noChangeAspect="1" noMove="1" noResize="1" noEditPoints="1" noAdjustHandles="1" noChangeArrowheads="1" noChangeShapeType="1" noTextEdit="1"/>
+          </p:cNvSpPr>
+          <p:nvPr>
+            <p:extLst>
+              <p:ext uri="{386F3935-93C4-4BCD-93E2-E3B085C9AB24}">
+                <p16:designElem xmlns:p16="http://schemas.microsoft.com/office/powerpoint/2015/main" val="1"/>
+              </p:ext>
+            </p:extLst>
+          </p:nvPr>
+        </p:nvSpPr>
+        <p:spPr>
+          <a:xfrm>
+            <a:off x="459350" y="-1"/>
+            <a:ext cx="11732646" cy="1597433"/>
+          </a:xfrm>
+          <a:prstGeom prst="rect">
+            <a:avLst/>
+          </a:prstGeom>
+          <a:gradFill>
+            <a:gsLst>
+              <a:gs pos="50000">
+                <a:srgbClr val="000000">
+                  <a:alpha val="0"/>
+                </a:srgbClr>
+              </a:gs>
+              <a:gs pos="99000">
+                <a:schemeClr val="accent1">
+                  <a:lumMod val="50000"/>
+                  <a:alpha val="52000"/>
+                </a:schemeClr>
+              </a:gs>
+            </a:gsLst>
+            <a:lin ang="16800000" scaled="0"/>
+          </a:gradFill>
+          <a:ln>
+            <a:noFill/>
+          </a:ln>
+        </p:spPr>
+        <p:style>
+          <a:lnRef idx="2">
+            <a:schemeClr val="accent1">
+              <a:shade val="50000"/>
+            </a:schemeClr>
+          </a:lnRef>
+          <a:fillRef idx="1">
+            <a:schemeClr val="accent1"/>
+          </a:fillRef>
+          <a:effectRef idx="0">
+            <a:schemeClr val="accent1"/>
+          </a:effectRef>
+          <a:fontRef idx="minor">
+            <a:schemeClr val="lt1"/>
+          </a:fontRef>
+        </p:style>
+        <p:txBody>
+          <a:bodyPr rtlCol="0" anchor="ctr"/>
+          <a:lstStyle/>
+          <a:p>
+            <a:pPr marL="0" marR="0" lvl="0" indent="0" algn="ctr" defTabSz="914400" rtl="0" eaLnBrk="1" fontAlgn="auto" latinLnBrk="0" hangingPunct="1">
+              <a:lnSpc>
+                <a:spcPct val="100000"/>
+              </a:lnSpc>
+              <a:spcBef>
+                <a:spcPts val="0"/>
+              </a:spcBef>
+              <a:spcAft>
+                <a:spcPts val="0"/>
+              </a:spcAft>
+              <a:buClrTx/>
+              <a:buSzTx/>
+              <a:buFontTx/>
+              <a:buNone/>
+              <a:tabLst/>
+              <a:defRPr/>
+            </a:pPr>
+            <a:endParaRPr kumimoji="0" lang="en-US" sz="1800" b="0" i="0" u="none" strike="noStrike" kern="1200" cap="none" spc="0" normalizeH="0" baseline="0" noProof="0">
+              <a:ln>
+                <a:noFill/>
+              </a:ln>
+              <a:solidFill>
+                <a:prstClr val="white"/>
+              </a:solidFill>
+              <a:effectLst/>
+              <a:uLnTx/>
+              <a:uFillTx/>
+              <a:latin typeface="Calibri" panose="020F0502020204030204"/>
+              <a:ea typeface="+mn-ea"/>
+              <a:cs typeface="+mn-cs"/>
+            </a:endParaRPr>
+          </a:p>
+        </p:txBody>
+      </p:sp>
+      <p:sp>
+        <p:nvSpPr>
+          <p:cNvPr id="2" name="Rubrik 1">
+            <a:extLst>
+              <a:ext uri="{FF2B5EF4-FFF2-40B4-BE49-F238E27FC236}">
+                <a16:creationId xmlns:a16="http://schemas.microsoft.com/office/drawing/2014/main" id="{5061A874-0FDA-27C5-E207-92E76593A7C4}"/>
+              </a:ext>
+            </a:extLst>
+          </p:cNvPr>
+          <p:cNvSpPr>
+            <a:spLocks noGrp="1"/>
+          </p:cNvSpPr>
+          <p:nvPr>
+            <p:ph type="title"/>
+          </p:nvPr>
+        </p:nvSpPr>
+        <p:spPr>
+          <a:xfrm>
+            <a:off x="1371599" y="294538"/>
+            <a:ext cx="9895951" cy="1033669"/>
+          </a:xfrm>
+        </p:spPr>
+        <p:txBody>
+          <a:bodyPr>
+            <a:normAutofit/>
+          </a:bodyPr>
+          <a:lstStyle/>
+          <a:p>
+            <a:r>
+              <a:rPr lang="sv-SE" sz="4000" dirty="0" err="1">
+                <a:solidFill>
+                  <a:srgbClr val="FFFFFF"/>
+                </a:solidFill>
+              </a:rPr>
+              <a:t>Rules</a:t>
+            </a:r>
+            <a:r>
+              <a:rPr lang="sv-SE" sz="4000" dirty="0">
+                <a:solidFill>
+                  <a:srgbClr val="FFFFFF"/>
+                </a:solidFill>
+              </a:rPr>
+              <a:t> for </a:t>
+            </a:r>
+            <a:r>
+              <a:rPr lang="sv-SE" sz="4000" dirty="0" err="1">
+                <a:solidFill>
+                  <a:srgbClr val="FFFFFF"/>
+                </a:solidFill>
+              </a:rPr>
+              <a:t>programmers</a:t>
+            </a:r>
+            <a:endParaRPr lang="LID4096" sz="4000" dirty="0">
+              <a:solidFill>
+                <a:srgbClr val="FFFFFF"/>
+              </a:solidFill>
+            </a:endParaRPr>
+          </a:p>
+        </p:txBody>
+      </p:sp>
+      <p:sp>
+        <p:nvSpPr>
+          <p:cNvPr id="3" name="Platshållare för innehåll 2">
+            <a:extLst>
+              <a:ext uri="{FF2B5EF4-FFF2-40B4-BE49-F238E27FC236}">
+                <a16:creationId xmlns:a16="http://schemas.microsoft.com/office/drawing/2014/main" id="{2A4FF5C8-FFF5-6199-97CC-74043C45FA89}"/>
+              </a:ext>
+            </a:extLst>
+          </p:cNvPr>
+          <p:cNvSpPr>
+            <a:spLocks noGrp="1"/>
+          </p:cNvSpPr>
+          <p:nvPr>
+            <p:ph idx="1"/>
+          </p:nvPr>
+        </p:nvSpPr>
+        <p:spPr>
+          <a:xfrm>
+            <a:off x="1371599" y="1885279"/>
+            <a:ext cx="9724031" cy="4569462"/>
+          </a:xfrm>
+        </p:spPr>
+        <p:txBody>
+          <a:bodyPr anchor="ctr">
+            <a:normAutofit/>
+          </a:bodyPr>
+          <a:lstStyle/>
+          <a:p>
+            <a:r>
+              <a:rPr lang="sv-SE" sz="3200" dirty="0"/>
+              <a:t>Must not </a:t>
+            </a:r>
+            <a:r>
+              <a:rPr lang="sv-SE" sz="3200" dirty="0" err="1"/>
+              <a:t>rely</a:t>
+            </a:r>
+            <a:r>
+              <a:rPr lang="sv-SE" sz="3200" dirty="0"/>
+              <a:t> on </a:t>
+            </a:r>
+            <a:r>
+              <a:rPr lang="sv-SE" sz="3200" dirty="0" err="1"/>
+              <a:t>copies</a:t>
+            </a:r>
+            <a:r>
+              <a:rPr lang="sv-SE" sz="3200" dirty="0"/>
+              <a:t> being </a:t>
+            </a:r>
+            <a:r>
+              <a:rPr lang="sv-SE" sz="3200" dirty="0" err="1"/>
+              <a:t>done</a:t>
+            </a:r>
+            <a:r>
+              <a:rPr lang="sv-SE" sz="3200" dirty="0"/>
+              <a:t> </a:t>
+            </a:r>
+            <a:r>
+              <a:rPr lang="sv-SE" sz="3200" dirty="0" err="1"/>
+              <a:t>when</a:t>
+            </a:r>
+            <a:r>
+              <a:rPr lang="sv-SE" sz="3200" dirty="0"/>
+              <a:t> </a:t>
+            </a:r>
+            <a:r>
+              <a:rPr lang="sv-SE" sz="3200" dirty="0" err="1"/>
+              <a:t>moves</a:t>
+            </a:r>
+            <a:r>
+              <a:rPr lang="sv-SE" sz="3200" dirty="0"/>
+              <a:t> </a:t>
+            </a:r>
+            <a:r>
+              <a:rPr lang="sv-SE" sz="3200" dirty="0" err="1"/>
+              <a:t>are</a:t>
+            </a:r>
+            <a:r>
+              <a:rPr lang="sv-SE" sz="3200" dirty="0"/>
+              <a:t> </a:t>
+            </a:r>
+            <a:r>
+              <a:rPr lang="sv-SE" sz="3200" dirty="0" err="1"/>
+              <a:t>possible</a:t>
+            </a:r>
+            <a:r>
+              <a:rPr lang="sv-SE" sz="3200" dirty="0"/>
+              <a:t> – same as for RVO </a:t>
+            </a:r>
+            <a:r>
+              <a:rPr lang="sv-SE" sz="3200" dirty="0" err="1"/>
+              <a:t>but</a:t>
+            </a:r>
+            <a:r>
+              <a:rPr lang="sv-SE" sz="3200" dirty="0"/>
+              <a:t> </a:t>
+            </a:r>
+            <a:r>
+              <a:rPr lang="sv-SE" sz="3200" dirty="0" err="1"/>
+              <a:t>now</a:t>
+            </a:r>
+            <a:r>
+              <a:rPr lang="sv-SE" sz="3200" dirty="0"/>
+              <a:t> for </a:t>
+            </a:r>
+            <a:r>
+              <a:rPr lang="sv-SE" sz="3200" dirty="0" err="1"/>
+              <a:t>types</a:t>
+            </a:r>
+            <a:r>
+              <a:rPr lang="sv-SE" sz="3200" dirty="0"/>
+              <a:t> </a:t>
+            </a:r>
+            <a:r>
+              <a:rPr lang="sv-SE" sz="3200" dirty="0" err="1"/>
+              <a:t>that</a:t>
+            </a:r>
+            <a:r>
+              <a:rPr lang="sv-SE" sz="3200" dirty="0"/>
+              <a:t> </a:t>
+            </a:r>
+            <a:r>
+              <a:rPr lang="sv-SE" sz="3200" dirty="0" err="1"/>
+              <a:t>are</a:t>
+            </a:r>
+            <a:r>
+              <a:rPr lang="sv-SE" sz="3200" dirty="0"/>
+              <a:t> never </a:t>
+            </a:r>
+            <a:r>
+              <a:rPr lang="sv-SE" sz="3200" dirty="0" err="1"/>
+              <a:t>returned</a:t>
+            </a:r>
+            <a:r>
+              <a:rPr lang="sv-SE" sz="3200" dirty="0"/>
+              <a:t>.</a:t>
+            </a:r>
+          </a:p>
+          <a:p>
+            <a:r>
+              <a:rPr lang="sv-SE" sz="3200" dirty="0" err="1"/>
+              <a:t>Should</a:t>
+            </a:r>
+            <a:r>
+              <a:rPr lang="sv-SE" sz="3200" dirty="0"/>
+              <a:t> not </a:t>
+            </a:r>
+            <a:r>
+              <a:rPr lang="sv-SE" sz="3200" dirty="0" err="1"/>
+              <a:t>rely</a:t>
+            </a:r>
+            <a:r>
+              <a:rPr lang="sv-SE" sz="3200" dirty="0"/>
+              <a:t> on </a:t>
+            </a:r>
+            <a:r>
+              <a:rPr lang="sv-SE" sz="3200" dirty="0" err="1"/>
+              <a:t>copies</a:t>
+            </a:r>
+            <a:r>
+              <a:rPr lang="sv-SE" sz="3200" dirty="0"/>
+              <a:t> being </a:t>
+            </a:r>
+            <a:r>
+              <a:rPr lang="sv-SE" sz="3200" dirty="0" err="1"/>
+              <a:t>demoted</a:t>
+            </a:r>
+            <a:r>
+              <a:rPr lang="sv-SE" sz="3200" dirty="0"/>
+              <a:t> to </a:t>
+            </a:r>
+            <a:r>
+              <a:rPr lang="sv-SE" sz="3200" dirty="0" err="1"/>
+              <a:t>moves</a:t>
+            </a:r>
+            <a:r>
+              <a:rPr lang="sv-SE" sz="3200" dirty="0"/>
+              <a:t> </a:t>
+            </a:r>
+            <a:r>
+              <a:rPr lang="sv-SE" sz="3200" dirty="0" err="1"/>
+              <a:t>outside</a:t>
+            </a:r>
+            <a:r>
+              <a:rPr lang="sv-SE" sz="3200" dirty="0"/>
+              <a:t> </a:t>
+            </a:r>
+            <a:r>
+              <a:rPr lang="sv-SE" sz="3200" dirty="0" err="1"/>
+              <a:t>of</a:t>
+            </a:r>
+            <a:r>
+              <a:rPr lang="sv-SE" sz="3200" dirty="0"/>
+              <a:t> the </a:t>
+            </a:r>
+            <a:r>
+              <a:rPr lang="sv-SE" sz="3200" dirty="0" err="1"/>
+              <a:t>mandated</a:t>
+            </a:r>
+            <a:r>
+              <a:rPr lang="sv-SE" sz="3200" dirty="0"/>
+              <a:t> </a:t>
+            </a:r>
+            <a:r>
+              <a:rPr lang="sv-SE" sz="3200" dirty="0" err="1"/>
+              <a:t>basic</a:t>
+            </a:r>
+            <a:r>
+              <a:rPr lang="sv-SE" sz="3200" dirty="0"/>
+              <a:t> </a:t>
+            </a:r>
+            <a:r>
+              <a:rPr lang="sv-SE" sz="3200" dirty="0" err="1"/>
+              <a:t>cases</a:t>
+            </a:r>
+            <a:r>
+              <a:rPr lang="sv-SE" sz="3200" dirty="0"/>
+              <a:t>.</a:t>
+            </a:r>
+            <a:endParaRPr lang="LID4096" sz="3200" dirty="0"/>
+          </a:p>
+        </p:txBody>
+      </p:sp>
+    </p:spTree>
+    <p:extLst>
+      <p:ext uri="{BB962C8B-B14F-4D97-AF65-F5344CB8AC3E}">
+        <p14:creationId xmlns:p14="http://schemas.microsoft.com/office/powerpoint/2010/main" val="2193880684"/>
+      </p:ext>
+    </p:extLst>
+  </p:cSld>
+  <p:clrMapOvr>
+    <a:masterClrMapping/>
+  </p:clrMapOvr>
+</p:sld>
+</file>
+
+<file path=ppt/slides/slide9.xml><?xml version="1.0" encoding="utf-8"?>
+<p:sld xmlns:a="http://schemas.openxmlformats.org/drawingml/2006/main" xmlns:r="http://schemas.openxmlformats.org/officeDocument/2006/relationships" xmlns:p="http://schemas.openxmlformats.org/presentationml/2006/main">
+  <p:cSld>
+    <p:bg>
+      <p:bgPr>
+        <a:solidFill>
+          <a:schemeClr val="bg1"/>
+        </a:solidFill>
+        <a:effectLst/>
+      </p:bgPr>
+    </p:bg>
+    <p:spTree>
+      <p:nvGrpSpPr>
+        <p:cNvPr id="1" name=""/>
+        <p:cNvGrpSpPr/>
+        <p:nvPr/>
+      </p:nvGrpSpPr>
+      <p:grpSpPr>
+        <a:xfrm>
+          <a:off x="0" y="0"/>
+          <a:ext cx="0" cy="0"/>
+          <a:chOff x="0" y="0"/>
+          <a:chExt cx="0" cy="0"/>
+        </a:xfrm>
+      </p:grpSpPr>
+      <p:sp useBgFill="1">
+        <p:nvSpPr>
+          <p:cNvPr id="8" name="Rectangle 7">
+            <a:extLst>
+              <a:ext uri="{FF2B5EF4-FFF2-40B4-BE49-F238E27FC236}">
+                <a16:creationId xmlns:a16="http://schemas.microsoft.com/office/drawing/2014/main" id="{1B15ED52-F352-441B-82BF-E0EA34836D08}"/>
+              </a:ext>
+              <a:ext uri="{C183D7F6-B498-43B3-948B-1728B52AA6E4}">
+                <adec:decorative xmlns:adec="http://schemas.microsoft.com/office/drawing/2017/decorative" val="1"/>
+              </a:ext>
+            </a:extLst>
+          </p:cNvPr>
+          <p:cNvSpPr>
+            <a:spLocks noGrp="1" noRot="1" noChangeAspect="1" noMove="1" noResize="1" noEditPoints="1" noAdjustHandles="1" noChangeArrowheads="1" noChangeShapeType="1" noTextEdit="1"/>
+          </p:cNvSpPr>
+          <p:nvPr>
+            <p:extLst>
+              <p:ext uri="{386F3935-93C4-4BCD-93E2-E3B085C9AB24}">
+                <p16:designElem xmlns:p16="http://schemas.microsoft.com/office/powerpoint/2015/main" val="1"/>
+              </p:ext>
+            </p:extLst>
+          </p:nvPr>
+        </p:nvSpPr>
+        <p:spPr>
+          <a:xfrm>
+            <a:off x="0" y="0"/>
+            <a:ext cx="12192000" cy="6858000"/>
+          </a:xfrm>
+          <a:prstGeom prst="rect">
+            <a:avLst/>
+          </a:prstGeom>
+          <a:ln w="12700" cap="flat" cmpd="sng" algn="ctr">
+            <a:noFill/>
+            <a:prstDash val="solid"/>
+            <a:miter lim="800000"/>
+          </a:ln>
+          <a:effectLst/>
+          <a:extLst>
+            <a:ext uri="{91240B29-F687-4F45-9708-019B960494DF}">
+              <a14:hiddenLine xmlns:a14="http://schemas.microsoft.com/office/drawing/2010/main" w="12700" cap="flat" cmpd="sng" algn="ctr">
+                <a:solidFill>
+                  <a:schemeClr val="accent1">
+                    <a:shade val="50000"/>
+                  </a:schemeClr>
+                </a:solidFill>
+                <a:prstDash val="solid"/>
+                <a:miter lim="800000"/>
+              </a14:hiddenLine>
+            </a:ext>
+          </a:extLst>
+        </p:spPr>
+        <p:style>
+          <a:lnRef idx="2">
+            <a:schemeClr val="accent1">
+              <a:shade val="50000"/>
+            </a:schemeClr>
+          </a:lnRef>
+          <a:fillRef idx="1">
+            <a:schemeClr val="accent1"/>
+          </a:fillRef>
+          <a:effectRef idx="0">
+            <a:schemeClr val="accent1"/>
+          </a:effectRef>
+          <a:fontRef idx="minor">
+            <a:schemeClr val="lt1"/>
+          </a:fontRef>
+        </p:style>
+        <p:txBody>
+          <a:bodyPr rtlCol="0" anchor="ctr"/>
+          <a:lstStyle/>
+          <a:p>
+            <a:pPr marL="0" marR="0" lvl="0" indent="0" algn="ctr" defTabSz="914400" rtl="0" eaLnBrk="1" fontAlgn="auto" latinLnBrk="0" hangingPunct="1">
+              <a:lnSpc>
+                <a:spcPct val="100000"/>
+              </a:lnSpc>
+              <a:spcBef>
+                <a:spcPts val="0"/>
+              </a:spcBef>
+              <a:spcAft>
+                <a:spcPts val="0"/>
+              </a:spcAft>
+              <a:buClrTx/>
+              <a:buSzTx/>
+              <a:buFontTx/>
+              <a:buNone/>
+              <a:tabLst/>
+              <a:defRPr/>
+            </a:pPr>
+            <a:endParaRPr kumimoji="0" lang="en-US" sz="1800" b="0" i="0" u="none" strike="noStrike" kern="1200" cap="none" spc="0" normalizeH="0" baseline="0" noProof="0">
+              <a:ln>
+                <a:noFill/>
+              </a:ln>
+              <a:solidFill>
+                <a:prstClr val="white"/>
+              </a:solidFill>
+              <a:effectLst/>
+              <a:uLnTx/>
+              <a:uFillTx/>
+              <a:latin typeface="Calibri" panose="020F0502020204030204"/>
+              <a:ea typeface="+mn-ea"/>
+              <a:cs typeface="+mn-cs"/>
+            </a:endParaRPr>
+          </a:p>
+        </p:txBody>
+      </p:sp>
+      <p:sp>
+        <p:nvSpPr>
+          <p:cNvPr id="10" name="Rectangle 9">
+            <a:extLst>
+              <a:ext uri="{FF2B5EF4-FFF2-40B4-BE49-F238E27FC236}">
+                <a16:creationId xmlns:a16="http://schemas.microsoft.com/office/drawing/2014/main" id="{3B2E3793-BFE6-45A2-9B7B-E18844431C99}"/>
+              </a:ext>
+              <a:ext uri="{C183D7F6-B498-43B3-948B-1728B52AA6E4}">
+                <adec:decorative xmlns:adec="http://schemas.microsoft.com/office/drawing/2017/decorative" val="1"/>
+              </a:ext>
+            </a:extLst>
+          </p:cNvPr>
+          <p:cNvSpPr>
+            <a:spLocks noGrp="1" noRot="1" noChangeAspect="1" noMove="1" noResize="1" noEditPoints="1" noAdjustHandles="1" noChangeArrowheads="1" noChangeShapeType="1" noTextEdit="1"/>
+          </p:cNvSpPr>
+          <p:nvPr>
+            <p:extLst>
+              <p:ext uri="{386F3935-93C4-4BCD-93E2-E3B085C9AB24}">
+                <p16:designElem xmlns:p16="http://schemas.microsoft.com/office/powerpoint/2015/main" val="1"/>
+              </p:ext>
+            </p:extLst>
+          </p:nvPr>
+        </p:nvSpPr>
+        <p:spPr>
+          <a:xfrm flipH="1">
+            <a:off x="-1" y="-1"/>
+            <a:ext cx="12191998" cy="1590742"/>
+          </a:xfrm>
+          <a:prstGeom prst="rect">
+            <a:avLst/>
+          </a:prstGeom>
+          <a:gradFill>
+            <a:gsLst>
+              <a:gs pos="0">
+                <a:srgbClr val="000000"/>
+              </a:gs>
+              <a:gs pos="100000">
+                <a:schemeClr val="accent1">
+                  <a:lumMod val="75000"/>
+                </a:schemeClr>
+              </a:gs>
+            </a:gsLst>
+            <a:lin ang="8400000" scaled="0"/>
+          </a:gradFill>
+          <a:ln>
+            <a:noFill/>
+          </a:ln>
+        </p:spPr>
+        <p:style>
+          <a:lnRef idx="2">
+            <a:schemeClr val="accent1">
+              <a:shade val="50000"/>
+            </a:schemeClr>
+          </a:lnRef>
+          <a:fillRef idx="1">
+            <a:schemeClr val="accent1"/>
+          </a:fillRef>
+          <a:effectRef idx="0">
+            <a:schemeClr val="accent1"/>
+          </a:effectRef>
+          <a:fontRef idx="minor">
+            <a:schemeClr val="lt1"/>
+          </a:fontRef>
+        </p:style>
+        <p:txBody>
+          <a:bodyPr rtlCol="0" anchor="ctr"/>
+          <a:lstStyle/>
+          <a:p>
+            <a:pPr marL="0" marR="0" lvl="0" indent="0" algn="ctr" defTabSz="914400" rtl="0" eaLnBrk="1" fontAlgn="auto" latinLnBrk="0" hangingPunct="1">
+              <a:lnSpc>
+                <a:spcPct val="100000"/>
+              </a:lnSpc>
+              <a:spcBef>
+                <a:spcPts val="0"/>
+              </a:spcBef>
+              <a:spcAft>
+                <a:spcPts val="0"/>
+              </a:spcAft>
+              <a:buClrTx/>
+              <a:buSzTx/>
+              <a:buFontTx/>
+              <a:buNone/>
+              <a:tabLst/>
+              <a:defRPr/>
+            </a:pPr>
+            <a:endParaRPr kumimoji="0" lang="en-US" sz="1800" b="0" i="0" u="none" strike="noStrike" kern="1200" cap="none" spc="0" normalizeH="0" baseline="0" noProof="0">
+              <a:ln>
+                <a:noFill/>
+              </a:ln>
+              <a:solidFill>
+                <a:prstClr val="white"/>
+              </a:solidFill>
+              <a:effectLst/>
+              <a:uLnTx/>
+              <a:uFillTx/>
+              <a:latin typeface="Calibri" panose="020F0502020204030204"/>
+              <a:ea typeface="+mn-ea"/>
+              <a:cs typeface="+mn-cs"/>
+            </a:endParaRPr>
+          </a:p>
+        </p:txBody>
+      </p:sp>
+      <p:sp>
+        <p:nvSpPr>
+          <p:cNvPr id="12" name="Rectangle 11">
+            <a:extLst>
+              <a:ext uri="{FF2B5EF4-FFF2-40B4-BE49-F238E27FC236}">
+                <a16:creationId xmlns:a16="http://schemas.microsoft.com/office/drawing/2014/main" id="{BC4C4868-CB8F-4AF9-9CDB-8108F2C19B67}"/>
+              </a:ext>
+              <a:ext uri="{C183D7F6-B498-43B3-948B-1728B52AA6E4}">
+                <adec:decorative xmlns:adec="http://schemas.microsoft.com/office/drawing/2017/decorative" val="1"/>
+              </a:ext>
+            </a:extLst>
+          </p:cNvPr>
+          <p:cNvSpPr>
+            <a:spLocks noGrp="1" noRot="1" noChangeAspect="1" noMove="1" noResize="1" noEditPoints="1" noAdjustHandles="1" noChangeArrowheads="1" noChangeShapeType="1" noTextEdit="1"/>
+          </p:cNvSpPr>
+          <p:nvPr>
+            <p:extLst>
+              <p:ext uri="{386F3935-93C4-4BCD-93E2-E3B085C9AB24}">
+                <p16:designElem xmlns:p16="http://schemas.microsoft.com/office/powerpoint/2015/main" val="1"/>
+              </p:ext>
+            </p:extLst>
+          </p:nvPr>
+        </p:nvSpPr>
+        <p:spPr>
+          <a:xfrm rot="10800000" flipH="1">
+            <a:off x="-3" y="0"/>
+            <a:ext cx="8115306" cy="1590742"/>
+          </a:xfrm>
+          <a:prstGeom prst="rect">
+            <a:avLst/>
+          </a:prstGeom>
+          <a:gradFill>
+            <a:gsLst>
+              <a:gs pos="20000">
+                <a:schemeClr val="accent1">
+                  <a:alpha val="0"/>
+                </a:schemeClr>
+              </a:gs>
+              <a:gs pos="100000">
+                <a:schemeClr val="accent1">
+                  <a:lumMod val="50000"/>
+                  <a:alpha val="55000"/>
+                </a:schemeClr>
+              </a:gs>
+            </a:gsLst>
+            <a:lin ang="13800000" scaled="0"/>
+          </a:gradFill>
+          <a:ln>
+            <a:noFill/>
+          </a:ln>
+        </p:spPr>
+        <p:style>
+          <a:lnRef idx="2">
+            <a:schemeClr val="accent1">
+              <a:shade val="50000"/>
+            </a:schemeClr>
+          </a:lnRef>
+          <a:fillRef idx="1">
+            <a:schemeClr val="accent1"/>
+          </a:fillRef>
+          <a:effectRef idx="0">
+            <a:schemeClr val="accent1"/>
+          </a:effectRef>
+          <a:fontRef idx="minor">
+            <a:schemeClr val="lt1"/>
+          </a:fontRef>
+        </p:style>
+        <p:txBody>
+          <a:bodyPr rtlCol="0" anchor="ctr"/>
+          <a:lstStyle/>
+          <a:p>
+            <a:pPr marL="0" marR="0" lvl="0" indent="0" algn="ctr" defTabSz="914400" rtl="0" eaLnBrk="1" fontAlgn="auto" latinLnBrk="0" hangingPunct="1">
+              <a:lnSpc>
+                <a:spcPct val="100000"/>
+              </a:lnSpc>
+              <a:spcBef>
+                <a:spcPts val="0"/>
+              </a:spcBef>
+              <a:spcAft>
+                <a:spcPts val="0"/>
+              </a:spcAft>
+              <a:buClrTx/>
+              <a:buSzTx/>
+              <a:buFontTx/>
+              <a:buNone/>
+              <a:tabLst/>
+              <a:defRPr/>
+            </a:pPr>
+            <a:endParaRPr kumimoji="0" lang="en-US" sz="1800" b="0" i="0" u="none" strike="noStrike" kern="1200" cap="none" spc="0" normalizeH="0" baseline="0" noProof="0">
+              <a:ln>
+                <a:noFill/>
+              </a:ln>
+              <a:solidFill>
+                <a:prstClr val="white"/>
+              </a:solidFill>
+              <a:effectLst/>
+              <a:uLnTx/>
+              <a:uFillTx/>
+              <a:latin typeface="Calibri" panose="020F0502020204030204"/>
+              <a:ea typeface="+mn-ea"/>
+              <a:cs typeface="+mn-cs"/>
+            </a:endParaRPr>
+          </a:p>
+        </p:txBody>
+      </p:sp>
+      <p:sp>
+        <p:nvSpPr>
+          <p:cNvPr id="14" name="Rectangle 13">
+            <a:extLst>
+              <a:ext uri="{FF2B5EF4-FFF2-40B4-BE49-F238E27FC236}">
+                <a16:creationId xmlns:a16="http://schemas.microsoft.com/office/drawing/2014/main" id="{375E0459-6403-40CD-989D-56A4407CA12E}"/>
+              </a:ext>
+              <a:ext uri="{C183D7F6-B498-43B3-948B-1728B52AA6E4}">
+                <adec:decorative xmlns:adec="http://schemas.microsoft.com/office/drawing/2017/decorative" val="1"/>
+              </a:ext>
+            </a:extLst>
+          </p:cNvPr>
+          <p:cNvSpPr>
+            <a:spLocks noGrp="1" noRot="1" noChangeAspect="1" noMove="1" noResize="1" noEditPoints="1" noAdjustHandles="1" noChangeArrowheads="1" noChangeShapeType="1" noTextEdit="1"/>
+          </p:cNvSpPr>
+          <p:nvPr>
+            <p:extLst>
+              <p:ext uri="{386F3935-93C4-4BCD-93E2-E3B085C9AB24}">
+                <p16:designElem xmlns:p16="http://schemas.microsoft.com/office/powerpoint/2015/main" val="1"/>
+              </p:ext>
+            </p:extLst>
+          </p:nvPr>
+        </p:nvSpPr>
+        <p:spPr>
+          <a:xfrm flipH="1">
+            <a:off x="8115299" y="-1"/>
+            <a:ext cx="4076698" cy="1590742"/>
+          </a:xfrm>
+          <a:prstGeom prst="rect">
+            <a:avLst/>
+          </a:prstGeom>
+          <a:gradFill>
+            <a:gsLst>
+              <a:gs pos="0">
+                <a:schemeClr val="accent1">
+                  <a:alpha val="66000"/>
+                </a:schemeClr>
+              </a:gs>
+              <a:gs pos="100000">
+                <a:srgbClr val="000000">
+                  <a:alpha val="30000"/>
+                </a:srgbClr>
+              </a:gs>
+            </a:gsLst>
+            <a:lin ang="13200000" scaled="0"/>
+          </a:gradFill>
+          <a:ln>
+            <a:noFill/>
+          </a:ln>
+        </p:spPr>
+        <p:style>
+          <a:lnRef idx="2">
+            <a:schemeClr val="accent1">
+              <a:shade val="50000"/>
+            </a:schemeClr>
+          </a:lnRef>
+          <a:fillRef idx="1">
+            <a:schemeClr val="accent1"/>
+          </a:fillRef>
+          <a:effectRef idx="0">
+            <a:schemeClr val="accent1"/>
+          </a:effectRef>
+          <a:fontRef idx="minor">
+            <a:schemeClr val="lt1"/>
+          </a:fontRef>
+        </p:style>
+        <p:txBody>
+          <a:bodyPr rtlCol="0" anchor="ctr"/>
+          <a:lstStyle/>
+          <a:p>
+            <a:pPr marL="0" marR="0" lvl="0" indent="0" algn="ctr" defTabSz="914400" rtl="0" eaLnBrk="1" fontAlgn="auto" latinLnBrk="0" hangingPunct="1">
+              <a:lnSpc>
+                <a:spcPct val="100000"/>
+              </a:lnSpc>
+              <a:spcBef>
+                <a:spcPts val="0"/>
+              </a:spcBef>
+              <a:spcAft>
+                <a:spcPts val="0"/>
+              </a:spcAft>
+              <a:buClrTx/>
+              <a:buSzTx/>
+              <a:buFontTx/>
+              <a:buNone/>
+              <a:tabLst/>
+              <a:defRPr/>
+            </a:pPr>
+            <a:endParaRPr kumimoji="0" lang="en-US" sz="1800" b="0" i="0" u="none" strike="noStrike" kern="1200" cap="none" spc="0" normalizeH="0" baseline="0" noProof="0">
+              <a:ln>
+                <a:noFill/>
+              </a:ln>
+              <a:solidFill>
+                <a:prstClr val="white"/>
+              </a:solidFill>
+              <a:effectLst/>
+              <a:uLnTx/>
+              <a:uFillTx/>
+              <a:latin typeface="Calibri" panose="020F0502020204030204"/>
+              <a:ea typeface="+mn-ea"/>
+              <a:cs typeface="+mn-cs"/>
+            </a:endParaRPr>
+          </a:p>
+        </p:txBody>
+      </p:sp>
+      <p:sp>
+        <p:nvSpPr>
+          <p:cNvPr id="16" name="Rectangle 15">
+            <a:extLst>
+              <a:ext uri="{FF2B5EF4-FFF2-40B4-BE49-F238E27FC236}">
+                <a16:creationId xmlns:a16="http://schemas.microsoft.com/office/drawing/2014/main" id="{53E5B1A8-3AC9-4BD1-9BBC-78CA94F2D1BA}"/>
+              </a:ext>
+              <a:ext uri="{C183D7F6-B498-43B3-948B-1728B52AA6E4}">
+                <adec:decorative xmlns:adec="http://schemas.microsoft.com/office/drawing/2017/decorative" val="1"/>
+              </a:ext>
+            </a:extLst>
+          </p:cNvPr>
+          <p:cNvSpPr>
+            <a:spLocks noGrp="1" noRot="1" noChangeAspect="1" noMove="1" noResize="1" noEditPoints="1" noAdjustHandles="1" noChangeArrowheads="1" noChangeShapeType="1" noTextEdit="1"/>
+          </p:cNvSpPr>
+          <p:nvPr>
+            <p:extLst>
+              <p:ext uri="{386F3935-93C4-4BCD-93E2-E3B085C9AB24}">
+                <p16:designElem xmlns:p16="http://schemas.microsoft.com/office/powerpoint/2015/main" val="1"/>
+              </p:ext>
+            </p:extLst>
+          </p:nvPr>
+        </p:nvSpPr>
+        <p:spPr>
+          <a:xfrm>
+            <a:off x="459350" y="-1"/>
+            <a:ext cx="11732646" cy="1597433"/>
+          </a:xfrm>
+          <a:prstGeom prst="rect">
+            <a:avLst/>
+          </a:prstGeom>
+          <a:gradFill>
+            <a:gsLst>
+              <a:gs pos="50000">
+                <a:srgbClr val="000000">
+                  <a:alpha val="0"/>
+                </a:srgbClr>
+              </a:gs>
+              <a:gs pos="99000">
+                <a:schemeClr val="accent1">
+                  <a:lumMod val="50000"/>
+                  <a:alpha val="52000"/>
+                </a:schemeClr>
+              </a:gs>
+            </a:gsLst>
+            <a:lin ang="16800000" scaled="0"/>
+          </a:gradFill>
+          <a:ln>
+            <a:noFill/>
+          </a:ln>
+        </p:spPr>
+        <p:style>
+          <a:lnRef idx="2">
+            <a:schemeClr val="accent1">
+              <a:shade val="50000"/>
+            </a:schemeClr>
+          </a:lnRef>
+          <a:fillRef idx="1">
+            <a:schemeClr val="accent1"/>
+          </a:fillRef>
+          <a:effectRef idx="0">
+            <a:schemeClr val="accent1"/>
+          </a:effectRef>
+          <a:fontRef idx="minor">
+            <a:schemeClr val="lt1"/>
+          </a:fontRef>
+        </p:style>
+        <p:txBody>
+          <a:bodyPr rtlCol="0" anchor="ctr"/>
+          <a:lstStyle/>
+          <a:p>
+            <a:pPr marL="0" marR="0" lvl="0" indent="0" algn="ctr" defTabSz="914400" rtl="0" eaLnBrk="1" fontAlgn="auto" latinLnBrk="0" hangingPunct="1">
+              <a:lnSpc>
+                <a:spcPct val="100000"/>
+              </a:lnSpc>
+              <a:spcBef>
+                <a:spcPts val="0"/>
+              </a:spcBef>
+              <a:spcAft>
+                <a:spcPts val="0"/>
+              </a:spcAft>
+              <a:buClrTx/>
+              <a:buSzTx/>
+              <a:buFontTx/>
+              <a:buNone/>
+              <a:tabLst/>
+              <a:defRPr/>
+            </a:pPr>
+            <a:endParaRPr kumimoji="0" lang="en-US" sz="1800" b="0" i="0" u="none" strike="noStrike" kern="1200" cap="none" spc="0" normalizeH="0" baseline="0" noProof="0">
+              <a:ln>
+                <a:noFill/>
+              </a:ln>
+              <a:solidFill>
+                <a:prstClr val="white"/>
+              </a:solidFill>
+              <a:effectLst/>
+              <a:uLnTx/>
+              <a:uFillTx/>
+              <a:latin typeface="Calibri" panose="020F0502020204030204"/>
+              <a:ea typeface="+mn-ea"/>
+              <a:cs typeface="+mn-cs"/>
+            </a:endParaRPr>
+          </a:p>
+        </p:txBody>
+      </p:sp>
+      <p:sp>
+        <p:nvSpPr>
+          <p:cNvPr id="2" name="Rubrik 1">
+            <a:extLst>
+              <a:ext uri="{FF2B5EF4-FFF2-40B4-BE49-F238E27FC236}">
+                <a16:creationId xmlns:a16="http://schemas.microsoft.com/office/drawing/2014/main" id="{5061A874-0FDA-27C5-E207-92E76593A7C4}"/>
+              </a:ext>
+            </a:extLst>
+          </p:cNvPr>
+          <p:cNvSpPr>
+            <a:spLocks noGrp="1"/>
+          </p:cNvSpPr>
+          <p:nvPr>
+            <p:ph type="title"/>
+          </p:nvPr>
+        </p:nvSpPr>
+        <p:spPr>
+          <a:xfrm>
+            <a:off x="1371599" y="294538"/>
+            <a:ext cx="9895951" cy="1033669"/>
+          </a:xfrm>
+        </p:spPr>
+        <p:txBody>
+          <a:bodyPr>
+            <a:normAutofit/>
+          </a:bodyPr>
+          <a:lstStyle/>
+          <a:p>
+            <a:r>
+              <a:rPr lang="sv-SE" sz="4000" dirty="0" err="1">
+                <a:solidFill>
+                  <a:srgbClr val="FFFFFF"/>
+                </a:solidFill>
+              </a:rPr>
+              <a:t>Rules</a:t>
+            </a:r>
+            <a:r>
+              <a:rPr lang="sv-SE" sz="4000" dirty="0">
+                <a:solidFill>
+                  <a:srgbClr val="FFFFFF"/>
+                </a:solidFill>
+              </a:rPr>
+              <a:t> for </a:t>
+            </a:r>
+            <a:r>
+              <a:rPr lang="sv-SE" sz="4000" dirty="0" err="1">
+                <a:solidFill>
+                  <a:srgbClr val="FFFFFF"/>
+                </a:solidFill>
+              </a:rPr>
+              <a:t>guaranteed</a:t>
+            </a:r>
+            <a:r>
+              <a:rPr lang="sv-SE" sz="4000" dirty="0">
+                <a:solidFill>
+                  <a:srgbClr val="FFFFFF"/>
+                </a:solidFill>
+              </a:rPr>
+              <a:t> LUO</a:t>
+            </a:r>
+            <a:endParaRPr lang="LID4096" sz="4000" dirty="0">
+              <a:solidFill>
+                <a:srgbClr val="FFFFFF"/>
+              </a:solidFill>
+            </a:endParaRPr>
+          </a:p>
+        </p:txBody>
+      </p:sp>
+      <p:sp>
+        <p:nvSpPr>
+          <p:cNvPr id="3" name="Platshållare för innehåll 2">
+            <a:extLst>
+              <a:ext uri="{FF2B5EF4-FFF2-40B4-BE49-F238E27FC236}">
+                <a16:creationId xmlns:a16="http://schemas.microsoft.com/office/drawing/2014/main" id="{2A4FF5C8-FFF5-6199-97CC-74043C45FA89}"/>
+              </a:ext>
+            </a:extLst>
+          </p:cNvPr>
+          <p:cNvSpPr>
+            <a:spLocks noGrp="1"/>
+          </p:cNvSpPr>
+          <p:nvPr>
+            <p:ph idx="1"/>
+          </p:nvPr>
+        </p:nvSpPr>
+        <p:spPr>
+          <a:xfrm>
+            <a:off x="1371599" y="1885279"/>
+            <a:ext cx="9724031" cy="4569462"/>
+          </a:xfrm>
+        </p:spPr>
+        <p:txBody>
+          <a:bodyPr anchor="ctr">
+            <a:normAutofit/>
+          </a:bodyPr>
+          <a:lstStyle/>
+          <a:p>
+            <a:r>
+              <a:rPr lang="sv-SE" sz="3200" dirty="0"/>
+              <a:t>Must be </a:t>
+            </a:r>
+            <a:r>
+              <a:rPr lang="sv-SE" sz="3200" dirty="0" err="1"/>
+              <a:t>defined</a:t>
+            </a:r>
+            <a:r>
+              <a:rPr lang="sv-SE" sz="3200" dirty="0"/>
+              <a:t> </a:t>
+            </a:r>
+            <a:r>
+              <a:rPr lang="sv-SE" sz="3200" dirty="0" err="1"/>
+              <a:t>together</a:t>
+            </a:r>
+            <a:r>
+              <a:rPr lang="sv-SE" sz="3200" dirty="0"/>
+              <a:t> </a:t>
+            </a:r>
+            <a:r>
+              <a:rPr lang="sv-SE" sz="3200" dirty="0" err="1"/>
+              <a:t>with</a:t>
+            </a:r>
+            <a:r>
+              <a:rPr lang="sv-SE" sz="3200" dirty="0"/>
+              <a:t> </a:t>
+            </a:r>
+            <a:r>
+              <a:rPr lang="sv-SE" sz="3200" dirty="0" err="1"/>
+              <a:t>compiler</a:t>
+            </a:r>
+            <a:r>
+              <a:rPr lang="sv-SE" sz="3200" dirty="0"/>
+              <a:t> </a:t>
+            </a:r>
+            <a:r>
+              <a:rPr lang="sv-SE" sz="3200" dirty="0" err="1"/>
+              <a:t>vendors</a:t>
+            </a:r>
+            <a:endParaRPr lang="sv-SE" sz="3200" dirty="0"/>
+          </a:p>
+          <a:p>
+            <a:r>
+              <a:rPr lang="sv-SE" sz="3200" dirty="0"/>
+              <a:t>If </a:t>
+            </a:r>
+            <a:r>
+              <a:rPr lang="sv-SE" sz="3200" dirty="0" err="1"/>
+              <a:t>too</a:t>
+            </a:r>
+            <a:r>
+              <a:rPr lang="sv-SE" sz="3200" dirty="0"/>
+              <a:t> </a:t>
+            </a:r>
+            <a:r>
+              <a:rPr lang="sv-SE" sz="3200" dirty="0" err="1"/>
+              <a:t>complicated</a:t>
+            </a:r>
+            <a:r>
+              <a:rPr lang="sv-SE" sz="3200" dirty="0"/>
+              <a:t> </a:t>
+            </a:r>
+            <a:r>
+              <a:rPr lang="sv-SE" sz="3200" dirty="0" err="1"/>
+              <a:t>programmers</a:t>
+            </a:r>
+            <a:r>
+              <a:rPr lang="sv-SE" sz="3200" dirty="0"/>
+              <a:t> </a:t>
+            </a:r>
+            <a:r>
+              <a:rPr lang="sv-SE" sz="3200" dirty="0" err="1"/>
+              <a:t>will</a:t>
+            </a:r>
+            <a:r>
+              <a:rPr lang="sv-SE" sz="3200" dirty="0"/>
+              <a:t> not </a:t>
+            </a:r>
+            <a:r>
+              <a:rPr lang="sv-SE" sz="3200" dirty="0" err="1"/>
+              <a:t>feel</a:t>
+            </a:r>
+            <a:r>
+              <a:rPr lang="sv-SE" sz="3200" dirty="0"/>
+              <a:t> </a:t>
+            </a:r>
+            <a:r>
+              <a:rPr lang="sv-SE" sz="3200" dirty="0" err="1"/>
+              <a:t>safe</a:t>
+            </a:r>
+            <a:r>
+              <a:rPr lang="sv-SE" sz="3200" dirty="0"/>
+              <a:t> to </a:t>
+            </a:r>
+            <a:r>
+              <a:rPr lang="sv-SE" sz="3200" dirty="0" err="1"/>
+              <a:t>remove</a:t>
+            </a:r>
+            <a:r>
+              <a:rPr lang="sv-SE" sz="3200" dirty="0"/>
+              <a:t> </a:t>
+            </a:r>
+            <a:r>
+              <a:rPr lang="sv-SE" sz="3200" dirty="0" err="1"/>
+              <a:t>move</a:t>
+            </a:r>
+            <a:r>
+              <a:rPr lang="sv-SE" sz="3200" dirty="0"/>
+              <a:t>/forward.</a:t>
+            </a:r>
+          </a:p>
+          <a:p>
+            <a:r>
+              <a:rPr lang="sv-SE" sz="3200" dirty="0"/>
+              <a:t>Alternative: ”Always </a:t>
+            </a:r>
+            <a:r>
+              <a:rPr lang="sv-SE" sz="3200" dirty="0" err="1"/>
+              <a:t>when</a:t>
+            </a:r>
+            <a:r>
+              <a:rPr lang="sv-SE" sz="3200" dirty="0"/>
+              <a:t> </a:t>
+            </a:r>
+            <a:r>
+              <a:rPr lang="sv-SE" sz="3200" dirty="0" err="1"/>
+              <a:t>function</a:t>
+            </a:r>
+            <a:r>
+              <a:rPr lang="sv-SE" sz="3200" dirty="0"/>
+              <a:t> has no </a:t>
+            </a:r>
+            <a:r>
+              <a:rPr lang="sv-SE" sz="3200" dirty="0" err="1"/>
+              <a:t>branches</a:t>
+            </a:r>
+            <a:r>
+              <a:rPr lang="sv-SE" sz="3200" dirty="0"/>
+              <a:t>”.</a:t>
+            </a:r>
+          </a:p>
+          <a:p>
+            <a:r>
+              <a:rPr lang="sv-SE" sz="3200" dirty="0"/>
+              <a:t>Alternative: ”Always </a:t>
+            </a:r>
+            <a:r>
+              <a:rPr lang="sv-SE" sz="3200" dirty="0" err="1"/>
+              <a:t>when</a:t>
+            </a:r>
+            <a:r>
+              <a:rPr lang="sv-SE" sz="3200" dirty="0"/>
+              <a:t> </a:t>
+            </a:r>
+            <a:r>
+              <a:rPr lang="sv-SE" sz="3200" dirty="0" err="1"/>
+              <a:t>function</a:t>
+            </a:r>
+            <a:r>
+              <a:rPr lang="sv-SE" sz="3200" dirty="0"/>
+              <a:t> has no loops”.</a:t>
+            </a:r>
+          </a:p>
+          <a:p>
+            <a:r>
+              <a:rPr lang="sv-SE" sz="3200" dirty="0"/>
+              <a:t>Alternative: ”Always </a:t>
+            </a:r>
+            <a:r>
+              <a:rPr lang="sv-SE" sz="3200" dirty="0" err="1"/>
+              <a:t>outside</a:t>
+            </a:r>
+            <a:r>
+              <a:rPr lang="sv-SE" sz="3200" dirty="0"/>
+              <a:t> </a:t>
+            </a:r>
+            <a:r>
+              <a:rPr lang="sv-SE" sz="3200" dirty="0" err="1"/>
+              <a:t>of</a:t>
+            </a:r>
+            <a:r>
+              <a:rPr lang="sv-SE" sz="3200" dirty="0"/>
+              <a:t> loops”.</a:t>
+            </a:r>
+          </a:p>
+          <a:p>
+            <a:r>
+              <a:rPr lang="sv-SE" sz="3200" dirty="0"/>
+              <a:t>Alternative: ”Always </a:t>
+            </a:r>
+            <a:r>
+              <a:rPr lang="sv-SE" sz="3200" dirty="0" err="1"/>
+              <a:t>outside</a:t>
+            </a:r>
+            <a:r>
+              <a:rPr lang="sv-SE" sz="3200" dirty="0"/>
+              <a:t> </a:t>
+            </a:r>
+            <a:r>
+              <a:rPr lang="sv-SE" sz="3200" dirty="0" err="1"/>
+              <a:t>of</a:t>
+            </a:r>
+            <a:r>
+              <a:rPr lang="sv-SE" sz="3200" dirty="0"/>
+              <a:t> loops, and </a:t>
+            </a:r>
+            <a:r>
+              <a:rPr lang="sv-SE" sz="3200" dirty="0" err="1"/>
+              <a:t>if</a:t>
+            </a:r>
+            <a:r>
+              <a:rPr lang="sv-SE" sz="3200" dirty="0"/>
+              <a:t> </a:t>
+            </a:r>
+            <a:r>
+              <a:rPr lang="sv-SE" sz="3200" dirty="0" err="1"/>
+              <a:t>reassigned</a:t>
+            </a:r>
+            <a:r>
+              <a:rPr lang="sv-SE" sz="3200" dirty="0"/>
+              <a:t>”.</a:t>
+            </a:r>
+          </a:p>
+          <a:p>
+            <a:r>
+              <a:rPr lang="sv-SE" sz="3200" dirty="0"/>
+              <a:t>Alternative: ”Always, and </a:t>
+            </a:r>
+            <a:r>
+              <a:rPr lang="sv-SE" sz="3200" dirty="0" err="1"/>
+              <a:t>if</a:t>
+            </a:r>
+            <a:r>
+              <a:rPr lang="sv-SE" sz="3200" dirty="0"/>
+              <a:t> </a:t>
+            </a:r>
+            <a:r>
+              <a:rPr lang="sv-SE" sz="3200" dirty="0" err="1"/>
+              <a:t>reassigned</a:t>
+            </a:r>
+            <a:r>
+              <a:rPr lang="sv-SE" sz="3200" dirty="0"/>
+              <a:t>”.</a:t>
+            </a:r>
+            <a:endParaRPr lang="LID4096" sz="3200" dirty="0"/>
+          </a:p>
+        </p:txBody>
+      </p:sp>
+      <p:sp>
+        <p:nvSpPr>
+          <p:cNvPr id="4" name="Star: 5 Points 3">
+            <a:extLst>
+              <a:ext uri="{FF2B5EF4-FFF2-40B4-BE49-F238E27FC236}">
+                <a16:creationId xmlns:a16="http://schemas.microsoft.com/office/drawing/2014/main" id="{F4B5D41D-2986-0B62-C016-8FBCAAF8E740}"/>
+              </a:ext>
+            </a:extLst>
+          </p:cNvPr>
+          <p:cNvSpPr/>
+          <p:nvPr/>
+        </p:nvSpPr>
+        <p:spPr>
+          <a:xfrm>
+            <a:off x="11051889" y="5348378"/>
+            <a:ext cx="431321" cy="319177"/>
+          </a:xfrm>
+          <a:prstGeom prst="star5">
+            <a:avLst/>
+          </a:prstGeom>
+        </p:spPr>
+        <p:style>
+          <a:lnRef idx="2">
+            <a:schemeClr val="accent4">
+              <a:shade val="50000"/>
+            </a:schemeClr>
+          </a:lnRef>
+          <a:fillRef idx="1">
+            <a:schemeClr val="accent4"/>
+          </a:fillRef>
+          <a:effectRef idx="0">
+            <a:schemeClr val="accent4"/>
+          </a:effectRef>
+          <a:fontRef idx="minor">
+            <a:schemeClr val="lt1"/>
+          </a:fontRef>
+        </p:style>
+        <p:txBody>
+          <a:bodyPr rtlCol="0" anchor="ctr"/>
+          <a:lstStyle/>
+          <a:p>
+            <a:pPr algn="ctr"/>
+            <a:endParaRPr lang="LID4096"/>
+          </a:p>
+        </p:txBody>
+      </p:sp>
+    </p:spTree>
+    <p:extLst>
+      <p:ext uri="{BB962C8B-B14F-4D97-AF65-F5344CB8AC3E}">
+        <p14:creationId xmlns:p14="http://schemas.microsoft.com/office/powerpoint/2010/main" val="1437194989"/>
       </p:ext>
     </p:extLst>
   </p:cSld>
